--- a/LplcSimulator/LplcSimulator/原稿/数理モデルv4.pptx
+++ b/LplcSimulator/LplcSimulator/原稿/数理モデルv4.pptx
@@ -258,7 +258,7 @@
           <a:p>
             <a:fld id="{D898D209-D044-4287-9484-2E6AF18D35B4}" type="datetimeFigureOut">
               <a:rPr kumimoji="1" lang="ja-JP" altLang="en-US" smtClean="0"/>
-              <a:t>2019/1/9</a:t>
+              <a:t>2019/1/10</a:t>
             </a:fld>
             <a:endParaRPr kumimoji="1" lang="ja-JP" altLang="en-US"/>
           </a:p>
@@ -460,7 +460,7 @@
           <a:p>
             <a:fld id="{D898D209-D044-4287-9484-2E6AF18D35B4}" type="datetimeFigureOut">
               <a:rPr kumimoji="1" lang="ja-JP" altLang="en-US" smtClean="0"/>
-              <a:t>2019/1/9</a:t>
+              <a:t>2019/1/10</a:t>
             </a:fld>
             <a:endParaRPr kumimoji="1" lang="ja-JP" altLang="en-US"/>
           </a:p>
@@ -672,7 +672,7 @@
           <a:p>
             <a:fld id="{D898D209-D044-4287-9484-2E6AF18D35B4}" type="datetimeFigureOut">
               <a:rPr kumimoji="1" lang="ja-JP" altLang="en-US" smtClean="0"/>
-              <a:t>2019/1/9</a:t>
+              <a:t>2019/1/10</a:t>
             </a:fld>
             <a:endParaRPr kumimoji="1" lang="ja-JP" altLang="en-US"/>
           </a:p>
@@ -874,7 +874,7 @@
           <a:p>
             <a:fld id="{D898D209-D044-4287-9484-2E6AF18D35B4}" type="datetimeFigureOut">
               <a:rPr kumimoji="1" lang="ja-JP" altLang="en-US" smtClean="0"/>
-              <a:t>2019/1/9</a:t>
+              <a:t>2019/1/10</a:t>
             </a:fld>
             <a:endParaRPr kumimoji="1" lang="ja-JP" altLang="en-US"/>
           </a:p>
@@ -1120,7 +1120,7 @@
           <a:p>
             <a:fld id="{D898D209-D044-4287-9484-2E6AF18D35B4}" type="datetimeFigureOut">
               <a:rPr kumimoji="1" lang="ja-JP" altLang="en-US" smtClean="0"/>
-              <a:t>2019/1/9</a:t>
+              <a:t>2019/1/10</a:t>
             </a:fld>
             <a:endParaRPr kumimoji="1" lang="ja-JP" altLang="en-US"/>
           </a:p>
@@ -1416,7 +1416,7 @@
           <a:p>
             <a:fld id="{D898D209-D044-4287-9484-2E6AF18D35B4}" type="datetimeFigureOut">
               <a:rPr kumimoji="1" lang="ja-JP" altLang="en-US" smtClean="0"/>
-              <a:t>2019/1/9</a:t>
+              <a:t>2019/1/10</a:t>
             </a:fld>
             <a:endParaRPr kumimoji="1" lang="ja-JP" altLang="en-US"/>
           </a:p>
@@ -1847,7 +1847,7 @@
           <a:p>
             <a:fld id="{D898D209-D044-4287-9484-2E6AF18D35B4}" type="datetimeFigureOut">
               <a:rPr kumimoji="1" lang="ja-JP" altLang="en-US" smtClean="0"/>
-              <a:t>2019/1/9</a:t>
+              <a:t>2019/1/10</a:t>
             </a:fld>
             <a:endParaRPr kumimoji="1" lang="ja-JP" altLang="en-US"/>
           </a:p>
@@ -1965,7 +1965,7 @@
           <a:p>
             <a:fld id="{D898D209-D044-4287-9484-2E6AF18D35B4}" type="datetimeFigureOut">
               <a:rPr kumimoji="1" lang="ja-JP" altLang="en-US" smtClean="0"/>
-              <a:t>2019/1/9</a:t>
+              <a:t>2019/1/10</a:t>
             </a:fld>
             <a:endParaRPr kumimoji="1" lang="ja-JP" altLang="en-US"/>
           </a:p>
@@ -2060,7 +2060,7 @@
           <a:p>
             <a:fld id="{D898D209-D044-4287-9484-2E6AF18D35B4}" type="datetimeFigureOut">
               <a:rPr kumimoji="1" lang="ja-JP" altLang="en-US" smtClean="0"/>
-              <a:t>2019/1/9</a:t>
+              <a:t>2019/1/10</a:t>
             </a:fld>
             <a:endParaRPr kumimoji="1" lang="ja-JP" altLang="en-US"/>
           </a:p>
@@ -2369,7 +2369,7 @@
           <a:p>
             <a:fld id="{D898D209-D044-4287-9484-2E6AF18D35B4}" type="datetimeFigureOut">
               <a:rPr kumimoji="1" lang="ja-JP" altLang="en-US" smtClean="0"/>
-              <a:t>2019/1/9</a:t>
+              <a:t>2019/1/10</a:t>
             </a:fld>
             <a:endParaRPr kumimoji="1" lang="ja-JP" altLang="en-US"/>
           </a:p>
@@ -2622,7 +2622,7 @@
           <a:p>
             <a:fld id="{D898D209-D044-4287-9484-2E6AF18D35B4}" type="datetimeFigureOut">
               <a:rPr kumimoji="1" lang="ja-JP" altLang="en-US" smtClean="0"/>
-              <a:t>2019/1/9</a:t>
+              <a:t>2019/1/10</a:t>
             </a:fld>
             <a:endParaRPr kumimoji="1" lang="ja-JP" altLang="en-US"/>
           </a:p>
@@ -2867,7 +2867,7 @@
           <a:p>
             <a:fld id="{D898D209-D044-4287-9484-2E6AF18D35B4}" type="datetimeFigureOut">
               <a:rPr kumimoji="1" lang="ja-JP" altLang="en-US" smtClean="0"/>
-              <a:t>2019/1/9</a:t>
+              <a:t>2019/1/10</a:t>
             </a:fld>
             <a:endParaRPr kumimoji="1" lang="ja-JP" altLang="en-US"/>
           </a:p>
@@ -3685,14 +3685,14 @@
         </p:nvGrpSpPr>
         <p:grpSpPr>
           <a:xfrm>
-            <a:off x="1204140" y="3621798"/>
-            <a:ext cx="7801121" cy="1780368"/>
-            <a:chOff x="1204140" y="3621798"/>
-            <a:chExt cx="7801121" cy="1780368"/>
+            <a:off x="1597967" y="3621798"/>
+            <a:ext cx="7768566" cy="1780368"/>
+            <a:chOff x="1597967" y="3621798"/>
+            <a:chExt cx="7768566" cy="1780368"/>
           </a:xfrm>
         </p:grpSpPr>
-        <mc:AlternateContent xmlns:mc="http://schemas.openxmlformats.org/markup-compatibility/2006" xmlns:a14="http://schemas.microsoft.com/office/drawing/2010/main">
-          <mc:Choice Requires="a14">
+        <mc:AlternateContent xmlns:mc="http://schemas.openxmlformats.org/markup-compatibility/2006">
+          <mc:Choice xmlns:a14="http://schemas.microsoft.com/office/drawing/2010/main" Requires="a14">
             <p:sp>
               <p:nvSpPr>
                 <p:cNvPr id="7" name="テキスト ボックス 6"/>
@@ -3701,8 +3701,8 @@
               </p:nvSpPr>
               <p:spPr>
                 <a:xfrm>
-                  <a:off x="1204140" y="4146177"/>
-                  <a:ext cx="2738507" cy="731611"/>
+                  <a:off x="1597967" y="4212701"/>
+                  <a:ext cx="2263504" cy="598562"/>
                 </a:xfrm>
                 <a:prstGeom prst="rect">
                   <a:avLst/>
@@ -3725,26 +3725,26 @@
                         <m:sSub>
                           <m:sSubPr>
                             <m:ctrlPr>
-                              <a:rPr kumimoji="1" lang="en-US" altLang="ja-JP" sz="4400" i="1" smtClean="0">
+                              <a:rPr kumimoji="1" lang="en-US" altLang="ja-JP" sz="3600" i="1" smtClean="0">
                                 <a:latin typeface="Cambria Math" panose="02040503050406030204" pitchFamily="18" charset="0"/>
                               </a:rPr>
                             </m:ctrlPr>
                           </m:sSubPr>
                           <m:e>
                             <m:r>
-                              <a:rPr kumimoji="1" lang="en-US" altLang="ja-JP" sz="4400" b="0" i="1" smtClean="0">
+                              <a:rPr kumimoji="1" lang="en-US" altLang="ja-JP" sz="3600" b="0" i="1" smtClean="0">
                                 <a:latin typeface="Cambria Math" panose="02040503050406030204" pitchFamily="18" charset="0"/>
                               </a:rPr>
                               <m:t>[</m:t>
                             </m:r>
                             <m:r>
-                              <a:rPr kumimoji="1" lang="en-US" altLang="ja-JP" sz="4400" b="0" i="1" smtClean="0">
+                              <a:rPr kumimoji="1" lang="en-US" altLang="ja-JP" sz="3600" b="0" i="1" smtClean="0">
                                 <a:latin typeface="Cambria Math" panose="02040503050406030204" pitchFamily="18" charset="0"/>
                               </a:rPr>
                               <m:t>𝐴𝑅𝑇𝑛</m:t>
                             </m:r>
                             <m:r>
-                              <a:rPr kumimoji="1" lang="en-US" altLang="ja-JP" sz="4400" b="0" i="1" smtClean="0">
+                              <a:rPr kumimoji="1" lang="en-US" altLang="ja-JP" sz="3600" b="0" i="1" smtClean="0">
                                 <a:latin typeface="Cambria Math" panose="02040503050406030204" pitchFamily="18" charset="0"/>
                               </a:rPr>
                               <m:t>]</m:t>
@@ -3752,7 +3752,7 @@
                           </m:e>
                           <m:sub>
                             <m:r>
-                              <a:rPr kumimoji="1" lang="en-US" altLang="ja-JP" sz="4400" b="0" i="1" smtClean="0">
+                              <a:rPr kumimoji="1" lang="en-US" altLang="ja-JP" sz="3600" b="0" i="1" smtClean="0">
                                 <a:latin typeface="Cambria Math" panose="02040503050406030204" pitchFamily="18" charset="0"/>
                               </a:rPr>
                               <m:t>𝑖𝑗</m:t>
@@ -3760,7 +3760,7 @@
                           </m:sub>
                         </m:sSub>
                         <m:r>
-                          <a:rPr kumimoji="1" lang="en-US" altLang="ja-JP" sz="4400" b="0" i="1" smtClean="0">
+                          <a:rPr kumimoji="1" lang="en-US" altLang="ja-JP" sz="3600" b="0" i="1" smtClean="0">
                             <a:latin typeface="Cambria Math" panose="02040503050406030204" pitchFamily="18" charset="0"/>
                           </a:rPr>
                           <m:t>=</m:t>
@@ -3768,12 +3768,15 @@
                       </m:oMath>
                     </m:oMathPara>
                   </a14:m>
-                  <a:endParaRPr kumimoji="1" lang="ja-JP" altLang="en-US" sz="4400" dirty="0"/>
+                  <a:endParaRPr kumimoji="1" lang="ja-JP" altLang="en-US" sz="3600" i="1" dirty="0">
+                    <a:latin typeface="HGPｺﾞｼｯｸM" panose="020B0600000000000000" pitchFamily="50" charset="-128"/>
+                    <a:ea typeface="HGPｺﾞｼｯｸM" panose="020B0600000000000000" pitchFamily="50" charset="-128"/>
+                  </a:endParaRPr>
                 </a:p>
               </p:txBody>
             </p:sp>
           </mc:Choice>
-          <mc:Fallback xmlns="">
+          <mc:Fallback>
             <p:sp>
               <p:nvSpPr>
                 <p:cNvPr id="7" name="テキスト ボックス 6"/>
@@ -3784,16 +3787,16 @@
               </p:nvSpPr>
               <p:spPr>
                 <a:xfrm>
-                  <a:off x="1204140" y="4146177"/>
-                  <a:ext cx="2738507" cy="731611"/>
+                  <a:off x="1597967" y="4212701"/>
+                  <a:ext cx="2263504" cy="598562"/>
                 </a:xfrm>
                 <a:prstGeom prst="rect">
                   <a:avLst/>
                 </a:prstGeom>
-                <a:blipFill>
+                <a:blipFill rotWithShape="0">
                   <a:blip r:embed="rId3"/>
                   <a:stretch>
-                    <a:fillRect/>
+                    <a:fillRect b="-1020"/>
                   </a:stretch>
                 </a:blipFill>
               </p:spPr>
@@ -3847,12 +3850,15 @@
             <a:lstStyle/>
             <a:p>
               <a:pPr algn="ctr"/>
-              <a:endParaRPr kumimoji="1" lang="ja-JP" altLang="en-US"/>
+              <a:endParaRPr kumimoji="1" lang="ja-JP" altLang="en-US" i="1">
+                <a:latin typeface="HGPｺﾞｼｯｸM" panose="020B0600000000000000" pitchFamily="50" charset="-128"/>
+                <a:ea typeface="HGPｺﾞｼｯｸM" panose="020B0600000000000000" pitchFamily="50" charset="-128"/>
+              </a:endParaRPr>
             </a:p>
           </p:txBody>
         </p:sp>
-        <mc:AlternateContent xmlns:mc="http://schemas.openxmlformats.org/markup-compatibility/2006" xmlns:a14="http://schemas.microsoft.com/office/drawing/2010/main">
-          <mc:Choice Requires="a14">
+        <mc:AlternateContent xmlns:mc="http://schemas.openxmlformats.org/markup-compatibility/2006">
+          <mc:Choice xmlns:a14="http://schemas.microsoft.com/office/drawing/2010/main" Requires="a14">
             <p:sp>
               <p:nvSpPr>
                 <p:cNvPr id="10" name="テキスト ボックス 9"/>
@@ -3861,8 +3867,8 @@
               </p:nvSpPr>
               <p:spPr>
                 <a:xfrm>
-                  <a:off x="4612555" y="3848568"/>
-                  <a:ext cx="4289398" cy="830997"/>
+                  <a:off x="4596789" y="3794116"/>
+                  <a:ext cx="4657569" cy="954107"/>
                 </a:xfrm>
                 <a:prstGeom prst="rect">
                   <a:avLst/>
@@ -3876,66 +3882,90 @@
                 <a:lstStyle/>
                 <a:p>
                   <a:r>
-                    <a:rPr kumimoji="1" lang="en-US" altLang="ja-JP" sz="2400" dirty="0" smtClean="0"/>
-                    <a:t>1  if </a:t>
+                    <a:rPr kumimoji="1" lang="en-US" altLang="ja-JP" sz="2800" i="1" dirty="0" smtClean="0">
+                      <a:latin typeface="HGPｺﾞｼｯｸM" panose="020B0600000000000000" pitchFamily="50" charset="-128"/>
+                      <a:ea typeface="HGPｺﾞｼｯｸM" panose="020B0600000000000000" pitchFamily="50" charset="-128"/>
+                    </a:rPr>
+                    <a:t>1 </a:t>
+                  </a:r>
+                  <a:r>
+                    <a:rPr kumimoji="1" lang="en-US" altLang="ja-JP" sz="2800" i="1" dirty="0" smtClean="0">
+                      <a:latin typeface="HGPｺﾞｼｯｸM" panose="020B0600000000000000" pitchFamily="50" charset="-128"/>
+                      <a:ea typeface="HGPｺﾞｼｯｸM" panose="020B0600000000000000" pitchFamily="50" charset="-128"/>
+                    </a:rPr>
+                    <a:t>  </a:t>
+                  </a:r>
+                  <a:r>
+                    <a:rPr kumimoji="1" lang="en-US" altLang="ja-JP" sz="2800" i="1" dirty="0" smtClean="0">
+                      <a:latin typeface="HGPｺﾞｼｯｸM" panose="020B0600000000000000" pitchFamily="50" charset="-128"/>
+                      <a:ea typeface="HGPｺﾞｼｯｸM" panose="020B0600000000000000" pitchFamily="50" charset="-128"/>
+                    </a:rPr>
+                    <a:t>if </a:t>
+                  </a:r>
+                  <a:r>
+                    <a:rPr kumimoji="1" lang="en-US" altLang="ja-JP" sz="2800" i="1" dirty="0" smtClean="0">
+                      <a:latin typeface="HGPｺﾞｼｯｸM" panose="020B0600000000000000" pitchFamily="50" charset="-128"/>
+                      <a:ea typeface="HGPｺﾞｼｯｸM" panose="020B0600000000000000" pitchFamily="50" charset="-128"/>
+                    </a:rPr>
+                    <a:t> </a:t>
                   </a:r>
                   <a14:m>
                     <m:oMath xmlns:m="http://schemas.openxmlformats.org/officeDocument/2006/math">
                       <m:r>
-                        <a:rPr kumimoji="1" lang="en-US" altLang="ja-JP" sz="2400" b="0" i="1" smtClean="0">
+                        <a:rPr kumimoji="1" lang="en-US" altLang="ja-JP" sz="2800" b="0" i="1" smtClean="0">
                           <a:latin typeface="Cambria Math" panose="02040503050406030204" pitchFamily="18" charset="0"/>
                         </a:rPr>
                         <m:t>𝑥</m:t>
                       </m:r>
                       <m:r>
-                        <a:rPr kumimoji="1" lang="en-US" altLang="ja-JP" sz="2400" b="0" i="1" smtClean="0">
+                        <a:rPr kumimoji="1" lang="en-US" altLang="ja-JP" sz="2800" b="0" i="1" smtClean="0">
                           <a:latin typeface="Cambria Math" panose="02040503050406030204" pitchFamily="18" charset="0"/>
                         </a:rPr>
                         <m:t>−</m:t>
                       </m:r>
                       <m:r>
-                        <a:rPr kumimoji="1" lang="en-US" altLang="ja-JP" sz="2400" b="0" i="1" smtClean="0">
+                        <a:rPr kumimoji="1" lang="en-US" altLang="ja-JP" sz="2800" b="0" i="1" smtClean="0">
                           <a:latin typeface="Cambria Math" panose="02040503050406030204" pitchFamily="18" charset="0"/>
                         </a:rPr>
                         <m:t>𝑟</m:t>
                       </m:r>
                       <m:r>
-                        <a:rPr kumimoji="1" lang="en-US" altLang="ja-JP" sz="2400" b="0" i="1" smtClean="0">
+                        <a:rPr kumimoji="1" lang="en-US" altLang="ja-JP" sz="2800" b="0" i="1" smtClean="0">
                           <a:latin typeface="Cambria Math" panose="02040503050406030204" pitchFamily="18" charset="0"/>
                           <a:ea typeface="Cambria Math" panose="02040503050406030204" pitchFamily="18" charset="0"/>
                         </a:rPr>
                         <m:t>≤</m:t>
                       </m:r>
                       <m:r>
-                        <a:rPr kumimoji="1" lang="en-US" altLang="ja-JP" sz="2400" b="0" i="1" smtClean="0">
+                        <a:rPr kumimoji="1" lang="en-US" altLang="ja-JP" sz="2800" b="0" i="1" smtClean="0">
                           <a:latin typeface="Cambria Math" panose="02040503050406030204" pitchFamily="18" charset="0"/>
                           <a:ea typeface="Cambria Math" panose="02040503050406030204" pitchFamily="18" charset="0"/>
                         </a:rPr>
                         <m:t>𝑖</m:t>
                       </m:r>
                       <m:r>
-                        <a:rPr kumimoji="1" lang="en-US" altLang="ja-JP" sz="2400" b="0" i="1" smtClean="0">
+                        <a:rPr kumimoji="1" lang="en-US" altLang="ja-JP" sz="2800" b="0" i="1" smtClean="0">
                           <a:latin typeface="Cambria Math" panose="02040503050406030204" pitchFamily="18" charset="0"/>
                           <a:ea typeface="Cambria Math" panose="02040503050406030204" pitchFamily="18" charset="0"/>
                         </a:rPr>
                         <m:t>≤</m:t>
                       </m:r>
                       <m:r>
-                        <a:rPr kumimoji="1" lang="en-US" altLang="ja-JP" sz="2400" b="0" i="1" smtClean="0">
+                        <a:rPr kumimoji="1" lang="en-US" altLang="ja-JP" sz="2800" b="0" i="1" smtClean="0">
                           <a:latin typeface="Cambria Math" panose="02040503050406030204" pitchFamily="18" charset="0"/>
                           <a:ea typeface="Cambria Math" panose="02040503050406030204" pitchFamily="18" charset="0"/>
                         </a:rPr>
                         <m:t>𝑥</m:t>
                       </m:r>
                       <m:r>
-                        <a:rPr kumimoji="1" lang="en-US" altLang="ja-JP" sz="2400" b="0" i="1" smtClean="0">
+                        <a:rPr kumimoji="1" lang="en-US" altLang="ja-JP" sz="2800" b="0" i="1" smtClean="0">
                           <a:latin typeface="Cambria Math" panose="02040503050406030204" pitchFamily="18" charset="0"/>
                           <a:ea typeface="Cambria Math" panose="02040503050406030204" pitchFamily="18" charset="0"/>
                         </a:rPr>
                         <m:t>+</m:t>
                       </m:r>
                       <m:r>
-                        <a:rPr kumimoji="1" lang="en-US" altLang="ja-JP" sz="2400" b="0" i="1" smtClean="0">
+                        <a:rPr kumimoji="1" lang="en-US" altLang="ja-JP" sz="2800" b="0" i="1" smtClean="0">
                           <a:latin typeface="Cambria Math" panose="02040503050406030204" pitchFamily="18" charset="0"/>
                           <a:ea typeface="Cambria Math" panose="02040503050406030204" pitchFamily="18" charset="0"/>
                         </a:rPr>
@@ -3944,82 +3974,99 @@
                     </m:oMath>
                   </a14:m>
                   <a:r>
-                    <a:rPr kumimoji="1" lang="en-US" altLang="ja-JP" sz="2400" b="0" dirty="0" smtClean="0">
-                      <a:ea typeface="Cambria Math" panose="02040503050406030204" pitchFamily="18" charset="0"/>
+                    <a:rPr kumimoji="1" lang="en-US" altLang="ja-JP" sz="2800" b="0" i="1" dirty="0" smtClean="0">
+                      <a:latin typeface="HGPｺﾞｼｯｸM" panose="020B0600000000000000" pitchFamily="50" charset="-128"/>
+                      <a:ea typeface="HGPｺﾞｼｯｸM" panose="020B0600000000000000" pitchFamily="50" charset="-128"/>
                     </a:rPr>
                     <a:t> and</a:t>
                   </a:r>
                   <a:br>
-                    <a:rPr kumimoji="1" lang="en-US" altLang="ja-JP" sz="2400" b="0" dirty="0" smtClean="0">
-                      <a:ea typeface="Cambria Math" panose="02040503050406030204" pitchFamily="18" charset="0"/>
+                    <a:rPr kumimoji="1" lang="en-US" altLang="ja-JP" sz="2800" b="0" i="1" dirty="0" smtClean="0">
+                      <a:latin typeface="HGPｺﾞｼｯｸM" panose="020B0600000000000000" pitchFamily="50" charset="-128"/>
+                      <a:ea typeface="HGPｺﾞｼｯｸM" panose="020B0600000000000000" pitchFamily="50" charset="-128"/>
                     </a:rPr>
                   </a:br>
                   <a:r>
-                    <a:rPr kumimoji="1" lang="en-US" altLang="ja-JP" sz="2400" b="0" dirty="0" smtClean="0">
-                      <a:ea typeface="Cambria Math" panose="02040503050406030204" pitchFamily="18" charset="0"/>
+                    <a:rPr kumimoji="1" lang="en-US" altLang="ja-JP" sz="2800" b="0" i="1" dirty="0" smtClean="0">
+                      <a:latin typeface="HGPｺﾞｼｯｸM" panose="020B0600000000000000" pitchFamily="50" charset="-128"/>
+                      <a:ea typeface="HGPｺﾞｼｯｸM" panose="020B0600000000000000" pitchFamily="50" charset="-128"/>
                     </a:rPr>
                     <a:t>      </a:t>
+                  </a:r>
+                  <a:r>
+                    <a:rPr lang="ja-JP" altLang="en-US" sz="2800" i="1" dirty="0">
+                      <a:latin typeface="HGPｺﾞｼｯｸM" panose="020B0600000000000000" pitchFamily="50" charset="-128"/>
+                      <a:ea typeface="HGPｺﾞｼｯｸM" panose="020B0600000000000000" pitchFamily="50" charset="-128"/>
+                    </a:rPr>
+                    <a:t> </a:t>
+                  </a:r>
+                  <a:r>
+                    <a:rPr lang="ja-JP" altLang="en-US" sz="2800" i="1" dirty="0" smtClean="0">
+                      <a:latin typeface="HGPｺﾞｼｯｸM" panose="020B0600000000000000" pitchFamily="50" charset="-128"/>
+                      <a:ea typeface="HGPｺﾞｼｯｸM" panose="020B0600000000000000" pitchFamily="50" charset="-128"/>
+                    </a:rPr>
+                    <a:t> </a:t>
                   </a:r>
                   <a14:m>
                     <m:oMath xmlns:m="http://schemas.openxmlformats.org/officeDocument/2006/math">
                       <m:r>
-                        <a:rPr kumimoji="1" lang="en-US" altLang="ja-JP" sz="2400" b="0" i="1" smtClean="0">
+                        <a:rPr kumimoji="1" lang="en-US" altLang="ja-JP" sz="2800" b="0" i="1" smtClean="0">
                           <a:latin typeface="Cambria Math" panose="02040503050406030204" pitchFamily="18" charset="0"/>
                           <a:ea typeface="Cambria Math" panose="02040503050406030204" pitchFamily="18" charset="0"/>
                         </a:rPr>
                         <m:t>𝑦</m:t>
                       </m:r>
                       <m:r>
-                        <a:rPr kumimoji="1" lang="en-US" altLang="ja-JP" sz="2400" b="0" i="1" smtClean="0">
+                        <a:rPr kumimoji="1" lang="en-US" altLang="ja-JP" sz="2800" b="0" i="1" smtClean="0">
                           <a:latin typeface="Cambria Math" panose="02040503050406030204" pitchFamily="18" charset="0"/>
                           <a:ea typeface="Cambria Math" panose="02040503050406030204" pitchFamily="18" charset="0"/>
                         </a:rPr>
                         <m:t>−</m:t>
                       </m:r>
                       <m:r>
-                        <a:rPr kumimoji="1" lang="en-US" altLang="ja-JP" sz="2400" b="0" i="1" smtClean="0">
+                        <a:rPr kumimoji="1" lang="en-US" altLang="ja-JP" sz="2800" b="0" i="1" smtClean="0">
                           <a:latin typeface="Cambria Math" panose="02040503050406030204" pitchFamily="18" charset="0"/>
                           <a:ea typeface="Cambria Math" panose="02040503050406030204" pitchFamily="18" charset="0"/>
                         </a:rPr>
                         <m:t>𝑟</m:t>
                       </m:r>
                       <m:r>
-                        <a:rPr kumimoji="1" lang="en-US" altLang="ja-JP" sz="2400" b="0" i="1" smtClean="0">
+                        <a:rPr kumimoji="1" lang="en-US" altLang="ja-JP" sz="2800" b="0" i="1" smtClean="0">
                           <a:latin typeface="Cambria Math" panose="02040503050406030204" pitchFamily="18" charset="0"/>
                           <a:ea typeface="Cambria Math" panose="02040503050406030204" pitchFamily="18" charset="0"/>
                         </a:rPr>
                         <m:t>≤</m:t>
                       </m:r>
                       <m:r>
-                        <a:rPr kumimoji="1" lang="en-US" altLang="ja-JP" sz="2400" b="0" i="1" smtClean="0">
+                        <a:rPr kumimoji="1" lang="en-US" altLang="ja-JP" sz="2800" b="0" i="1" smtClean="0">
                           <a:latin typeface="Cambria Math" panose="02040503050406030204" pitchFamily="18" charset="0"/>
                           <a:ea typeface="Cambria Math" panose="02040503050406030204" pitchFamily="18" charset="0"/>
                         </a:rPr>
                         <m:t>𝑗</m:t>
                       </m:r>
                       <m:r>
-                        <a:rPr kumimoji="1" lang="en-US" altLang="ja-JP" sz="2400" b="0" i="1" smtClean="0">
+                        <a:rPr kumimoji="1" lang="en-US" altLang="ja-JP" sz="2800" b="0" i="1" smtClean="0">
                           <a:latin typeface="Cambria Math" panose="02040503050406030204" pitchFamily="18" charset="0"/>
                           <a:ea typeface="Cambria Math" panose="02040503050406030204" pitchFamily="18" charset="0"/>
                         </a:rPr>
                         <m:t>≤</m:t>
                       </m:r>
                       <m:r>
-                        <a:rPr kumimoji="1" lang="en-US" altLang="ja-JP" sz="2400" b="0" i="1" smtClean="0">
+                        <a:rPr kumimoji="1" lang="en-US" altLang="ja-JP" sz="2800" b="0" i="1" smtClean="0">
                           <a:latin typeface="Cambria Math" panose="02040503050406030204" pitchFamily="18" charset="0"/>
                           <a:ea typeface="Cambria Math" panose="02040503050406030204" pitchFamily="18" charset="0"/>
                         </a:rPr>
                         <m:t>𝑦</m:t>
                       </m:r>
                       <m:r>
-                        <a:rPr kumimoji="1" lang="en-US" altLang="ja-JP" sz="2400" b="0" i="1" smtClean="0">
+                        <a:rPr kumimoji="1" lang="en-US" altLang="ja-JP" sz="2800" b="0" i="1" smtClean="0">
                           <a:latin typeface="Cambria Math" panose="02040503050406030204" pitchFamily="18" charset="0"/>
                           <a:ea typeface="Cambria Math" panose="02040503050406030204" pitchFamily="18" charset="0"/>
                         </a:rPr>
                         <m:t>+</m:t>
                       </m:r>
                       <m:r>
-                        <a:rPr kumimoji="1" lang="en-US" altLang="ja-JP" sz="2400" b="0" i="1" smtClean="0">
+                        <a:rPr kumimoji="1" lang="en-US" altLang="ja-JP" sz="2800" b="0" i="1" smtClean="0">
                           <a:latin typeface="Cambria Math" panose="02040503050406030204" pitchFamily="18" charset="0"/>
                           <a:ea typeface="Cambria Math" panose="02040503050406030204" pitchFamily="18" charset="0"/>
                         </a:rPr>
@@ -4027,14 +4074,15 @@
                       </m:r>
                     </m:oMath>
                   </a14:m>
-                  <a:endParaRPr kumimoji="1" lang="en-US" altLang="ja-JP" sz="2400" b="0" dirty="0" smtClean="0">
-                    <a:ea typeface="Cambria Math" panose="02040503050406030204" pitchFamily="18" charset="0"/>
+                  <a:endParaRPr kumimoji="1" lang="en-US" altLang="ja-JP" sz="2800" b="0" i="1" dirty="0" smtClean="0">
+                    <a:latin typeface="HGPｺﾞｼｯｸM" panose="020B0600000000000000" pitchFamily="50" charset="-128"/>
+                    <a:ea typeface="HGPｺﾞｼｯｸM" panose="020B0600000000000000" pitchFamily="50" charset="-128"/>
                   </a:endParaRPr>
                 </a:p>
               </p:txBody>
             </p:sp>
           </mc:Choice>
-          <mc:Fallback xmlns="">
+          <mc:Fallback>
             <p:sp>
               <p:nvSpPr>
                 <p:cNvPr id="10" name="テキスト ボックス 9"/>
@@ -4045,16 +4093,16 @@
               </p:nvSpPr>
               <p:spPr>
                 <a:xfrm>
-                  <a:off x="4612555" y="3848568"/>
-                  <a:ext cx="4289398" cy="830997"/>
+                  <a:off x="4596789" y="3794116"/>
+                  <a:ext cx="4657569" cy="954107"/>
                 </a:xfrm>
                 <a:prstGeom prst="rect">
                   <a:avLst/>
                 </a:prstGeom>
-                <a:blipFill>
+                <a:blipFill rotWithShape="0">
                   <a:blip r:embed="rId4"/>
                   <a:stretch>
-                    <a:fillRect l="-2276" t="-5839" b="-8029"/>
+                    <a:fillRect l="-2618" t="-7643"/>
                   </a:stretch>
                 </a:blipFill>
               </p:spPr>
@@ -4081,8 +4129,8 @@
           </p:nvSpPr>
           <p:spPr>
             <a:xfrm>
-              <a:off x="4612555" y="4781850"/>
-              <a:ext cx="4392706" cy="461665"/>
+              <a:off x="4596789" y="4781850"/>
+              <a:ext cx="4769744" cy="523220"/>
             </a:xfrm>
             <a:prstGeom prst="rect">
               <a:avLst/>
@@ -4096,11 +4144,22 @@
             <a:lstStyle/>
             <a:p>
               <a:r>
-                <a:rPr kumimoji="1" lang="en-US" altLang="ja-JP" sz="2400" dirty="0" smtClean="0"/>
-                <a:t>0  otherwise</a:t>
+                <a:rPr kumimoji="1" lang="en-US" altLang="ja-JP" sz="2800" i="1" dirty="0" smtClean="0">
+                  <a:latin typeface="HGPｺﾞｼｯｸM" panose="020B0600000000000000" pitchFamily="50" charset="-128"/>
+                  <a:ea typeface="HGPｺﾞｼｯｸM" panose="020B0600000000000000" pitchFamily="50" charset="-128"/>
+                </a:rPr>
+                <a:t>0  </a:t>
               </a:r>
-              <a:endParaRPr kumimoji="1" lang="en-US" altLang="ja-JP" sz="2400" b="0" dirty="0" smtClean="0">
-                <a:ea typeface="Cambria Math" panose="02040503050406030204" pitchFamily="18" charset="0"/>
+              <a:r>
+                <a:rPr kumimoji="1" lang="en-US" altLang="ja-JP" sz="2800" i="1" dirty="0" smtClean="0">
+                  <a:latin typeface="HGPｺﾞｼｯｸM" panose="020B0600000000000000" pitchFamily="50" charset="-128"/>
+                  <a:ea typeface="HGPｺﾞｼｯｸM" panose="020B0600000000000000" pitchFamily="50" charset="-128"/>
+                </a:rPr>
+                <a:t> otherwise</a:t>
+              </a:r>
+              <a:endParaRPr kumimoji="1" lang="en-US" altLang="ja-JP" sz="2800" b="0" i="1" dirty="0" smtClean="0">
+                <a:latin typeface="HGPｺﾞｼｯｸM" panose="020B0600000000000000" pitchFamily="50" charset="-128"/>
+                <a:ea typeface="HGPｺﾞｼｯｸM" panose="020B0600000000000000" pitchFamily="50" charset="-128"/>
               </a:endParaRPr>
             </a:p>
           </p:txBody>
@@ -4406,49 +4465,49 @@
                     <a:gridCol w="720000">
                       <a:extLst>
                         <a:ext uri="{9D8B030D-6E8A-4147-A177-3AD203B41FA5}">
-                          <a16:colId xmlns:a16="http://schemas.microsoft.com/office/drawing/2014/main" val="849826274"/>
+                          <a16:colId xmlns:a16="http://schemas.microsoft.com/office/drawing/2014/main" xmlns="" val="849826274"/>
                         </a:ext>
                       </a:extLst>
                     </a:gridCol>
                     <a:gridCol w="720000">
                       <a:extLst>
                         <a:ext uri="{9D8B030D-6E8A-4147-A177-3AD203B41FA5}">
-                          <a16:colId xmlns:a16="http://schemas.microsoft.com/office/drawing/2014/main" val="3122597115"/>
+                          <a16:colId xmlns:a16="http://schemas.microsoft.com/office/drawing/2014/main" xmlns="" val="3122597115"/>
                         </a:ext>
                       </a:extLst>
                     </a:gridCol>
                     <a:gridCol w="720000">
                       <a:extLst>
                         <a:ext uri="{9D8B030D-6E8A-4147-A177-3AD203B41FA5}">
-                          <a16:colId xmlns:a16="http://schemas.microsoft.com/office/drawing/2014/main" val="2119792792"/>
+                          <a16:colId xmlns:a16="http://schemas.microsoft.com/office/drawing/2014/main" xmlns="" val="2119792792"/>
                         </a:ext>
                       </a:extLst>
                     </a:gridCol>
                     <a:gridCol w="720000">
                       <a:extLst>
                         <a:ext uri="{9D8B030D-6E8A-4147-A177-3AD203B41FA5}">
-                          <a16:colId xmlns:a16="http://schemas.microsoft.com/office/drawing/2014/main" val="3054159046"/>
+                          <a16:colId xmlns:a16="http://schemas.microsoft.com/office/drawing/2014/main" xmlns="" val="3054159046"/>
                         </a:ext>
                       </a:extLst>
                     </a:gridCol>
                     <a:gridCol w="720000">
                       <a:extLst>
                         <a:ext uri="{9D8B030D-6E8A-4147-A177-3AD203B41FA5}">
-                          <a16:colId xmlns:a16="http://schemas.microsoft.com/office/drawing/2014/main" val="1335098707"/>
+                          <a16:colId xmlns:a16="http://schemas.microsoft.com/office/drawing/2014/main" xmlns="" val="1335098707"/>
                         </a:ext>
                       </a:extLst>
                     </a:gridCol>
                     <a:gridCol w="720000">
                       <a:extLst>
                         <a:ext uri="{9D8B030D-6E8A-4147-A177-3AD203B41FA5}">
-                          <a16:colId xmlns:a16="http://schemas.microsoft.com/office/drawing/2014/main" val="2189793948"/>
+                          <a16:colId xmlns:a16="http://schemas.microsoft.com/office/drawing/2014/main" xmlns="" val="2189793948"/>
                         </a:ext>
                       </a:extLst>
                     </a:gridCol>
                     <a:gridCol w="720000">
                       <a:extLst>
                         <a:ext uri="{9D8B030D-6E8A-4147-A177-3AD203B41FA5}">
-                          <a16:colId xmlns:a16="http://schemas.microsoft.com/office/drawing/2014/main" val="4073850615"/>
+                          <a16:colId xmlns:a16="http://schemas.microsoft.com/office/drawing/2014/main" xmlns="" val="4073850615"/>
                         </a:ext>
                       </a:extLst>
                     </a:gridCol>
@@ -5413,7 +5472,7 @@
                     </a:tc>
                     <a:extLst>
                       <a:ext uri="{0D108BD9-81ED-4DB2-BD59-A6C34878D82A}">
-                        <a16:rowId xmlns:a16="http://schemas.microsoft.com/office/drawing/2014/main" val="2282192497"/>
+                        <a16:rowId xmlns:a16="http://schemas.microsoft.com/office/drawing/2014/main" xmlns="" val="2282192497"/>
                       </a:ext>
                     </a:extLst>
                   </a:tr>
@@ -6456,7 +6515,7 @@
                     </a:tc>
                     <a:extLst>
                       <a:ext uri="{0D108BD9-81ED-4DB2-BD59-A6C34878D82A}">
-                        <a16:rowId xmlns:a16="http://schemas.microsoft.com/office/drawing/2014/main" val="285879134"/>
+                        <a16:rowId xmlns:a16="http://schemas.microsoft.com/office/drawing/2014/main" xmlns="" val="285879134"/>
                       </a:ext>
                     </a:extLst>
                   </a:tr>
@@ -7044,7 +7103,7 @@
                     </a:tc>
                     <a:extLst>
                       <a:ext uri="{0D108BD9-81ED-4DB2-BD59-A6C34878D82A}">
-                        <a16:rowId xmlns:a16="http://schemas.microsoft.com/office/drawing/2014/main" val="1414773290"/>
+                        <a16:rowId xmlns:a16="http://schemas.microsoft.com/office/drawing/2014/main" xmlns="" val="1414773290"/>
                       </a:ext>
                     </a:extLst>
                   </a:tr>
@@ -7632,7 +7691,7 @@
                     </a:tc>
                     <a:extLst>
                       <a:ext uri="{0D108BD9-81ED-4DB2-BD59-A6C34878D82A}">
-                        <a16:rowId xmlns:a16="http://schemas.microsoft.com/office/drawing/2014/main" val="3029169098"/>
+                        <a16:rowId xmlns:a16="http://schemas.microsoft.com/office/drawing/2014/main" xmlns="" val="3029169098"/>
                       </a:ext>
                     </a:extLst>
                   </a:tr>
@@ -8220,7 +8279,7 @@
                     </a:tc>
                     <a:extLst>
                       <a:ext uri="{0D108BD9-81ED-4DB2-BD59-A6C34878D82A}">
-                        <a16:rowId xmlns:a16="http://schemas.microsoft.com/office/drawing/2014/main" val="1551467127"/>
+                        <a16:rowId xmlns:a16="http://schemas.microsoft.com/office/drawing/2014/main" xmlns="" val="1551467127"/>
                       </a:ext>
                     </a:extLst>
                   </a:tr>
@@ -8808,7 +8867,7 @@
                     </a:tc>
                     <a:extLst>
                       <a:ext uri="{0D108BD9-81ED-4DB2-BD59-A6C34878D82A}">
-                        <a16:rowId xmlns:a16="http://schemas.microsoft.com/office/drawing/2014/main" val="1957575383"/>
+                        <a16:rowId xmlns:a16="http://schemas.microsoft.com/office/drawing/2014/main" xmlns="" val="1957575383"/>
                       </a:ext>
                     </a:extLst>
                   </a:tr>
@@ -10768,7 +10827,7 @@
         </p:nvSpPr>
         <p:spPr>
           <a:xfrm>
-            <a:off x="9434286" y="5979886"/>
+            <a:off x="9771170" y="799629"/>
             <a:ext cx="2061028" cy="369332"/>
           </a:xfrm>
           <a:prstGeom prst="rect">
@@ -10806,54 +10865,168 @@
         </p:nvGrpSpPr>
         <p:grpSpPr>
           <a:xfrm>
-            <a:off x="4648811" y="421142"/>
-            <a:ext cx="8084346" cy="1499953"/>
-            <a:chOff x="1085041" y="1663040"/>
-            <a:chExt cx="8084346" cy="1499953"/>
+            <a:off x="510949" y="4768801"/>
+            <a:ext cx="9574712" cy="1499953"/>
+            <a:chOff x="651467" y="1663040"/>
+            <a:chExt cx="9574712" cy="1499953"/>
           </a:xfrm>
         </p:grpSpPr>
-        <p:sp>
-          <p:nvSpPr>
-            <p:cNvPr id="6" name="テキスト ボックス 5"/>
-            <p:cNvSpPr txBox="1"/>
-            <p:nvPr/>
-          </p:nvSpPr>
-          <p:spPr>
-            <a:xfrm>
-              <a:off x="1085041" y="2028297"/>
-              <a:ext cx="3250005" cy="769441"/>
-            </a:xfrm>
-            <a:prstGeom prst="rect">
-              <a:avLst/>
-            </a:prstGeom>
-            <a:noFill/>
-          </p:spPr>
-          <p:txBody>
-            <a:bodyPr wrap="square" rtlCol="0">
-              <a:spAutoFit/>
-            </a:bodyPr>
-            <a:lstStyle/>
-            <a:p>
-              <a:r>
-                <a:rPr kumimoji="1" lang="en-US" altLang="ja-JP" sz="4400" dirty="0" err="1" smtClean="0"/>
-                <a:t>Pnup</a:t>
-              </a:r>
-              <a:r>
-                <a:rPr kumimoji="1" lang="en-US" altLang="ja-JP" sz="4400" dirty="0" smtClean="0"/>
-                <a:t>(t)</a:t>
-              </a:r>
-              <a:r>
-                <a:rPr kumimoji="1" lang="en-US" altLang="ja-JP" sz="4400" dirty="0" err="1" smtClean="0"/>
-                <a:t>ij</a:t>
-              </a:r>
-              <a:r>
-                <a:rPr kumimoji="1" lang="en-US" altLang="ja-JP" sz="4400" dirty="0" smtClean="0"/>
-                <a:t>=</a:t>
-              </a:r>
-              <a:endParaRPr kumimoji="1" lang="ja-JP" altLang="en-US" sz="4400" dirty="0"/>
-            </a:p>
-          </p:txBody>
-        </p:sp>
+        <mc:AlternateContent xmlns:mc="http://schemas.openxmlformats.org/markup-compatibility/2006">
+          <mc:Choice xmlns:a14="http://schemas.microsoft.com/office/drawing/2010/main" Requires="a14">
+            <p:sp>
+              <p:nvSpPr>
+                <p:cNvPr id="6" name="テキスト ボックス 5"/>
+                <p:cNvSpPr txBox="1"/>
+                <p:nvPr/>
+              </p:nvSpPr>
+              <p:spPr>
+                <a:xfrm>
+                  <a:off x="651467" y="1958152"/>
+                  <a:ext cx="3603368" cy="1038618"/>
+                </a:xfrm>
+                <a:prstGeom prst="rect">
+                  <a:avLst/>
+                </a:prstGeom>
+                <a:noFill/>
+              </p:spPr>
+              <p:txBody>
+                <a:bodyPr wrap="square" rtlCol="0">
+                  <a:spAutoFit/>
+                </a:bodyPr>
+                <a:lstStyle/>
+                <a:p>
+                  <a14:m>
+                    <m:oMath xmlns:m="http://schemas.openxmlformats.org/officeDocument/2006/math">
+                      <m:sSub>
+                        <m:sSubPr>
+                          <m:ctrlPr>
+                            <a:rPr kumimoji="1" lang="en-US" altLang="ja-JP" sz="4400" i="1" smtClean="0">
+                              <a:latin typeface="Cambria Math" panose="02040503050406030204" pitchFamily="18" charset="0"/>
+                            </a:rPr>
+                          </m:ctrlPr>
+                        </m:sSubPr>
+                        <m:e>
+                          <m:d>
+                            <m:dPr>
+                              <m:begChr m:val="["/>
+                              <m:endChr m:val="]"/>
+                              <m:ctrlPr>
+                                <a:rPr lang="en-US" altLang="ja-JP" sz="4400" i="1">
+                                  <a:latin typeface="Cambria Math" panose="02040503050406030204" pitchFamily="18" charset="0"/>
+                                </a:rPr>
+                              </m:ctrlPr>
+                            </m:dPr>
+                            <m:e>
+                              <m:sSub>
+                                <m:sSubPr>
+                                  <m:ctrlPr>
+                                    <a:rPr lang="en-US" altLang="ja-JP" sz="4400" i="1">
+                                      <a:latin typeface="Cambria Math" panose="02040503050406030204" pitchFamily="18" charset="0"/>
+                                    </a:rPr>
+                                  </m:ctrlPr>
+                                </m:sSubPr>
+                                <m:e>
+                                  <m:r>
+                                    <a:rPr lang="en-US" altLang="ja-JP" sz="4400" i="1">
+                                      <a:latin typeface="Cambria Math" panose="02040503050406030204" pitchFamily="18" charset="0"/>
+                                    </a:rPr>
+                                    <m:t>𝑃𝑛</m:t>
+                                  </m:r>
+                                </m:e>
+                                <m:sub>
+                                  <m:r>
+                                    <a:rPr lang="en-US" altLang="ja-JP" sz="4400" i="1">
+                                      <a:latin typeface="Cambria Math" panose="02040503050406030204" pitchFamily="18" charset="0"/>
+                                    </a:rPr>
+                                    <m:t>𝑢𝑝</m:t>
+                                  </m:r>
+                                </m:sub>
+                              </m:sSub>
+                              <m:d>
+                                <m:dPr>
+                                  <m:ctrlPr>
+                                    <a:rPr lang="en-US" altLang="ja-JP" sz="4400" i="1">
+                                      <a:latin typeface="Cambria Math" panose="02040503050406030204" pitchFamily="18" charset="0"/>
+                                    </a:rPr>
+                                  </m:ctrlPr>
+                                </m:dPr>
+                                <m:e>
+                                  <m:r>
+                                    <a:rPr lang="en-US" altLang="ja-JP" sz="4400" i="1">
+                                      <a:latin typeface="Cambria Math" panose="02040503050406030204" pitchFamily="18" charset="0"/>
+                                    </a:rPr>
+                                    <m:t>𝑡</m:t>
+                                  </m:r>
+                                </m:e>
+                              </m:d>
+                            </m:e>
+                          </m:d>
+                        </m:e>
+                        <m:sub>
+                          <m:r>
+                            <a:rPr kumimoji="1" lang="en-US" altLang="ja-JP" sz="4400" b="0" i="1" smtClean="0">
+                              <a:latin typeface="Cambria Math" panose="02040503050406030204" pitchFamily="18" charset="0"/>
+                            </a:rPr>
+                            <m:t>𝑖𝑗</m:t>
+                          </m:r>
+                        </m:sub>
+                      </m:sSub>
+                    </m:oMath>
+                  </a14:m>
+                  <a:r>
+                    <a:rPr kumimoji="1" lang="en-US" altLang="ja-JP" sz="4400" i="1" dirty="0" smtClean="0">
+                      <a:latin typeface="HGPｺﾞｼｯｸM" panose="020B0600000000000000" pitchFamily="50" charset="-128"/>
+                      <a:ea typeface="HGPｺﾞｼｯｸM" panose="020B0600000000000000" pitchFamily="50" charset="-128"/>
+                    </a:rPr>
+                    <a:t>=</a:t>
+                  </a:r>
+                  <a:endParaRPr kumimoji="1" lang="ja-JP" altLang="en-US" sz="4400" i="1" dirty="0">
+                    <a:latin typeface="HGPｺﾞｼｯｸM" panose="020B0600000000000000" pitchFamily="50" charset="-128"/>
+                    <a:ea typeface="HGPｺﾞｼｯｸM" panose="020B0600000000000000" pitchFamily="50" charset="-128"/>
+                  </a:endParaRPr>
+                </a:p>
+              </p:txBody>
+            </p:sp>
+          </mc:Choice>
+          <mc:Fallback>
+            <p:sp>
+              <p:nvSpPr>
+                <p:cNvPr id="6" name="テキスト ボックス 5"/>
+                <p:cNvSpPr txBox="1">
+                  <a:spLocks noRot="1" noChangeAspect="1" noMove="1" noResize="1" noEditPoints="1" noAdjustHandles="1" noChangeArrowheads="1" noChangeShapeType="1" noTextEdit="1"/>
+                </p:cNvSpPr>
+                <p:nvPr/>
+              </p:nvSpPr>
+              <p:spPr>
+                <a:xfrm>
+                  <a:off x="651467" y="1958152"/>
+                  <a:ext cx="3603368" cy="1038618"/>
+                </a:xfrm>
+                <a:prstGeom prst="rect">
+                  <a:avLst/>
+                </a:prstGeom>
+                <a:blipFill rotWithShape="0">
+                  <a:blip r:embed="rId2"/>
+                  <a:stretch>
+                    <a:fillRect t="-11765" b="-2353"/>
+                  </a:stretch>
+                </a:blipFill>
+              </p:spPr>
+              <p:txBody>
+                <a:bodyPr/>
+                <a:lstStyle/>
+                <a:p>
+                  <a:r>
+                    <a:rPr lang="ja-JP" altLang="en-US">
+                      <a:noFill/>
+                    </a:rPr>
+                    <a:t> </a:t>
+                  </a:r>
+                </a:p>
+              </p:txBody>
+            </p:sp>
+          </mc:Fallback>
+        </mc:AlternateContent>
         <p:sp>
           <p:nvSpPr>
             <p:cNvPr id="10" name="左中かっこ 9"/>
@@ -10889,12 +11062,15 @@
             <a:lstStyle/>
             <a:p>
               <a:pPr algn="ctr"/>
-              <a:endParaRPr kumimoji="1" lang="ja-JP" altLang="en-US"/>
+              <a:endParaRPr kumimoji="1" lang="ja-JP" altLang="en-US" i="1">
+                <a:latin typeface="HGPｺﾞｼｯｸM" panose="020B0600000000000000" pitchFamily="50" charset="-128"/>
+                <a:ea typeface="HGPｺﾞｼｯｸM" panose="020B0600000000000000" pitchFamily="50" charset="-128"/>
+              </a:endParaRPr>
             </a:p>
           </p:txBody>
         </p:sp>
-        <mc:AlternateContent xmlns:mc="http://schemas.openxmlformats.org/markup-compatibility/2006" xmlns:a14="http://schemas.microsoft.com/office/drawing/2010/main">
-          <mc:Choice Requires="a14">
+        <mc:AlternateContent xmlns:mc="http://schemas.openxmlformats.org/markup-compatibility/2006">
+          <mc:Choice xmlns:a14="http://schemas.microsoft.com/office/drawing/2010/main" Requires="a14">
             <p:sp>
               <p:nvSpPr>
                 <p:cNvPr id="11" name="テキスト ボックス 10"/>
@@ -10903,8 +11079,8 @@
               </p:nvSpPr>
               <p:spPr>
                 <a:xfrm>
-                  <a:off x="4700235" y="1799063"/>
-                  <a:ext cx="4469152" cy="603883"/>
+                  <a:off x="4541400" y="1784035"/>
+                  <a:ext cx="5684779" cy="648447"/>
                 </a:xfrm>
                 <a:prstGeom prst="rect">
                   <a:avLst/>
@@ -10918,27 +11094,38 @@
                 <a:lstStyle/>
                 <a:p>
                   <a:r>
-                    <a:rPr lang="en-US" altLang="ja-JP" sz="2400" dirty="0" smtClean="0">
+                    <a:rPr lang="en-US" altLang="ja-JP" sz="2800" i="1" dirty="0">
+                      <a:latin typeface="HGPｺﾞｼｯｸM" panose="020B0600000000000000" pitchFamily="50" charset="-128"/>
+                      <a:ea typeface="HGPｺﾞｼｯｸM" panose="020B0600000000000000" pitchFamily="50" charset="-128"/>
+                    </a:rPr>
+                    <a:t>1</a:t>
+                  </a:r>
+                  <a:r>
+                    <a:rPr lang="en-US" altLang="ja-JP" sz="2800" i="1" dirty="0" smtClean="0">
                       <a:solidFill>
                         <a:schemeClr val="tx1"/>
                       </a:solidFill>
+                      <a:latin typeface="HGPｺﾞｼｯｸM" panose="020B0600000000000000" pitchFamily="50" charset="-128"/>
+                      <a:ea typeface="HGPｺﾞｼｯｸM" panose="020B0600000000000000" pitchFamily="50" charset="-128"/>
                     </a:rPr>
-                    <a:t>0 </a:t>
+                    <a:t> </a:t>
                   </a:r>
                   <a:r>
-                    <a:rPr kumimoji="1" lang="en-US" altLang="ja-JP" sz="2400" dirty="0" smtClean="0">
+                    <a:rPr kumimoji="1" lang="en-US" altLang="ja-JP" sz="2800" i="1" dirty="0" smtClean="0">
                       <a:solidFill>
                         <a:schemeClr val="tx1"/>
                       </a:solidFill>
+                      <a:latin typeface="HGPｺﾞｼｯｸM" panose="020B0600000000000000" pitchFamily="50" charset="-128"/>
+                      <a:ea typeface="HGPｺﾞｼｯｸM" panose="020B0600000000000000" pitchFamily="50" charset="-128"/>
                     </a:rPr>
-                    <a:t> if </a:t>
+                    <a:t>  if </a:t>
                   </a:r>
                   <a14:m>
                     <m:oMath xmlns:m="http://schemas.openxmlformats.org/officeDocument/2006/math">
                       <m:sSub>
                         <m:sSubPr>
                           <m:ctrlPr>
-                            <a:rPr kumimoji="1" lang="en-US" altLang="ja-JP" sz="2400" i="1" smtClean="0">
+                            <a:rPr kumimoji="1" lang="en-US" altLang="ja-JP" sz="2800" i="1" smtClean="0">
                               <a:solidFill>
                                 <a:schemeClr val="tx1"/>
                               </a:solidFill>
@@ -10951,10 +11138,12 @@
                             <m:rPr>
                               <m:nor/>
                             </m:rPr>
-                            <a:rPr lang="en-US" altLang="ja-JP" sz="2400" dirty="0">
+                            <a:rPr lang="en-US" altLang="ja-JP" sz="2800" i="1" dirty="0">
                               <a:solidFill>
                                 <a:schemeClr val="tx1"/>
                               </a:solidFill>
+                              <a:latin typeface="HGPｺﾞｼｯｸM" panose="020B0600000000000000" pitchFamily="50" charset="-128"/>
+                              <a:ea typeface="HGPｺﾞｼｯｸM" panose="020B0600000000000000" pitchFamily="50" charset="-128"/>
                             </a:rPr>
                             <m:t>P</m:t>
                           </m:r>
@@ -10962,10 +11151,25 @@
                             <m:rPr>
                               <m:nor/>
                             </m:rPr>
-                            <a:rPr lang="en-US" altLang="ja-JP" sz="2400" dirty="0">
+                            <a:rPr lang="en-US" altLang="ja-JP" sz="2800" b="0" i="1" dirty="0" smtClean="0">
                               <a:solidFill>
                                 <a:schemeClr val="tx1"/>
                               </a:solidFill>
+                              <a:latin typeface="HGPｺﾞｼｯｸM" panose="020B0600000000000000" pitchFamily="50" charset="-128"/>
+                              <a:ea typeface="HGPｺﾞｼｯｸM" panose="020B0600000000000000" pitchFamily="50" charset="-128"/>
+                            </a:rPr>
+                            <m:t>n</m:t>
+                          </m:r>
+                          <m:r>
+                            <m:rPr>
+                              <m:nor/>
+                            </m:rPr>
+                            <a:rPr lang="en-US" altLang="ja-JP" sz="2800" i="1" dirty="0">
+                              <a:solidFill>
+                                <a:schemeClr val="tx1"/>
+                              </a:solidFill>
+                              <a:latin typeface="HGPｺﾞｼｯｸM" panose="020B0600000000000000" pitchFamily="50" charset="-128"/>
+                              <a:ea typeface="HGPｺﾞｼｯｸM" panose="020B0600000000000000" pitchFamily="50" charset="-128"/>
                             </a:rPr>
                             <m:t>(</m:t>
                           </m:r>
@@ -10973,10 +11177,12 @@
                             <m:rPr>
                               <m:nor/>
                             </m:rPr>
-                            <a:rPr lang="en-US" altLang="ja-JP" sz="2400" dirty="0">
+                            <a:rPr lang="en-US" altLang="ja-JP" sz="2800" i="1" dirty="0">
                               <a:solidFill>
                                 <a:schemeClr val="tx1"/>
                               </a:solidFill>
+                              <a:latin typeface="HGPｺﾞｼｯｸM" panose="020B0600000000000000" pitchFamily="50" charset="-128"/>
+                              <a:ea typeface="HGPｺﾞｼｯｸM" panose="020B0600000000000000" pitchFamily="50" charset="-128"/>
                             </a:rPr>
                             <m:t>t</m:t>
                           </m:r>
@@ -10984,10 +11190,12 @@
                             <m:rPr>
                               <m:nor/>
                             </m:rPr>
-                            <a:rPr lang="en-US" altLang="ja-JP" sz="2400" dirty="0">
+                            <a:rPr lang="en-US" altLang="ja-JP" sz="2800" i="1" dirty="0">
                               <a:solidFill>
                                 <a:schemeClr val="tx1"/>
                               </a:solidFill>
+                              <a:latin typeface="HGPｺﾞｼｯｸM" panose="020B0600000000000000" pitchFamily="50" charset="-128"/>
+                              <a:ea typeface="HGPｺﾞｼｯｸM" panose="020B0600000000000000" pitchFamily="50" charset="-128"/>
                             </a:rPr>
                             <m:t>)</m:t>
                           </m:r>
@@ -10997,10 +11205,12 @@
                             <m:rPr>
                               <m:nor/>
                             </m:rPr>
-                            <a:rPr lang="en-US" altLang="ja-JP" sz="2400" dirty="0">
+                            <a:rPr lang="en-US" altLang="ja-JP" sz="2800" i="1" dirty="0">
                               <a:solidFill>
                                 <a:schemeClr val="tx1"/>
                               </a:solidFill>
+                              <a:latin typeface="HGPｺﾞｼｯｸM" panose="020B0600000000000000" pitchFamily="50" charset="-128"/>
+                              <a:ea typeface="HGPｺﾞｼｯｸM" panose="020B0600000000000000" pitchFamily="50" charset="-128"/>
                             </a:rPr>
                             <m:t>ij</m:t>
                           </m:r>
@@ -11009,10 +11219,12 @@
                     </m:oMath>
                   </a14:m>
                   <a:r>
-                    <a:rPr kumimoji="1" lang="en-US" altLang="ja-JP" sz="2400" dirty="0" smtClean="0">
+                    <a:rPr kumimoji="1" lang="en-US" altLang="ja-JP" sz="2800" i="1" dirty="0" smtClean="0">
                       <a:solidFill>
                         <a:schemeClr val="tx1"/>
                       </a:solidFill>
+                      <a:latin typeface="HGPｺﾞｼｯｸM" panose="020B0600000000000000" pitchFamily="50" charset="-128"/>
+                      <a:ea typeface="HGPｺﾞｼｯｸM" panose="020B0600000000000000" pitchFamily="50" charset="-128"/>
                     </a:rPr>
                     <a:t>* </a:t>
                   </a:r>
@@ -11021,7 +11233,7 @@
                       <m:sSub>
                         <m:sSubPr>
                           <m:ctrlPr>
-                            <a:rPr kumimoji="1" lang="en-US" altLang="ja-JP" sz="2400" i="1" smtClean="0">
+                            <a:rPr kumimoji="1" lang="en-US" altLang="ja-JP" sz="2800" i="1" smtClean="0">
                               <a:solidFill>
                                 <a:schemeClr val="tx1"/>
                               </a:solidFill>
@@ -11034,10 +11246,12 @@
                             <m:rPr>
                               <m:nor/>
                             </m:rPr>
-                            <a:rPr lang="en-US" altLang="ja-JP" sz="2400" dirty="0">
+                            <a:rPr lang="en-US" altLang="ja-JP" sz="2800" i="1" dirty="0">
                               <a:solidFill>
                                 <a:schemeClr val="tx1"/>
                               </a:solidFill>
+                              <a:latin typeface="HGPｺﾞｼｯｸM" panose="020B0600000000000000" pitchFamily="50" charset="-128"/>
+                              <a:ea typeface="HGPｺﾞｼｯｸM" panose="020B0600000000000000" pitchFamily="50" charset="-128"/>
                             </a:rPr>
                             <m:t>P</m:t>
                           </m:r>
@@ -11045,10 +11259,25 @@
                             <m:rPr>
                               <m:nor/>
                             </m:rPr>
-                            <a:rPr lang="en-US" altLang="ja-JP" sz="2400" dirty="0">
+                            <a:rPr lang="en-US" altLang="ja-JP" sz="2800" b="0" i="1" dirty="0" smtClean="0">
                               <a:solidFill>
                                 <a:schemeClr val="tx1"/>
                               </a:solidFill>
+                              <a:latin typeface="HGPｺﾞｼｯｸM" panose="020B0600000000000000" pitchFamily="50" charset="-128"/>
+                              <a:ea typeface="HGPｺﾞｼｯｸM" panose="020B0600000000000000" pitchFamily="50" charset="-128"/>
+                            </a:rPr>
+                            <m:t>n</m:t>
+                          </m:r>
+                          <m:r>
+                            <m:rPr>
+                              <m:nor/>
+                            </m:rPr>
+                            <a:rPr lang="en-US" altLang="ja-JP" sz="2800" i="1" dirty="0">
+                              <a:solidFill>
+                                <a:schemeClr val="tx1"/>
+                              </a:solidFill>
+                              <a:latin typeface="HGPｺﾞｼｯｸM" panose="020B0600000000000000" pitchFamily="50" charset="-128"/>
+                              <a:ea typeface="HGPｺﾞｼｯｸM" panose="020B0600000000000000" pitchFamily="50" charset="-128"/>
                             </a:rPr>
                             <m:t>(</m:t>
                           </m:r>
@@ -11056,10 +11285,12 @@
                             <m:rPr>
                               <m:nor/>
                             </m:rPr>
-                            <a:rPr lang="en-US" altLang="ja-JP" sz="2400" dirty="0">
+                            <a:rPr lang="en-US" altLang="ja-JP" sz="2800" i="1" dirty="0">
                               <a:solidFill>
                                 <a:schemeClr val="tx1"/>
                               </a:solidFill>
+                              <a:latin typeface="HGPｺﾞｼｯｸM" panose="020B0600000000000000" pitchFamily="50" charset="-128"/>
+                              <a:ea typeface="HGPｺﾞｼｯｸM" panose="020B0600000000000000" pitchFamily="50" charset="-128"/>
                             </a:rPr>
                             <m:t>t</m:t>
                           </m:r>
@@ -11067,10 +11298,12 @@
                             <m:rPr>
                               <m:nor/>
                             </m:rPr>
-                            <a:rPr lang="en-US" altLang="ja-JP" sz="2400" dirty="0">
+                            <a:rPr lang="en-US" altLang="ja-JP" sz="2800" i="1" dirty="0">
                               <a:solidFill>
                                 <a:schemeClr val="tx1"/>
                               </a:solidFill>
+                              <a:latin typeface="HGPｺﾞｼｯｸM" panose="020B0600000000000000" pitchFamily="50" charset="-128"/>
+                              <a:ea typeface="HGPｺﾞｼｯｸM" panose="020B0600000000000000" pitchFamily="50" charset="-128"/>
                             </a:rPr>
                             <m:t>−1)</m:t>
                           </m:r>
@@ -11080,10 +11313,12 @@
                             <m:rPr>
                               <m:nor/>
                             </m:rPr>
-                            <a:rPr lang="en-US" altLang="ja-JP" sz="2400" dirty="0">
+                            <a:rPr lang="en-US" altLang="ja-JP" sz="2800" i="1" dirty="0">
                               <a:solidFill>
                                 <a:schemeClr val="tx1"/>
                               </a:solidFill>
+                              <a:latin typeface="HGPｺﾞｼｯｸM" panose="020B0600000000000000" pitchFamily="50" charset="-128"/>
+                              <a:ea typeface="HGPｺﾞｼｯｸM" panose="020B0600000000000000" pitchFamily="50" charset="-128"/>
                             </a:rPr>
                             <m:t>(</m:t>
                           </m:r>
@@ -11091,10 +11326,12 @@
                             <m:rPr>
                               <m:nor/>
                             </m:rPr>
-                            <a:rPr lang="en-US" altLang="ja-JP" sz="2400" dirty="0">
+                            <a:rPr lang="en-US" altLang="ja-JP" sz="2800" i="1" dirty="0">
                               <a:solidFill>
                                 <a:schemeClr val="tx1"/>
                               </a:solidFill>
+                              <a:latin typeface="HGPｺﾞｼｯｸM" panose="020B0600000000000000" pitchFamily="50" charset="-128"/>
+                              <a:ea typeface="HGPｺﾞｼｯｸM" panose="020B0600000000000000" pitchFamily="50" charset="-128"/>
                             </a:rPr>
                             <m:t>i</m:t>
                           </m:r>
@@ -11102,10 +11339,12 @@
                             <m:rPr>
                               <m:nor/>
                             </m:rPr>
-                            <a:rPr lang="en-US" altLang="ja-JP" sz="2400" b="0" i="0" dirty="0" smtClean="0">
+                            <a:rPr lang="en-US" altLang="ja-JP" sz="2800" b="0" i="1" dirty="0" smtClean="0">
                               <a:solidFill>
                                 <a:schemeClr val="tx1"/>
                               </a:solidFill>
+                              <a:latin typeface="HGPｺﾞｼｯｸM" panose="020B0600000000000000" pitchFamily="50" charset="-128"/>
+                              <a:ea typeface="HGPｺﾞｼｯｸM" panose="020B0600000000000000" pitchFamily="50" charset="-128"/>
                             </a:rPr>
                             <m:t>+</m:t>
                           </m:r>
@@ -11113,10 +11352,12 @@
                             <m:rPr>
                               <m:nor/>
                             </m:rPr>
-                            <a:rPr lang="en-US" altLang="ja-JP" sz="2400" dirty="0">
+                            <a:rPr lang="en-US" altLang="ja-JP" sz="2800" i="1" dirty="0">
                               <a:solidFill>
                                 <a:schemeClr val="tx1"/>
                               </a:solidFill>
+                              <a:latin typeface="HGPｺﾞｼｯｸM" panose="020B0600000000000000" pitchFamily="50" charset="-128"/>
+                              <a:ea typeface="HGPｺﾞｼｯｸM" panose="020B0600000000000000" pitchFamily="50" charset="-128"/>
                             </a:rPr>
                             <m:t>1)</m:t>
                           </m:r>
@@ -11124,10 +11365,12 @@
                             <m:rPr>
                               <m:nor/>
                             </m:rPr>
-                            <a:rPr lang="en-US" altLang="ja-JP" sz="2400" dirty="0">
+                            <a:rPr lang="en-US" altLang="ja-JP" sz="2800" i="1" dirty="0">
                               <a:solidFill>
                                 <a:schemeClr val="tx1"/>
                               </a:solidFill>
+                              <a:latin typeface="HGPｺﾞｼｯｸM" panose="020B0600000000000000" pitchFamily="50" charset="-128"/>
+                              <a:ea typeface="HGPｺﾞｼｯｸM" panose="020B0600000000000000" pitchFamily="50" charset="-128"/>
                             </a:rPr>
                             <m:t>j</m:t>
                           </m:r>
@@ -11136,24 +11379,57 @@
                     </m:oMath>
                   </a14:m>
                   <a:r>
-                    <a:rPr kumimoji="1" lang="en-US" altLang="ja-JP" sz="2400" dirty="0" smtClean="0">
+                    <a:rPr kumimoji="1" lang="en-US" altLang="ja-JP" sz="2800" i="1" dirty="0" smtClean="0">
                       <a:solidFill>
                         <a:schemeClr val="tx1"/>
                       </a:solidFill>
+                      <a:latin typeface="HGPｺﾞｼｯｸM" panose="020B0600000000000000" pitchFamily="50" charset="-128"/>
+                      <a:ea typeface="HGPｺﾞｼｯｸM" panose="020B0600000000000000" pitchFamily="50" charset="-128"/>
                     </a:rPr>
-                    <a:t>= 0</a:t>
+                    <a:t> </a:t>
                   </a:r>
-                  <a:endParaRPr kumimoji="1" lang="en-US" altLang="ja-JP" sz="2400" b="0" dirty="0" smtClean="0">
+                  <a:r>
+                    <a:rPr kumimoji="1" lang="ja-JP" altLang="en-US" sz="2800" i="1" dirty="0" smtClean="0">
+                      <a:solidFill>
+                        <a:schemeClr val="tx1"/>
+                      </a:solidFill>
+                      <a:latin typeface="HGPｺﾞｼｯｸM" panose="020B0600000000000000" pitchFamily="50" charset="-128"/>
+                      <a:ea typeface="HGPｺﾞｼｯｸM" panose="020B0600000000000000" pitchFamily="50" charset="-128"/>
+                    </a:rPr>
+                    <a:t>≠</a:t>
+                  </a:r>
+                  <a:r>
+                    <a:rPr kumimoji="1" lang="en-US" altLang="ja-JP" sz="2800" i="1" dirty="0" smtClean="0">
+                      <a:solidFill>
+                        <a:schemeClr val="tx1"/>
+                      </a:solidFill>
+                      <a:latin typeface="HGPｺﾞｼｯｸM" panose="020B0600000000000000" pitchFamily="50" charset="-128"/>
+                      <a:ea typeface="HGPｺﾞｼｯｸM" panose="020B0600000000000000" pitchFamily="50" charset="-128"/>
+                    </a:rPr>
+                    <a:t> </a:t>
+                  </a:r>
+                  <a:r>
+                    <a:rPr kumimoji="1" lang="en-US" altLang="ja-JP" sz="2800" i="1" dirty="0" smtClean="0">
+                      <a:solidFill>
+                        <a:schemeClr val="tx1"/>
+                      </a:solidFill>
+                      <a:latin typeface="HGPｺﾞｼｯｸM" panose="020B0600000000000000" pitchFamily="50" charset="-128"/>
+                      <a:ea typeface="HGPｺﾞｼｯｸM" panose="020B0600000000000000" pitchFamily="50" charset="-128"/>
+                    </a:rPr>
+                    <a:t>0</a:t>
+                  </a:r>
+                  <a:endParaRPr kumimoji="1" lang="en-US" altLang="ja-JP" sz="2800" b="0" i="1" dirty="0" smtClean="0">
                     <a:solidFill>
                       <a:schemeClr val="tx1"/>
                     </a:solidFill>
-                    <a:ea typeface="Cambria Math" panose="02040503050406030204" pitchFamily="18" charset="0"/>
+                    <a:latin typeface="HGPｺﾞｼｯｸM" panose="020B0600000000000000" pitchFamily="50" charset="-128"/>
+                    <a:ea typeface="HGPｺﾞｼｯｸM" panose="020B0600000000000000" pitchFamily="50" charset="-128"/>
                   </a:endParaRPr>
                 </a:p>
               </p:txBody>
             </p:sp>
           </mc:Choice>
-          <mc:Fallback xmlns="">
+          <mc:Fallback>
             <p:sp>
               <p:nvSpPr>
                 <p:cNvPr id="11" name="テキスト ボックス 10"/>
@@ -11164,16 +11440,16 @@
               </p:nvSpPr>
               <p:spPr>
                 <a:xfrm>
-                  <a:off x="4700235" y="1799063"/>
-                  <a:ext cx="4469152" cy="603883"/>
+                  <a:off x="4541400" y="1784035"/>
+                  <a:ext cx="5684779" cy="648447"/>
                 </a:xfrm>
                 <a:prstGeom prst="rect">
                   <a:avLst/>
                 </a:prstGeom>
-                <a:blipFill>
-                  <a:blip r:embed="rId2"/>
+                <a:blipFill rotWithShape="0">
+                  <a:blip r:embed="rId3"/>
                   <a:stretch>
-                    <a:fillRect l="-2183" t="-3030" b="-4040"/>
+                    <a:fillRect l="-2253" t="-11215" b="-3738"/>
                   </a:stretch>
                 </a:blipFill>
               </p:spPr>
@@ -11200,8 +11476,8 @@
           </p:nvSpPr>
           <p:spPr>
             <a:xfrm>
-              <a:off x="4700235" y="2566905"/>
-              <a:ext cx="4392706" cy="461665"/>
+              <a:off x="4541400" y="2536127"/>
+              <a:ext cx="4392706" cy="523220"/>
             </a:xfrm>
             <a:prstGeom prst="rect">
               <a:avLst/>
@@ -11215,15 +11491,29 @@
             <a:lstStyle/>
             <a:p>
               <a:r>
-                <a:rPr lang="en-US" altLang="ja-JP" sz="2400" dirty="0" smtClean="0"/>
-                <a:t>1 </a:t>
+                <a:rPr lang="en-US" altLang="ja-JP" sz="2800" i="1" dirty="0">
+                  <a:latin typeface="HGPｺﾞｼｯｸM" panose="020B0600000000000000" pitchFamily="50" charset="-128"/>
+                  <a:ea typeface="HGPｺﾞｼｯｸM" panose="020B0600000000000000" pitchFamily="50" charset="-128"/>
+                </a:rPr>
+                <a:t>0</a:t>
               </a:r>
               <a:r>
-                <a:rPr kumimoji="1" lang="en-US" altLang="ja-JP" sz="2400" dirty="0" smtClean="0"/>
-                <a:t> otherwise</a:t>
+                <a:rPr lang="en-US" altLang="ja-JP" sz="2800" i="1" dirty="0" smtClean="0">
+                  <a:latin typeface="HGPｺﾞｼｯｸM" panose="020B0600000000000000" pitchFamily="50" charset="-128"/>
+                  <a:ea typeface="HGPｺﾞｼｯｸM" panose="020B0600000000000000" pitchFamily="50" charset="-128"/>
+                </a:rPr>
+                <a:t> </a:t>
               </a:r>
-              <a:endParaRPr kumimoji="1" lang="en-US" altLang="ja-JP" sz="2400" b="0" dirty="0" smtClean="0">
-                <a:ea typeface="Cambria Math" panose="02040503050406030204" pitchFamily="18" charset="0"/>
+              <a:r>
+                <a:rPr kumimoji="1" lang="en-US" altLang="ja-JP" sz="2800" i="1" dirty="0" smtClean="0">
+                  <a:latin typeface="HGPｺﾞｼｯｸM" panose="020B0600000000000000" pitchFamily="50" charset="-128"/>
+                  <a:ea typeface="HGPｺﾞｼｯｸM" panose="020B0600000000000000" pitchFamily="50" charset="-128"/>
+                </a:rPr>
+                <a:t>  otherwise</a:t>
+              </a:r>
+              <a:endParaRPr kumimoji="1" lang="en-US" altLang="ja-JP" sz="2800" b="0" i="1" dirty="0" smtClean="0">
+                <a:latin typeface="HGPｺﾞｼｯｸM" panose="020B0600000000000000" pitchFamily="50" charset="-128"/>
+                <a:ea typeface="HGPｺﾞｼｯｸM" panose="020B0600000000000000" pitchFamily="50" charset="-128"/>
               </a:endParaRPr>
             </a:p>
           </p:txBody>
@@ -11237,7 +11527,7 @@
         </p:nvSpPr>
         <p:spPr>
           <a:xfrm>
-            <a:off x="9434286" y="5605276"/>
+            <a:off x="9570644" y="497472"/>
             <a:ext cx="2061028" cy="369332"/>
           </a:xfrm>
           <a:prstGeom prst="rect">
@@ -11645,7 +11935,7 @@
                   <a:avLst/>
                 </a:prstGeom>
                 <a:blipFill>
-                  <a:blip r:embed="rId3"/>
+                  <a:blip r:embed="rId4"/>
                   <a:stretch>
                     <a:fillRect l="-2046" t="-3030" b="-4040"/>
                   </a:stretch>
@@ -11711,7 +12001,7 @@
         </p:nvGrpSpPr>
         <p:grpSpPr>
           <a:xfrm>
-            <a:off x="1469770" y="4008252"/>
+            <a:off x="510949" y="1407875"/>
             <a:ext cx="8359085" cy="1499953"/>
             <a:chOff x="810302" y="1663040"/>
             <a:chExt cx="8359085" cy="1499953"/>
@@ -12065,7 +12355,7 @@
                   <a:avLst/>
                 </a:prstGeom>
                 <a:blipFill>
-                  <a:blip r:embed="rId4"/>
+                  <a:blip r:embed="rId5"/>
                   <a:stretch>
                     <a:fillRect l="-2046" t="-3030" b="-4040"/>
                   </a:stretch>
@@ -12485,7 +12775,7 @@
                   <a:avLst/>
                 </a:prstGeom>
                 <a:blipFill>
-                  <a:blip r:embed="rId5"/>
+                  <a:blip r:embed="rId6"/>
                   <a:stretch>
                     <a:fillRect l="-2183" t="-3030" b="-4040"/>
                   </a:stretch>
@@ -13730,8 +14020,8 @@
           </a:p>
         </p:txBody>
       </p:sp>
-      <mc:AlternateContent xmlns:mc="http://schemas.openxmlformats.org/markup-compatibility/2006">
-        <mc:Choice xmlns:a14="http://schemas.microsoft.com/office/drawing/2010/main" Requires="a14">
+      <mc:AlternateContent xmlns:mc="http://schemas.openxmlformats.org/markup-compatibility/2006" xmlns:a14="http://schemas.microsoft.com/office/drawing/2010/main">
+        <mc:Choice Requires="a14">
           <p:sp>
             <p:nvSpPr>
               <p:cNvPr id="21" name="テキスト ボックス 20"/>
@@ -13817,17 +14107,7 @@
                               <a:latin typeface="Cambria Math" panose="02040503050406030204" pitchFamily="18" charset="0"/>
                               <a:ea typeface="Cambria Math" panose="02040503050406030204" pitchFamily="18" charset="0"/>
                             </a:rPr>
-                            <m:t>𝐶</m:t>
-                          </m:r>
-                          <m:r>
-                            <a:rPr kumimoji="1" lang="en-US" altLang="ja-JP" sz="2400" b="0" i="1" smtClean="0">
-                              <a:solidFill>
-                                <a:srgbClr val="FF0000"/>
-                              </a:solidFill>
-                              <a:latin typeface="Cambria Math" panose="02040503050406030204" pitchFamily="18" charset="0"/>
-                              <a:ea typeface="Cambria Math" panose="02040503050406030204" pitchFamily="18" charset="0"/>
-                            </a:rPr>
-                            <m:t>𝑛</m:t>
+                            <m:t>𝐶𝑛</m:t>
                           </m:r>
                         </m:sub>
                         <m:sup/>
@@ -13986,7 +14266,7 @@
             </p:txBody>
           </p:sp>
         </mc:Choice>
-        <mc:Fallback>
+        <mc:Fallback xmlns="">
           <p:sp>
             <p:nvSpPr>
               <p:cNvPr id="21" name="テキスト ボックス 20"/>
@@ -14143,7 +14423,7 @@
         </p:nvSpPr>
         <p:spPr>
           <a:xfrm>
-            <a:off x="4556893" y="5359067"/>
+            <a:off x="2277121" y="5957395"/>
             <a:ext cx="421342" cy="369332"/>
           </a:xfrm>
           <a:prstGeom prst="rightArrow">
@@ -14183,14 +14463,14 @@
         </p:nvGrpSpPr>
         <p:grpSpPr>
           <a:xfrm>
-            <a:off x="5234352" y="4905641"/>
-            <a:ext cx="6294640" cy="1103352"/>
-            <a:chOff x="5234352" y="4905641"/>
-            <a:chExt cx="6294640" cy="1103352"/>
+            <a:off x="1878531" y="4905641"/>
+            <a:ext cx="9475267" cy="1421086"/>
+            <a:chOff x="4183835" y="4905641"/>
+            <a:chExt cx="7211814" cy="1421086"/>
           </a:xfrm>
         </p:grpSpPr>
-        <mc:AlternateContent xmlns:mc="http://schemas.openxmlformats.org/markup-compatibility/2006" xmlns:a14="http://schemas.microsoft.com/office/drawing/2010/main">
-          <mc:Choice Requires="a14">
+        <mc:AlternateContent xmlns:mc="http://schemas.openxmlformats.org/markup-compatibility/2006">
+          <mc:Choice xmlns:a14="http://schemas.microsoft.com/office/drawing/2010/main" Requires="a14">
             <p:sp>
               <p:nvSpPr>
                 <p:cNvPr id="23" name="正方形/長方形 22"/>
@@ -14199,8 +14479,8 @@
               </p:nvSpPr>
               <p:spPr>
                 <a:xfrm>
-                  <a:off x="5234352" y="5240169"/>
-                  <a:ext cx="1666931" cy="369332"/>
+                  <a:off x="4183835" y="5252857"/>
+                  <a:ext cx="2771430" cy="646331"/>
                 </a:xfrm>
                 <a:prstGeom prst="rect">
                   <a:avLst/>
@@ -14220,67 +14500,75 @@
                       </m:oMathParaPr>
                       <m:oMath xmlns:m="http://schemas.openxmlformats.org/officeDocument/2006/math">
                         <m:r>
-                          <a:rPr lang="ja-JP" altLang="en-US" i="1">
+                          <a:rPr lang="ja-JP" altLang="en-US" sz="3600" i="1" smtClean="0">
                             <a:latin typeface="Cambria Math" panose="02040503050406030204" pitchFamily="18" charset="0"/>
                           </a:rPr>
                           <m:t>𝛿</m:t>
                         </m:r>
-                        <m:r>
-                          <a:rPr lang="en-US" altLang="ja-JP" i="1">
-                            <a:latin typeface="Cambria Math" panose="02040503050406030204" pitchFamily="18" charset="0"/>
-                          </a:rPr>
-                          <m:t>(</m:t>
-                        </m:r>
-                        <m:r>
-                          <a:rPr lang="en-US" altLang="ja-JP" i="1">
-                            <a:latin typeface="Cambria Math" panose="02040503050406030204" pitchFamily="18" charset="0"/>
-                          </a:rPr>
-                          <m:t>𝑃</m:t>
-                        </m:r>
                         <m:d>
                           <m:dPr>
                             <m:ctrlPr>
-                              <a:rPr lang="en-US" altLang="ja-JP" i="1">
+                              <a:rPr lang="en-US" altLang="ja-JP" sz="3600" i="1">
                                 <a:latin typeface="Cambria Math" panose="02040503050406030204" pitchFamily="18" charset="0"/>
                               </a:rPr>
                             </m:ctrlPr>
                           </m:dPr>
                           <m:e>
                             <m:r>
-                              <a:rPr lang="en-US" altLang="ja-JP" i="1">
+                              <a:rPr lang="en-US" altLang="ja-JP" sz="3600" i="1">
                                 <a:latin typeface="Cambria Math" panose="02040503050406030204" pitchFamily="18" charset="0"/>
                               </a:rPr>
-                              <m:t>𝑡</m:t>
+                              <m:t>𝑃</m:t>
+                            </m:r>
+                            <m:d>
+                              <m:dPr>
+                                <m:ctrlPr>
+                                  <a:rPr lang="en-US" altLang="ja-JP" sz="3600" i="1">
+                                    <a:latin typeface="Cambria Math" panose="02040503050406030204" pitchFamily="18" charset="0"/>
+                                  </a:rPr>
+                                </m:ctrlPr>
+                              </m:dPr>
+                              <m:e>
+                                <m:r>
+                                  <a:rPr lang="en-US" altLang="ja-JP" sz="3600" i="1">
+                                    <a:latin typeface="Cambria Math" panose="02040503050406030204" pitchFamily="18" charset="0"/>
+                                  </a:rPr>
+                                  <m:t>𝑡</m:t>
+                                </m:r>
+                              </m:e>
+                            </m:d>
+                            <m:r>
+                              <a:rPr lang="en-US" altLang="ja-JP" sz="3600" i="1">
+                                <a:latin typeface="Cambria Math" panose="02040503050406030204" pitchFamily="18" charset="0"/>
+                              </a:rPr>
+                              <m:t>,</m:t>
+                            </m:r>
+                            <m:r>
+                              <a:rPr lang="en-US" altLang="ja-JP" sz="3600" i="1">
+                                <a:latin typeface="Cambria Math" panose="02040503050406030204" pitchFamily="18" charset="0"/>
+                              </a:rPr>
+                              <m:t>𝐴𝑅𝑇𝑛</m:t>
                             </m:r>
                           </m:e>
                         </m:d>
                         <m:r>
-                          <a:rPr lang="en-US" altLang="ja-JP" i="1">
+                          <a:rPr lang="en-US" altLang="ja-JP" sz="3600" b="0" i="1" smtClean="0">
                             <a:latin typeface="Cambria Math" panose="02040503050406030204" pitchFamily="18" charset="0"/>
                           </a:rPr>
-                          <m:t>,</m:t>
-                        </m:r>
-                        <m:r>
-                          <a:rPr lang="en-US" altLang="ja-JP" i="1">
-                            <a:latin typeface="Cambria Math" panose="02040503050406030204" pitchFamily="18" charset="0"/>
-                          </a:rPr>
-                          <m:t>𝐴𝑅𝑇𝑛</m:t>
-                        </m:r>
-                        <m:r>
-                          <a:rPr lang="en-US" altLang="ja-JP" i="1">
-                            <a:latin typeface="Cambria Math" panose="02040503050406030204" pitchFamily="18" charset="0"/>
-                          </a:rPr>
-                          <m:t>)</m:t>
+                          <m:t>=</m:t>
                         </m:r>
                       </m:oMath>
                     </m:oMathPara>
                   </a14:m>
-                  <a:endParaRPr lang="ja-JP" altLang="en-US" dirty="0"/>
+                  <a:endParaRPr lang="ja-JP" altLang="en-US" sz="3600" i="1" dirty="0">
+                    <a:latin typeface="HGPｺﾞｼｯｸM" panose="020B0600000000000000" pitchFamily="50" charset="-128"/>
+                    <a:ea typeface="HGPｺﾞｼｯｸM" panose="020B0600000000000000" pitchFamily="50" charset="-128"/>
+                  </a:endParaRPr>
                 </a:p>
               </p:txBody>
             </p:sp>
           </mc:Choice>
-          <mc:Fallback xmlns="">
+          <mc:Fallback>
             <p:sp>
               <p:nvSpPr>
                 <p:cNvPr id="23" name="正方形/長方形 22"/>
@@ -14291,16 +14579,16 @@
               </p:nvSpPr>
               <p:spPr>
                 <a:xfrm>
-                  <a:off x="5234352" y="5240169"/>
-                  <a:ext cx="1666931" cy="369332"/>
+                  <a:off x="4183835" y="5252857"/>
+                  <a:ext cx="2771430" cy="646331"/>
                 </a:xfrm>
                 <a:prstGeom prst="rect">
                   <a:avLst/>
                 </a:prstGeom>
-                <a:blipFill>
+                <a:blipFill rotWithShape="0">
                   <a:blip r:embed="rId5"/>
                   <a:stretch>
-                    <a:fillRect b="-13333"/>
+                    <a:fillRect/>
                   </a:stretch>
                 </a:blipFill>
               </p:spPr>
@@ -14328,7 +14616,7 @@
           <p:spPr>
             <a:xfrm>
               <a:off x="6993648" y="4905641"/>
-              <a:ext cx="627529" cy="1103352"/>
+              <a:ext cx="627529" cy="1421086"/>
             </a:xfrm>
             <a:prstGeom prst="leftBrace">
               <a:avLst/>
@@ -14354,12 +14642,15 @@
             <a:lstStyle/>
             <a:p>
               <a:pPr algn="ctr"/>
-              <a:endParaRPr kumimoji="1" lang="ja-JP" altLang="en-US"/>
+              <a:endParaRPr kumimoji="1" lang="ja-JP" altLang="en-US" sz="2000" i="1">
+                <a:latin typeface="HGPｺﾞｼｯｸM" panose="020B0600000000000000" pitchFamily="50" charset="-128"/>
+                <a:ea typeface="HGPｺﾞｼｯｸM" panose="020B0600000000000000" pitchFamily="50" charset="-128"/>
+              </a:endParaRPr>
             </a:p>
           </p:txBody>
         </p:sp>
-        <mc:AlternateContent xmlns:mc="http://schemas.openxmlformats.org/markup-compatibility/2006" xmlns:a14="http://schemas.microsoft.com/office/drawing/2010/main">
-          <mc:Choice Requires="a14">
+        <mc:AlternateContent xmlns:mc="http://schemas.openxmlformats.org/markup-compatibility/2006">
+          <mc:Choice xmlns:a14="http://schemas.microsoft.com/office/drawing/2010/main" Requires="a14">
             <p:sp>
               <p:nvSpPr>
                 <p:cNvPr id="28" name="テキスト ボックス 27"/>
@@ -14368,8 +14659,8 @@
               </p:nvSpPr>
               <p:spPr>
                 <a:xfrm>
-                  <a:off x="7549607" y="4948139"/>
-                  <a:ext cx="3979385" cy="509178"/>
+                  <a:off x="7416264" y="5048505"/>
+                  <a:ext cx="3979385" cy="578685"/>
                 </a:xfrm>
                 <a:prstGeom prst="rect">
                   <a:avLst/>
@@ -14383,13 +14674,16 @@
                 <a:lstStyle/>
                 <a:p>
                   <a:r>
-                    <a:rPr kumimoji="1" lang="en-US" altLang="ja-JP" sz="2400" dirty="0" smtClean="0"/>
-                    <a:t>1  if </a:t>
+                    <a:rPr kumimoji="1" lang="en-US" altLang="ja-JP" sz="2800" i="1" dirty="0" smtClean="0">
+                      <a:latin typeface="HGPｺﾞｼｯｸM" panose="020B0600000000000000" pitchFamily="50" charset="-128"/>
+                      <a:ea typeface="HGPｺﾞｼｯｸM" panose="020B0600000000000000" pitchFamily="50" charset="-128"/>
+                    </a:rPr>
+                    <a:t>1  If </a:t>
                   </a:r>
                   <a14:m>
                     <m:oMath xmlns:m="http://schemas.openxmlformats.org/officeDocument/2006/math">
                       <m:r>
-                        <a:rPr kumimoji="1" lang="en-US" altLang="ja-JP" sz="2400" b="0" i="1" smtClean="0">
+                        <a:rPr kumimoji="1" lang="en-US" altLang="ja-JP" sz="2800" b="0" i="1" smtClean="0">
                           <a:latin typeface="Cambria Math" panose="02040503050406030204" pitchFamily="18" charset="0"/>
                         </a:rPr>
                         <m:t>𝑇𝑟</m:t>
@@ -14397,14 +14691,14 @@
                       <m:d>
                         <m:dPr>
                           <m:ctrlPr>
-                            <a:rPr kumimoji="1" lang="en-US" altLang="ja-JP" sz="2400" b="0" i="1" smtClean="0">
+                            <a:rPr kumimoji="1" lang="en-US" altLang="ja-JP" sz="2800" b="0" i="1" smtClean="0">
                               <a:latin typeface="Cambria Math" panose="02040503050406030204" pitchFamily="18" charset="0"/>
                             </a:rPr>
                           </m:ctrlPr>
                         </m:dPr>
                         <m:e>
                           <m:r>
-                            <a:rPr kumimoji="1" lang="en-US" altLang="ja-JP" sz="2400" b="0" i="1" smtClean="0">
+                            <a:rPr kumimoji="1" lang="en-US" altLang="ja-JP" sz="2800" b="0" i="1" smtClean="0">
                               <a:latin typeface="Cambria Math" panose="02040503050406030204" pitchFamily="18" charset="0"/>
                             </a:rPr>
                             <m:t>𝑃</m:t>
@@ -14412,14 +14706,14 @@
                           <m:d>
                             <m:dPr>
                               <m:ctrlPr>
-                                <a:rPr kumimoji="1" lang="en-US" altLang="ja-JP" sz="2400" b="0" i="1" smtClean="0">
+                                <a:rPr kumimoji="1" lang="en-US" altLang="ja-JP" sz="2800" b="0" i="1" smtClean="0">
                                   <a:latin typeface="Cambria Math" panose="02040503050406030204" pitchFamily="18" charset="0"/>
                                 </a:rPr>
                               </m:ctrlPr>
                             </m:dPr>
                             <m:e>
                               <m:r>
-                                <a:rPr kumimoji="1" lang="en-US" altLang="ja-JP" sz="2400" b="0" i="1" smtClean="0">
+                                <a:rPr kumimoji="1" lang="en-US" altLang="ja-JP" sz="2800" b="0" i="1" smtClean="0">
                                   <a:latin typeface="Cambria Math" panose="02040503050406030204" pitchFamily="18" charset="0"/>
                                 </a:rPr>
                                 <m:t>𝑡</m:t>
@@ -14427,7 +14721,7 @@
                             </m:e>
                           </m:d>
                           <m:r>
-                            <a:rPr kumimoji="1" lang="en-US" altLang="ja-JP" sz="2400" b="0" i="1" smtClean="0">
+                            <a:rPr kumimoji="1" lang="en-US" altLang="ja-JP" sz="2800" b="0" i="1" smtClean="0">
                               <a:latin typeface="Cambria Math" panose="02040503050406030204" pitchFamily="18" charset="0"/>
                             </a:rPr>
                             <m:t>×</m:t>
@@ -14435,7 +14729,7 @@
                           <m:sPre>
                             <m:sPrePr>
                               <m:ctrlPr>
-                                <a:rPr kumimoji="1" lang="en-US" altLang="ja-JP" sz="2400" b="0" i="1" smtClean="0">
+                                <a:rPr kumimoji="1" lang="en-US" altLang="ja-JP" sz="2800" b="0" i="1" smtClean="0">
                                   <a:latin typeface="Cambria Math" panose="02040503050406030204" pitchFamily="18" charset="0"/>
                                   <a:ea typeface="Cambria Math" panose="02040503050406030204" pitchFamily="18" charset="0"/>
                                 </a:rPr>
@@ -14444,7 +14738,7 @@
                             <m:sub/>
                             <m:sup>
                               <m:r>
-                                <a:rPr lang="en-US" altLang="ja-JP" sz="2400" b="0" i="1" smtClean="0">
+                                <a:rPr lang="en-US" altLang="ja-JP" sz="2800" b="0" i="1" smtClean="0">
                                   <a:latin typeface="Cambria Math" panose="02040503050406030204" pitchFamily="18" charset="0"/>
                                 </a:rPr>
                                 <m:t>𝑡</m:t>
@@ -14452,7 +14746,7 @@
                             </m:sup>
                             <m:e>
                               <m:r>
-                                <a:rPr lang="en-US" altLang="ja-JP" sz="2400" b="0" i="1" smtClean="0">
+                                <a:rPr lang="en-US" altLang="ja-JP" sz="2800" b="0" i="1" smtClean="0">
                                   <a:latin typeface="Cambria Math" panose="02040503050406030204" pitchFamily="18" charset="0"/>
                                 </a:rPr>
                                 <m:t>𝐴𝑅𝑇𝑛</m:t>
@@ -14462,29 +14756,23 @@
                         </m:e>
                       </m:d>
                       <m:r>
-                        <a:rPr kumimoji="1" lang="en-US" altLang="ja-JP" sz="2400" b="0" i="1" smtClean="0">
+                        <a:rPr kumimoji="1" lang="en-US" altLang="ja-JP" sz="2800" b="0" i="1" smtClean="0">
                           <a:latin typeface="Cambria Math" panose="02040503050406030204" pitchFamily="18" charset="0"/>
                           <a:ea typeface="Cambria Math" panose="02040503050406030204" pitchFamily="18" charset="0"/>
                         </a:rPr>
-                        <m:t>≠</m:t>
-                      </m:r>
-                      <m:r>
-                        <a:rPr kumimoji="1" lang="en-US" altLang="ja-JP" sz="2400" b="0" i="0" smtClean="0">
-                          <a:latin typeface="Cambria Math" panose="02040503050406030204" pitchFamily="18" charset="0"/>
-                          <a:ea typeface="Cambria Math" panose="02040503050406030204" pitchFamily="18" charset="0"/>
-                        </a:rPr>
-                        <m:t>0 </m:t>
+                        <m:t>≠0 </m:t>
                       </m:r>
                     </m:oMath>
                   </a14:m>
-                  <a:endParaRPr kumimoji="1" lang="en-US" altLang="ja-JP" sz="2400" b="0" dirty="0" smtClean="0">
-                    <a:ea typeface="Cambria Math" panose="02040503050406030204" pitchFamily="18" charset="0"/>
+                  <a:endParaRPr kumimoji="1" lang="en-US" altLang="ja-JP" sz="2800" b="0" i="1" dirty="0" smtClean="0">
+                    <a:latin typeface="HGPｺﾞｼｯｸM" panose="020B0600000000000000" pitchFamily="50" charset="-128"/>
+                    <a:ea typeface="HGPｺﾞｼｯｸM" panose="020B0600000000000000" pitchFamily="50" charset="-128"/>
                   </a:endParaRPr>
                 </a:p>
               </p:txBody>
             </p:sp>
           </mc:Choice>
-          <mc:Fallback xmlns="">
+          <mc:Fallback>
             <p:sp>
               <p:nvSpPr>
                 <p:cNvPr id="28" name="テキスト ボックス 27"/>
@@ -14495,16 +14783,16 @@
               </p:nvSpPr>
               <p:spPr>
                 <a:xfrm>
-                  <a:off x="7549607" y="4948139"/>
-                  <a:ext cx="3979385" cy="509178"/>
+                  <a:off x="7416264" y="5048505"/>
+                  <a:ext cx="3979385" cy="578685"/>
                 </a:xfrm>
                 <a:prstGeom prst="rect">
                   <a:avLst/>
                 </a:prstGeom>
-                <a:blipFill>
+                <a:blipFill rotWithShape="0">
                   <a:blip r:embed="rId6"/>
                   <a:stretch>
-                    <a:fillRect l="-2297" t="-2410" b="-25301"/>
+                    <a:fillRect l="-2450" t="-10526" b="-18947"/>
                   </a:stretch>
                 </a:blipFill>
               </p:spPr>
@@ -14531,8 +14819,8 @@
           </p:nvSpPr>
           <p:spPr>
             <a:xfrm>
-              <a:off x="7552095" y="5543733"/>
-              <a:ext cx="2135112" cy="461665"/>
+              <a:off x="7416264" y="5616430"/>
+              <a:ext cx="2135112" cy="523220"/>
             </a:xfrm>
             <a:prstGeom prst="rect">
               <a:avLst/>
@@ -14546,18 +14834,22 @@
             <a:lstStyle/>
             <a:p>
               <a:r>
-                <a:rPr kumimoji="1" lang="en-US" altLang="ja-JP" sz="2400" dirty="0" smtClean="0"/>
+                <a:rPr kumimoji="1" lang="en-US" altLang="ja-JP" sz="2800" i="1" dirty="0" smtClean="0">
+                  <a:latin typeface="HGPｺﾞｼｯｸM" panose="020B0600000000000000" pitchFamily="50" charset="-128"/>
+                  <a:ea typeface="HGPｺﾞｼｯｸM" panose="020B0600000000000000" pitchFamily="50" charset="-128"/>
+                </a:rPr>
                 <a:t>0  otherwise</a:t>
               </a:r>
-              <a:endParaRPr kumimoji="1" lang="en-US" altLang="ja-JP" sz="2400" b="0" dirty="0" smtClean="0">
-                <a:ea typeface="Cambria Math" panose="02040503050406030204" pitchFamily="18" charset="0"/>
+              <a:endParaRPr kumimoji="1" lang="en-US" altLang="ja-JP" sz="2800" b="0" i="1" dirty="0" smtClean="0">
+                <a:latin typeface="HGPｺﾞｼｯｸM" panose="020B0600000000000000" pitchFamily="50" charset="-128"/>
+                <a:ea typeface="HGPｺﾞｼｯｸM" panose="020B0600000000000000" pitchFamily="50" charset="-128"/>
               </a:endParaRPr>
             </a:p>
           </p:txBody>
         </p:sp>
       </p:grpSp>
-      <mc:AlternateContent xmlns:mc="http://schemas.openxmlformats.org/markup-compatibility/2006" xmlns:a14="http://schemas.microsoft.com/office/drawing/2010/main">
-        <mc:Choice Requires="a14">
+      <mc:AlternateContent xmlns:mc="http://schemas.openxmlformats.org/markup-compatibility/2006">
+        <mc:Choice xmlns:a14="http://schemas.microsoft.com/office/drawing/2010/main" Requires="a14">
           <p:sp>
             <p:nvSpPr>
               <p:cNvPr id="22" name="テキスト ボックス 21"/>
@@ -14567,7 +14859,7 @@
             <p:spPr>
               <a:xfrm>
                 <a:off x="2056190" y="1728080"/>
-                <a:ext cx="5839455" cy="738536"/>
+                <a:ext cx="5839455" cy="694934"/>
               </a:xfrm>
               <a:prstGeom prst="rect">
                 <a:avLst/>
@@ -14827,89 +15119,151 @@
                                       </m:sSub>
                                     </m:e>
                                   </m:d>
-                                  <m:nary>
-                                    <m:naryPr>
-                                      <m:chr m:val="∑"/>
-                                      <m:supHide m:val="on"/>
+                                  <m:f>
+                                    <m:fPr>
                                       <m:ctrlPr>
                                         <a:rPr lang="en-US" altLang="ja-JP" i="1">
                                           <a:latin typeface="Cambria Math" panose="02040503050406030204" pitchFamily="18" charset="0"/>
                                           <a:ea typeface="Cambria Math" panose="02040503050406030204" pitchFamily="18" charset="0"/>
                                         </a:rPr>
                                       </m:ctrlPr>
-                                    </m:naryPr>
-                                    <m:sub>
+                                    </m:fPr>
+                                    <m:num>
+                                      <m:sSub>
+                                        <m:sSubPr>
+                                          <m:ctrlPr>
+                                            <a:rPr lang="en-US" altLang="ja-JP" i="1">
+                                              <a:latin typeface="Cambria Math" panose="02040503050406030204" pitchFamily="18" charset="0"/>
+                                              <a:ea typeface="Cambria Math" panose="02040503050406030204" pitchFamily="18" charset="0"/>
+                                            </a:rPr>
+                                          </m:ctrlPr>
+                                        </m:sSubPr>
+                                        <m:e>
+                                          <m:r>
+                                            <a:rPr lang="en-US" altLang="ja-JP" i="1">
+                                              <a:latin typeface="Cambria Math" panose="02040503050406030204" pitchFamily="18" charset="0"/>
+                                              <a:ea typeface="Cambria Math" panose="02040503050406030204" pitchFamily="18" charset="0"/>
+                                            </a:rPr>
+                                            <m:t>𝑅𝑇𝑆</m:t>
+                                          </m:r>
+                                        </m:e>
+                                        <m:sub>
+                                          <m:r>
+                                            <a:rPr lang="en-US" altLang="ja-JP" i="1">
+                                              <a:latin typeface="Cambria Math" panose="02040503050406030204" pitchFamily="18" charset="0"/>
+                                              <a:ea typeface="Cambria Math" panose="02040503050406030204" pitchFamily="18" charset="0"/>
+                                            </a:rPr>
+                                            <m:t>𝑚</m:t>
+                                          </m:r>
+                                        </m:sub>
+                                      </m:sSub>
                                       <m:r>
-                                        <m:rPr>
-                                          <m:brk m:alnAt="7"/>
-                                        </m:rPr>
                                         <a:rPr lang="en-US" altLang="ja-JP" i="1">
                                           <a:latin typeface="Cambria Math" panose="02040503050406030204" pitchFamily="18" charset="0"/>
                                           <a:ea typeface="Cambria Math" panose="02040503050406030204" pitchFamily="18" charset="0"/>
                                         </a:rPr>
-                                        <m:t>𝑚</m:t>
+                                        <m:t>(</m:t>
                                       </m:r>
                                       <m:r>
                                         <a:rPr lang="en-US" altLang="ja-JP" i="1">
                                           <a:latin typeface="Cambria Math" panose="02040503050406030204" pitchFamily="18" charset="0"/>
                                           <a:ea typeface="Cambria Math" panose="02040503050406030204" pitchFamily="18" charset="0"/>
                                         </a:rPr>
-                                        <m:t>∈</m:t>
+                                        <m:t>𝑁</m:t>
                                       </m:r>
                                       <m:r>
                                         <a:rPr lang="en-US" altLang="ja-JP" i="1">
                                           <a:latin typeface="Cambria Math" panose="02040503050406030204" pitchFamily="18" charset="0"/>
                                           <a:ea typeface="Cambria Math" panose="02040503050406030204" pitchFamily="18" charset="0"/>
                                         </a:rPr>
-                                        <m:t>𝑉𝑆𝑆</m:t>
+                                        <m:t>(</m:t>
                                       </m:r>
-                                    </m:sub>
-                                    <m:sup/>
-                                    <m:e>
-                                      <m:f>
-                                        <m:fPr>
+                                      <m:r>
+                                        <a:rPr lang="en-US" altLang="ja-JP" i="1">
+                                          <a:latin typeface="Cambria Math" panose="02040503050406030204" pitchFamily="18" charset="0"/>
+                                          <a:ea typeface="Cambria Math" panose="02040503050406030204" pitchFamily="18" charset="0"/>
+                                        </a:rPr>
+                                        <m:t>𝑡</m:t>
+                                      </m:r>
+                                      <m:r>
+                                        <a:rPr lang="en-US" altLang="ja-JP" i="1">
+                                          <a:latin typeface="Cambria Math" panose="02040503050406030204" pitchFamily="18" charset="0"/>
+                                          <a:ea typeface="Cambria Math" panose="02040503050406030204" pitchFamily="18" charset="0"/>
+                                        </a:rPr>
+                                        <m:t>))</m:t>
+                                      </m:r>
+                                    </m:num>
+                                    <m:den>
+                                      <m:sSub>
+                                        <m:sSubPr>
                                           <m:ctrlPr>
                                             <a:rPr lang="en-US" altLang="ja-JP" i="1">
                                               <a:latin typeface="Cambria Math" panose="02040503050406030204" pitchFamily="18" charset="0"/>
                                               <a:ea typeface="Cambria Math" panose="02040503050406030204" pitchFamily="18" charset="0"/>
                                             </a:rPr>
                                           </m:ctrlPr>
-                                        </m:fPr>
-                                        <m:num>
-                                          <m:sSub>
-                                            <m:sSubPr>
+                                        </m:sSubPr>
+                                        <m:e>
+                                          <m:r>
+                                            <a:rPr lang="en-US" altLang="ja-JP" i="1">
+                                              <a:latin typeface="Cambria Math" panose="02040503050406030204" pitchFamily="18" charset="0"/>
+                                              <a:ea typeface="Cambria Math" panose="02040503050406030204" pitchFamily="18" charset="0"/>
+                                            </a:rPr>
+                                            <m:t>𝑅𝑇𝑆</m:t>
+                                          </m:r>
+                                        </m:e>
+                                        <m:sub>
+                                          <m:r>
+                                            <a:rPr lang="en-US" altLang="ja-JP" i="1">
+                                              <a:latin typeface="Cambria Math" panose="02040503050406030204" pitchFamily="18" charset="0"/>
+                                              <a:ea typeface="Cambria Math" panose="02040503050406030204" pitchFamily="18" charset="0"/>
+                                            </a:rPr>
+                                            <m:t>𝑚</m:t>
+                                          </m:r>
+                                        </m:sub>
+                                      </m:sSub>
+                                      <m:d>
+                                        <m:dPr>
+                                          <m:ctrlPr>
+                                            <a:rPr lang="en-US" altLang="ja-JP" i="1">
+                                              <a:latin typeface="Cambria Math" panose="02040503050406030204" pitchFamily="18" charset="0"/>
+                                              <a:ea typeface="Cambria Math" panose="02040503050406030204" pitchFamily="18" charset="0"/>
+                                            </a:rPr>
+                                          </m:ctrlPr>
+                                        </m:dPr>
+                                        <m:e>
+                                          <m:r>
+                                            <a:rPr lang="en-US" altLang="ja-JP" i="1">
+                                              <a:latin typeface="Cambria Math" panose="02040503050406030204" pitchFamily="18" charset="0"/>
+                                              <a:ea typeface="Cambria Math" panose="02040503050406030204" pitchFamily="18" charset="0"/>
+                                            </a:rPr>
+                                            <m:t>𝑃</m:t>
+                                          </m:r>
+                                          <m:d>
+                                            <m:dPr>
                                               <m:ctrlPr>
                                                 <a:rPr lang="en-US" altLang="ja-JP" i="1">
                                                   <a:latin typeface="Cambria Math" panose="02040503050406030204" pitchFamily="18" charset="0"/>
                                                   <a:ea typeface="Cambria Math" panose="02040503050406030204" pitchFamily="18" charset="0"/>
                                                 </a:rPr>
                                               </m:ctrlPr>
-                                            </m:sSubPr>
+                                            </m:dPr>
                                             <m:e>
                                               <m:r>
                                                 <a:rPr lang="en-US" altLang="ja-JP" i="1">
                                                   <a:latin typeface="Cambria Math" panose="02040503050406030204" pitchFamily="18" charset="0"/>
                                                   <a:ea typeface="Cambria Math" panose="02040503050406030204" pitchFamily="18" charset="0"/>
                                                 </a:rPr>
-                                                <m:t>𝑉𝑆𝑆</m:t>
+                                                <m:t>𝑡</m:t>
                                               </m:r>
                                             </m:e>
-                                            <m:sub>
-                                              <m:r>
-                                                <a:rPr lang="en-US" altLang="ja-JP" i="1">
-                                                  <a:latin typeface="Cambria Math" panose="02040503050406030204" pitchFamily="18" charset="0"/>
-                                                  <a:ea typeface="Cambria Math" panose="02040503050406030204" pitchFamily="18" charset="0"/>
-                                                </a:rPr>
-                                                <m:t>𝑚</m:t>
-                                              </m:r>
-                                            </m:sub>
-                                          </m:sSub>
+                                          </m:d>
                                           <m:r>
                                             <a:rPr lang="en-US" altLang="ja-JP" i="1">
                                               <a:latin typeface="Cambria Math" panose="02040503050406030204" pitchFamily="18" charset="0"/>
                                               <a:ea typeface="Cambria Math" panose="02040503050406030204" pitchFamily="18" charset="0"/>
                                             </a:rPr>
-                                            <m:t>(</m:t>
+                                            <m:t>+</m:t>
                                           </m:r>
                                           <m:r>
                                             <a:rPr lang="en-US" altLang="ja-JP" i="1">
@@ -14937,115 +15291,12 @@
                                               <a:latin typeface="Cambria Math" panose="02040503050406030204" pitchFamily="18" charset="0"/>
                                               <a:ea typeface="Cambria Math" panose="02040503050406030204" pitchFamily="18" charset="0"/>
                                             </a:rPr>
-                                            <m:t>))</m:t>
+                                            <m:t>)</m:t>
                                           </m:r>
-                                        </m:num>
-                                        <m:den>
-                                          <m:sSub>
-                                            <m:sSubPr>
-                                              <m:ctrlPr>
-                                                <a:rPr lang="en-US" altLang="ja-JP" i="1">
-                                                  <a:latin typeface="Cambria Math" panose="02040503050406030204" pitchFamily="18" charset="0"/>
-                                                  <a:ea typeface="Cambria Math" panose="02040503050406030204" pitchFamily="18" charset="0"/>
-                                                </a:rPr>
-                                              </m:ctrlPr>
-                                            </m:sSubPr>
-                                            <m:e>
-                                              <m:r>
-                                                <a:rPr lang="en-US" altLang="ja-JP" i="1">
-                                                  <a:latin typeface="Cambria Math" panose="02040503050406030204" pitchFamily="18" charset="0"/>
-                                                  <a:ea typeface="Cambria Math" panose="02040503050406030204" pitchFamily="18" charset="0"/>
-                                                </a:rPr>
-                                                <m:t>𝑉𝑆𝑆</m:t>
-                                              </m:r>
-                                            </m:e>
-                                            <m:sub>
-                                              <m:r>
-                                                <a:rPr lang="en-US" altLang="ja-JP" i="1">
-                                                  <a:latin typeface="Cambria Math" panose="02040503050406030204" pitchFamily="18" charset="0"/>
-                                                  <a:ea typeface="Cambria Math" panose="02040503050406030204" pitchFamily="18" charset="0"/>
-                                                </a:rPr>
-                                                <m:t>𝑚</m:t>
-                                              </m:r>
-                                            </m:sub>
-                                          </m:sSub>
-                                          <m:d>
-                                            <m:dPr>
-                                              <m:ctrlPr>
-                                                <a:rPr lang="en-US" altLang="ja-JP" i="1">
-                                                  <a:latin typeface="Cambria Math" panose="02040503050406030204" pitchFamily="18" charset="0"/>
-                                                  <a:ea typeface="Cambria Math" panose="02040503050406030204" pitchFamily="18" charset="0"/>
-                                                </a:rPr>
-                                              </m:ctrlPr>
-                                            </m:dPr>
-                                            <m:e>
-                                              <m:r>
-                                                <a:rPr lang="en-US" altLang="ja-JP" i="1">
-                                                  <a:latin typeface="Cambria Math" panose="02040503050406030204" pitchFamily="18" charset="0"/>
-                                                  <a:ea typeface="Cambria Math" panose="02040503050406030204" pitchFamily="18" charset="0"/>
-                                                </a:rPr>
-                                                <m:t>𝑃</m:t>
-                                              </m:r>
-                                              <m:d>
-                                                <m:dPr>
-                                                  <m:ctrlPr>
-                                                    <a:rPr lang="en-US" altLang="ja-JP" i="1">
-                                                      <a:latin typeface="Cambria Math" panose="02040503050406030204" pitchFamily="18" charset="0"/>
-                                                      <a:ea typeface="Cambria Math" panose="02040503050406030204" pitchFamily="18" charset="0"/>
-                                                    </a:rPr>
-                                                  </m:ctrlPr>
-                                                </m:dPr>
-                                                <m:e>
-                                                  <m:r>
-                                                    <a:rPr lang="en-US" altLang="ja-JP" i="1">
-                                                      <a:latin typeface="Cambria Math" panose="02040503050406030204" pitchFamily="18" charset="0"/>
-                                                      <a:ea typeface="Cambria Math" panose="02040503050406030204" pitchFamily="18" charset="0"/>
-                                                    </a:rPr>
-                                                    <m:t>𝑡</m:t>
-                                                  </m:r>
-                                                </m:e>
-                                              </m:d>
-                                              <m:r>
-                                                <a:rPr lang="en-US" altLang="ja-JP" i="1">
-                                                  <a:latin typeface="Cambria Math" panose="02040503050406030204" pitchFamily="18" charset="0"/>
-                                                  <a:ea typeface="Cambria Math" panose="02040503050406030204" pitchFamily="18" charset="0"/>
-                                                </a:rPr>
-                                                <m:t>+</m:t>
-                                              </m:r>
-                                              <m:r>
-                                                <a:rPr lang="en-US" altLang="ja-JP" i="1">
-                                                  <a:latin typeface="Cambria Math" panose="02040503050406030204" pitchFamily="18" charset="0"/>
-                                                  <a:ea typeface="Cambria Math" panose="02040503050406030204" pitchFamily="18" charset="0"/>
-                                                </a:rPr>
-                                                <m:t>𝑁</m:t>
-                                              </m:r>
-                                              <m:r>
-                                                <a:rPr lang="en-US" altLang="ja-JP" i="1">
-                                                  <a:latin typeface="Cambria Math" panose="02040503050406030204" pitchFamily="18" charset="0"/>
-                                                  <a:ea typeface="Cambria Math" panose="02040503050406030204" pitchFamily="18" charset="0"/>
-                                                </a:rPr>
-                                                <m:t>(</m:t>
-                                              </m:r>
-                                              <m:r>
-                                                <a:rPr lang="en-US" altLang="ja-JP" i="1">
-                                                  <a:latin typeface="Cambria Math" panose="02040503050406030204" pitchFamily="18" charset="0"/>
-                                                  <a:ea typeface="Cambria Math" panose="02040503050406030204" pitchFamily="18" charset="0"/>
-                                                </a:rPr>
-                                                <m:t>𝑡</m:t>
-                                              </m:r>
-                                              <m:r>
-                                                <a:rPr lang="en-US" altLang="ja-JP" i="1">
-                                                  <a:latin typeface="Cambria Math" panose="02040503050406030204" pitchFamily="18" charset="0"/>
-                                                  <a:ea typeface="Cambria Math" panose="02040503050406030204" pitchFamily="18" charset="0"/>
-                                                </a:rPr>
-                                                <m:t>)</m:t>
-                                              </m:r>
-                                            </m:e>
-                                          </m:d>
-                                        </m:den>
-                                      </m:f>
-                                    </m:e>
-                                  </m:nary>
+                                        </m:e>
+                                      </m:d>
+                                    </m:den>
+                                  </m:f>
                                 </m:e>
                               </m:d>
                               <m:r>
@@ -15071,7 +15322,7 @@
             </p:txBody>
           </p:sp>
         </mc:Choice>
-        <mc:Fallback xmlns="">
+        <mc:Fallback>
           <p:sp>
             <p:nvSpPr>
               <p:cNvPr id="22" name="テキスト ボックス 21"/>
@@ -15083,12 +15334,12 @@
             <p:spPr>
               <a:xfrm>
                 <a:off x="2056190" y="1728080"/>
-                <a:ext cx="5839455" cy="738536"/>
+                <a:ext cx="5839455" cy="694934"/>
               </a:xfrm>
               <a:prstGeom prst="rect">
                 <a:avLst/>
               </a:prstGeom>
-              <a:blipFill>
+              <a:blipFill rotWithShape="0">
                 <a:blip r:embed="rId7"/>
                 <a:stretch>
                   <a:fillRect/>
@@ -15121,7 +15372,7 @@
             <p:spPr>
               <a:xfrm>
                 <a:off x="688948" y="2651736"/>
-                <a:ext cx="4526945" cy="416268"/>
+                <a:ext cx="4420249" cy="764825"/>
               </a:xfrm>
               <a:prstGeom prst="rect">
                 <a:avLst/>
@@ -15133,323 +15384,339 @@
               </a:bodyPr>
               <a:lstStyle/>
               <a:p>
-                <a:r>
-                  <a:rPr lang="en-US" altLang="ja-JP" dirty="0" smtClean="0">
-                    <a:solidFill>
-                      <a:schemeClr val="tx1"/>
-                    </a:solidFill>
-                  </a:rPr>
-                  <a:t>VSS</a:t>
-                </a:r>
                 <a14:m>
-                  <m:oMath xmlns:m="http://schemas.openxmlformats.org/officeDocument/2006/math">
-                    <m:r>
-                      <a:rPr lang="en-US" altLang="ja-JP" i="1">
-                        <a:solidFill>
-                          <a:schemeClr val="tx1"/>
-                        </a:solidFill>
-                        <a:latin typeface="Cambria Math" panose="02040503050406030204" pitchFamily="18" charset="0"/>
-                      </a:rPr>
-                      <m:t>𝑛</m:t>
-                    </m:r>
-                    <m:d>
-                      <m:dPr>
-                        <m:ctrlPr>
-                          <a:rPr lang="en-US" altLang="ja-JP" b="0" i="1" smtClean="0">
-                            <a:solidFill>
-                              <a:schemeClr val="tx1"/>
-                            </a:solidFill>
-                            <a:latin typeface="Cambria Math" panose="02040503050406030204" pitchFamily="18" charset="0"/>
-                          </a:rPr>
-                        </m:ctrlPr>
-                      </m:dPr>
-                      <m:e>
-                        <m:r>
-                          <a:rPr lang="en-US" altLang="ja-JP" b="0" i="1" smtClean="0">
-                            <a:solidFill>
-                              <a:schemeClr val="tx1"/>
-                            </a:solidFill>
-                            <a:latin typeface="Cambria Math" panose="02040503050406030204" pitchFamily="18" charset="0"/>
-                          </a:rPr>
-                          <m:t>𝑃</m:t>
-                        </m:r>
-                        <m:d>
-                          <m:dPr>
-                            <m:ctrlPr>
-                              <a:rPr lang="en-US" altLang="ja-JP" b="0" i="1" smtClean="0">
-                                <a:solidFill>
-                                  <a:schemeClr val="tx1"/>
-                                </a:solidFill>
-                                <a:latin typeface="Cambria Math" panose="02040503050406030204" pitchFamily="18" charset="0"/>
-                              </a:rPr>
-                            </m:ctrlPr>
-                          </m:dPr>
-                          <m:e>
-                            <m:r>
-                              <a:rPr lang="en-US" altLang="ja-JP" b="0" i="1" smtClean="0">
-                                <a:solidFill>
-                                  <a:schemeClr val="tx1"/>
-                                </a:solidFill>
-                                <a:latin typeface="Cambria Math" panose="02040503050406030204" pitchFamily="18" charset="0"/>
-                              </a:rPr>
-                              <m:t>𝑡</m:t>
-                            </m:r>
-                          </m:e>
-                        </m:d>
-                      </m:e>
-                    </m:d>
-                    <m:r>
-                      <a:rPr lang="en-US" altLang="ja-JP" b="0" i="1" smtClean="0">
-                        <a:solidFill>
-                          <a:schemeClr val="tx1"/>
-                        </a:solidFill>
-                        <a:latin typeface="Cambria Math" panose="02040503050406030204" pitchFamily="18" charset="0"/>
-                      </a:rPr>
-                      <m:t>= </m:t>
-                    </m:r>
-                    <m:nary>
-                      <m:naryPr>
-                        <m:chr m:val="∑"/>
-                        <m:supHide m:val="on"/>
-                        <m:ctrlPr>
-                          <a:rPr lang="en-US" altLang="ja-JP" b="0" i="1" smtClean="0">
-                            <a:solidFill>
-                              <a:schemeClr val="tx1"/>
-                            </a:solidFill>
-                            <a:latin typeface="Cambria Math" panose="02040503050406030204" pitchFamily="18" charset="0"/>
-                          </a:rPr>
-                        </m:ctrlPr>
-                      </m:naryPr>
-                      <m:sub>
-                        <m:r>
-                          <m:rPr>
-                            <m:brk m:alnAt="7"/>
-                          </m:rPr>
-                          <a:rPr lang="en-US" altLang="ja-JP" b="0" i="1" smtClean="0">
-                            <a:solidFill>
-                              <a:schemeClr val="tx1"/>
-                            </a:solidFill>
-                            <a:latin typeface="Cambria Math" panose="02040503050406030204" pitchFamily="18" charset="0"/>
-                          </a:rPr>
-                          <m:t>𝑛</m:t>
-                        </m:r>
-                        <m:r>
-                          <a:rPr lang="en-US" altLang="ja-JP" b="0" i="1" smtClean="0">
-                            <a:solidFill>
-                              <a:schemeClr val="tx1"/>
-                            </a:solidFill>
-                            <a:latin typeface="Cambria Math" panose="02040503050406030204" pitchFamily="18" charset="0"/>
-                            <a:ea typeface="Cambria Math" panose="02040503050406030204" pitchFamily="18" charset="0"/>
-                          </a:rPr>
-                          <m:t>∈</m:t>
-                        </m:r>
-                        <m:r>
-                          <a:rPr lang="en-US" altLang="ja-JP" b="0" i="1" smtClean="0">
-                            <a:solidFill>
-                              <a:schemeClr val="tx1"/>
-                            </a:solidFill>
-                            <a:latin typeface="Cambria Math" panose="02040503050406030204" pitchFamily="18" charset="0"/>
-                            <a:ea typeface="Cambria Math" panose="02040503050406030204" pitchFamily="18" charset="0"/>
-                          </a:rPr>
-                          <m:t>𝑅𝑇𝐶𝑛</m:t>
-                        </m:r>
-                      </m:sub>
-                      <m:sup/>
-                      <m:e>
-                        <m:sSub>
-                          <m:sSubPr>
-                            <m:ctrlPr>
-                              <a:rPr lang="en-US" altLang="ja-JP" b="0" i="1" smtClean="0">
-                                <a:solidFill>
-                                  <a:schemeClr val="tx1"/>
-                                </a:solidFill>
-                                <a:latin typeface="Cambria Math" panose="02040503050406030204" pitchFamily="18" charset="0"/>
-                              </a:rPr>
-                            </m:ctrlPr>
-                          </m:sSubPr>
-                          <m:e>
-                            <m:r>
-                              <a:rPr lang="en-US" altLang="ja-JP" b="0" i="1" smtClean="0">
-                                <a:solidFill>
-                                  <a:schemeClr val="tx1"/>
-                                </a:solidFill>
-                                <a:latin typeface="Cambria Math" panose="02040503050406030204" pitchFamily="18" charset="0"/>
-                              </a:rPr>
-                              <m:t>𝑃</m:t>
-                            </m:r>
-                          </m:e>
-                          <m:sub>
-                            <m:sSub>
-                              <m:sSubPr>
-                                <m:ctrlPr>
-                                  <a:rPr lang="en-US" altLang="ja-JP" b="0" i="1" smtClean="0">
-                                    <a:solidFill>
-                                      <a:schemeClr val="tx1"/>
-                                    </a:solidFill>
-                                    <a:latin typeface="Cambria Math" panose="02040503050406030204" pitchFamily="18" charset="0"/>
-                                  </a:rPr>
-                                </m:ctrlPr>
-                              </m:sSubPr>
-                              <m:e>
-                                <m:r>
-                                  <a:rPr lang="en-US" altLang="ja-JP" b="0" i="1" smtClean="0">
-                                    <a:solidFill>
-                                      <a:schemeClr val="tx1"/>
-                                    </a:solidFill>
-                                    <a:latin typeface="Cambria Math" panose="02040503050406030204" pitchFamily="18" charset="0"/>
-                                  </a:rPr>
-                                  <m:t>𝐶</m:t>
-                                </m:r>
-                              </m:e>
-                              <m:sub>
-                                <m:r>
-                                  <a:rPr lang="en-US" altLang="ja-JP" b="0" i="1" smtClean="0">
-                                    <a:solidFill>
-                                      <a:schemeClr val="tx1"/>
-                                    </a:solidFill>
-                                    <a:latin typeface="Cambria Math" panose="02040503050406030204" pitchFamily="18" charset="0"/>
-                                  </a:rPr>
-                                  <m:t>𝑛𝑑𝑖𝑟</m:t>
-                                </m:r>
-                              </m:sub>
-                            </m:sSub>
-                            <m:d>
-                              <m:dPr>
-                                <m:ctrlPr>
-                                  <a:rPr lang="en-US" altLang="ja-JP" b="0" i="1" smtClean="0">
-                                    <a:solidFill>
-                                      <a:schemeClr val="tx1"/>
-                                    </a:solidFill>
-                                    <a:latin typeface="Cambria Math" panose="02040503050406030204" pitchFamily="18" charset="0"/>
-                                  </a:rPr>
-                                </m:ctrlPr>
-                              </m:dPr>
-                              <m:e>
-                                <m:r>
-                                  <a:rPr lang="en-US" altLang="ja-JP" b="0" i="1" smtClean="0">
-                                    <a:solidFill>
-                                      <a:schemeClr val="tx1"/>
-                                    </a:solidFill>
-                                    <a:latin typeface="Cambria Math" panose="02040503050406030204" pitchFamily="18" charset="0"/>
-                                  </a:rPr>
-                                  <m:t>𝑡</m:t>
-                                </m:r>
-                              </m:e>
-                            </m:d>
-                          </m:sub>
-                        </m:sSub>
-                        <m:d>
-                          <m:dPr>
-                            <m:ctrlPr>
-                              <a:rPr lang="en-US" altLang="ja-JP" b="0" i="1" smtClean="0">
-                                <a:solidFill>
-                                  <a:schemeClr val="tx1"/>
-                                </a:solidFill>
-                                <a:latin typeface="Cambria Math" panose="02040503050406030204" pitchFamily="18" charset="0"/>
-                              </a:rPr>
-                            </m:ctrlPr>
-                          </m:dPr>
-                          <m:e>
-                            <m:r>
-                              <a:rPr lang="en-US" altLang="ja-JP" b="0" i="1" smtClean="0">
-                                <a:solidFill>
-                                  <a:schemeClr val="tx1"/>
-                                </a:solidFill>
-                                <a:latin typeface="Cambria Math" panose="02040503050406030204" pitchFamily="18" charset="0"/>
-                              </a:rPr>
-                              <m:t>𝑡</m:t>
-                            </m:r>
-                          </m:e>
-                        </m:d>
-                        <m:r>
-                          <a:rPr lang="en-US" altLang="ja-JP" b="0" i="1" smtClean="0">
-                            <a:solidFill>
-                              <a:schemeClr val="tx1"/>
-                            </a:solidFill>
-                            <a:latin typeface="Cambria Math" panose="02040503050406030204" pitchFamily="18" charset="0"/>
-                          </a:rPr>
-                          <m:t> </m:t>
-                        </m:r>
-                        <m:r>
-                          <a:rPr lang="en-US" altLang="ja-JP" b="0" i="1" smtClean="0">
-                            <a:solidFill>
-                              <a:schemeClr val="tx1"/>
-                            </a:solidFill>
-                            <a:latin typeface="Cambria Math" panose="02040503050406030204" pitchFamily="18" charset="0"/>
-                            <a:ea typeface="Cambria Math" panose="02040503050406030204" pitchFamily="18" charset="0"/>
-                          </a:rPr>
-                          <m:t>×</m:t>
-                        </m:r>
-                        <m:sSub>
-                          <m:sSubPr>
-                            <m:ctrlPr>
-                              <a:rPr lang="en-US" altLang="ja-JP" b="0" i="1" smtClean="0">
-                                <a:solidFill>
-                                  <a:schemeClr val="tx1"/>
-                                </a:solidFill>
-                                <a:latin typeface="Cambria Math" panose="02040503050406030204" pitchFamily="18" charset="0"/>
-                                <a:ea typeface="Cambria Math" panose="02040503050406030204" pitchFamily="18" charset="0"/>
-                              </a:rPr>
-                            </m:ctrlPr>
-                          </m:sSubPr>
-                          <m:e>
-                            <m:r>
-                              <a:rPr lang="en-US" altLang="ja-JP" b="0" i="1" smtClean="0">
-                                <a:solidFill>
-                                  <a:schemeClr val="tx1"/>
-                                </a:solidFill>
-                                <a:latin typeface="Cambria Math" panose="02040503050406030204" pitchFamily="18" charset="0"/>
-                                <a:ea typeface="Cambria Math" panose="02040503050406030204" pitchFamily="18" charset="0"/>
-                              </a:rPr>
-                              <m:t>𝐶</m:t>
-                            </m:r>
-                          </m:e>
-                          <m:sub>
-                            <m:r>
-                              <a:rPr lang="en-US" altLang="ja-JP" b="0" i="1" smtClean="0">
-                                <a:solidFill>
-                                  <a:schemeClr val="tx1"/>
-                                </a:solidFill>
-                                <a:latin typeface="Cambria Math" panose="02040503050406030204" pitchFamily="18" charset="0"/>
-                                <a:ea typeface="Cambria Math" panose="02040503050406030204" pitchFamily="18" charset="0"/>
-                              </a:rPr>
-                              <m:t>𝑛</m:t>
-                            </m:r>
-                          </m:sub>
-                        </m:sSub>
-                        <m:r>
-                          <a:rPr lang="en-US" altLang="ja-JP" b="0" i="1" smtClean="0">
-                            <a:solidFill>
-                              <a:schemeClr val="tx1"/>
-                            </a:solidFill>
-                            <a:latin typeface="Cambria Math" panose="02040503050406030204" pitchFamily="18" charset="0"/>
-                            <a:ea typeface="Cambria Math" panose="02040503050406030204" pitchFamily="18" charset="0"/>
-                          </a:rPr>
-                          <m:t>(</m:t>
-                        </m:r>
-                        <m:r>
-                          <a:rPr lang="en-US" altLang="ja-JP" b="0" i="1" smtClean="0">
-                            <a:solidFill>
-                              <a:schemeClr val="tx1"/>
-                            </a:solidFill>
-                            <a:latin typeface="Cambria Math" panose="02040503050406030204" pitchFamily="18" charset="0"/>
-                            <a:ea typeface="Cambria Math" panose="02040503050406030204" pitchFamily="18" charset="0"/>
-                          </a:rPr>
-                          <m:t>𝑡</m:t>
-                        </m:r>
-                        <m:r>
-                          <a:rPr lang="en-US" altLang="ja-JP" b="0" i="1" smtClean="0">
-                            <a:solidFill>
-                              <a:schemeClr val="tx1"/>
-                            </a:solidFill>
-                            <a:latin typeface="Cambria Math" panose="02040503050406030204" pitchFamily="18" charset="0"/>
-                            <a:ea typeface="Cambria Math" panose="02040503050406030204" pitchFamily="18" charset="0"/>
-                          </a:rPr>
-                          <m:t>)</m:t>
-                        </m:r>
-                      </m:e>
-                    </m:nary>
-                  </m:oMath>
+                  <m:oMathPara xmlns:m="http://schemas.openxmlformats.org/officeDocument/2006/math">
+                    <m:oMathParaPr>
+                      <m:jc m:val="centerGroup"/>
+                    </m:oMathParaPr>
+                    <m:oMath xmlns:m="http://schemas.openxmlformats.org/officeDocument/2006/math">
+                      <m:r>
+                        <a:rPr lang="en-US" altLang="ja-JP" b="0" i="1" smtClean="0">
+                          <a:solidFill>
+                            <a:schemeClr val="tx1"/>
+                          </a:solidFill>
+                          <a:latin typeface="Cambria Math" panose="02040503050406030204" pitchFamily="18" charset="0"/>
+                        </a:rPr>
+                        <m:t>𝑅𝑇𝑆</m:t>
+                      </m:r>
+                      <m:r>
+                        <a:rPr lang="en-US" altLang="ja-JP" i="1">
+                          <a:solidFill>
+                            <a:schemeClr val="tx1"/>
+                          </a:solidFill>
+                          <a:latin typeface="Cambria Math" panose="02040503050406030204" pitchFamily="18" charset="0"/>
+                        </a:rPr>
+                        <m:t>𝑛</m:t>
+                      </m:r>
+                      <m:d>
+                        <m:dPr>
+                          <m:ctrlPr>
+                            <a:rPr lang="en-US" altLang="ja-JP" b="0" i="1" smtClean="0">
+                              <a:solidFill>
+                                <a:schemeClr val="tx1"/>
+                              </a:solidFill>
+                              <a:latin typeface="Cambria Math" panose="02040503050406030204" pitchFamily="18" charset="0"/>
+                            </a:rPr>
+                          </m:ctrlPr>
+                        </m:dPr>
+                        <m:e>
+                          <m:r>
+                            <a:rPr lang="en-US" altLang="ja-JP" b="0" i="1" smtClean="0">
+                              <a:solidFill>
+                                <a:schemeClr val="tx1"/>
+                              </a:solidFill>
+                              <a:latin typeface="Cambria Math" panose="02040503050406030204" pitchFamily="18" charset="0"/>
+                            </a:rPr>
+                            <m:t>𝑃</m:t>
+                          </m:r>
+                          <m:d>
+                            <m:dPr>
+                              <m:ctrlPr>
+                                <a:rPr lang="en-US" altLang="ja-JP" b="0" i="1" smtClean="0">
+                                  <a:solidFill>
+                                    <a:schemeClr val="tx1"/>
+                                  </a:solidFill>
+                                  <a:latin typeface="Cambria Math" panose="02040503050406030204" pitchFamily="18" charset="0"/>
+                                </a:rPr>
+                              </m:ctrlPr>
+                            </m:dPr>
+                            <m:e>
+                              <m:r>
+                                <a:rPr lang="en-US" altLang="ja-JP" b="0" i="1" smtClean="0">
+                                  <a:solidFill>
+                                    <a:schemeClr val="tx1"/>
+                                  </a:solidFill>
+                                  <a:latin typeface="Cambria Math" panose="02040503050406030204" pitchFamily="18" charset="0"/>
+                                </a:rPr>
+                                <m:t>𝑡</m:t>
+                              </m:r>
+                            </m:e>
+                          </m:d>
+                        </m:e>
+                      </m:d>
+                      <m:r>
+                        <a:rPr lang="en-US" altLang="ja-JP" b="0" i="1" smtClean="0">
+                          <a:solidFill>
+                            <a:schemeClr val="tx1"/>
+                          </a:solidFill>
+                          <a:latin typeface="Cambria Math" panose="02040503050406030204" pitchFamily="18" charset="0"/>
+                        </a:rPr>
+                        <m:t>= </m:t>
+                      </m:r>
+                      <m:nary>
+                        <m:naryPr>
+                          <m:chr m:val="∑"/>
+                          <m:supHide m:val="on"/>
+                          <m:ctrlPr>
+                            <a:rPr lang="en-US" altLang="ja-JP" b="0" i="1" smtClean="0">
+                              <a:solidFill>
+                                <a:schemeClr val="tx1"/>
+                              </a:solidFill>
+                              <a:latin typeface="Cambria Math" panose="02040503050406030204" pitchFamily="18" charset="0"/>
+                            </a:rPr>
+                          </m:ctrlPr>
+                        </m:naryPr>
+                        <m:sub>
+                          <m:r>
+                            <m:rPr>
+                              <m:brk m:alnAt="7"/>
+                            </m:rPr>
+                            <a:rPr lang="en-US" altLang="ja-JP" b="0" i="1" smtClean="0">
+                              <a:solidFill>
+                                <a:schemeClr val="tx1"/>
+                              </a:solidFill>
+                              <a:latin typeface="Cambria Math" panose="02040503050406030204" pitchFamily="18" charset="0"/>
+                            </a:rPr>
+                            <m:t>𝑛</m:t>
+                          </m:r>
+                          <m:r>
+                            <a:rPr lang="en-US" altLang="ja-JP" b="0" i="1" smtClean="0">
+                              <a:solidFill>
+                                <a:schemeClr val="tx1"/>
+                              </a:solidFill>
+                              <a:latin typeface="Cambria Math" panose="02040503050406030204" pitchFamily="18" charset="0"/>
+                              <a:ea typeface="Cambria Math" panose="02040503050406030204" pitchFamily="18" charset="0"/>
+                            </a:rPr>
+                            <m:t>∈</m:t>
+                          </m:r>
+                          <m:r>
+                            <a:rPr lang="en-US" altLang="ja-JP" b="0" i="1" smtClean="0">
+                              <a:solidFill>
+                                <a:schemeClr val="tx1"/>
+                              </a:solidFill>
+                              <a:latin typeface="Cambria Math" panose="02040503050406030204" pitchFamily="18" charset="0"/>
+                              <a:ea typeface="Cambria Math" panose="02040503050406030204" pitchFamily="18" charset="0"/>
+                            </a:rPr>
+                            <m:t>𝑅𝑇𝐶</m:t>
+                          </m:r>
+                          <m:r>
+                            <a:rPr lang="en-US" altLang="ja-JP" b="0" i="1" smtClean="0">
+                              <a:solidFill>
+                                <a:schemeClr val="tx1"/>
+                              </a:solidFill>
+                              <a:latin typeface="Cambria Math" panose="02040503050406030204" pitchFamily="18" charset="0"/>
+                              <a:ea typeface="Cambria Math" panose="02040503050406030204" pitchFamily="18" charset="0"/>
+                            </a:rPr>
+                            <m:t>𝑛</m:t>
+                          </m:r>
+                        </m:sub>
+                        <m:sup/>
+                        <m:e>
+                          <m:sSub>
+                            <m:sSubPr>
+                              <m:ctrlPr>
+                                <a:rPr lang="en-US" altLang="ja-JP" b="0" i="1" smtClean="0">
+                                  <a:solidFill>
+                                    <a:schemeClr val="tx1"/>
+                                  </a:solidFill>
+                                  <a:latin typeface="Cambria Math" panose="02040503050406030204" pitchFamily="18" charset="0"/>
+                                </a:rPr>
+                              </m:ctrlPr>
+                            </m:sSubPr>
+                            <m:e>
+                              <m:r>
+                                <a:rPr lang="en-US" altLang="ja-JP" b="0" i="1" smtClean="0">
+                                  <a:solidFill>
+                                    <a:schemeClr val="tx1"/>
+                                  </a:solidFill>
+                                  <a:latin typeface="Cambria Math" panose="02040503050406030204" pitchFamily="18" charset="0"/>
+                                </a:rPr>
+                                <m:t>𝑃</m:t>
+                              </m:r>
+                            </m:e>
+                            <m:sub>
+                              <m:sSub>
+                                <m:sSubPr>
+                                  <m:ctrlPr>
+                                    <a:rPr lang="en-US" altLang="ja-JP" b="0" i="1" smtClean="0">
+                                      <a:solidFill>
+                                        <a:schemeClr val="tx1"/>
+                                      </a:solidFill>
+                                      <a:latin typeface="Cambria Math" panose="02040503050406030204" pitchFamily="18" charset="0"/>
+                                    </a:rPr>
+                                  </m:ctrlPr>
+                                </m:sSubPr>
+                                <m:e>
+                                  <m:r>
+                                    <a:rPr lang="en-US" altLang="ja-JP" b="0" i="1" smtClean="0">
+                                      <a:solidFill>
+                                        <a:schemeClr val="tx1"/>
+                                      </a:solidFill>
+                                      <a:latin typeface="Cambria Math" panose="02040503050406030204" pitchFamily="18" charset="0"/>
+                                    </a:rPr>
+                                    <m:t>𝐶</m:t>
+                                  </m:r>
+                                </m:e>
+                                <m:sub>
+                                  <m:r>
+                                    <a:rPr lang="en-US" altLang="ja-JP" b="0" i="1" smtClean="0">
+                                      <a:solidFill>
+                                        <a:schemeClr val="tx1"/>
+                                      </a:solidFill>
+                                      <a:latin typeface="Cambria Math" panose="02040503050406030204" pitchFamily="18" charset="0"/>
+                                    </a:rPr>
+                                    <m:t>𝑛𝑑𝑖𝑟</m:t>
+                                  </m:r>
+                                </m:sub>
+                              </m:sSub>
+                              <m:d>
+                                <m:dPr>
+                                  <m:ctrlPr>
+                                    <a:rPr lang="en-US" altLang="ja-JP" b="0" i="1" smtClean="0">
+                                      <a:solidFill>
+                                        <a:schemeClr val="tx1"/>
+                                      </a:solidFill>
+                                      <a:latin typeface="Cambria Math" panose="02040503050406030204" pitchFamily="18" charset="0"/>
+                                    </a:rPr>
+                                  </m:ctrlPr>
+                                </m:dPr>
+                                <m:e>
+                                  <m:r>
+                                    <a:rPr lang="en-US" altLang="ja-JP" b="0" i="1" smtClean="0">
+                                      <a:solidFill>
+                                        <a:schemeClr val="tx1"/>
+                                      </a:solidFill>
+                                      <a:latin typeface="Cambria Math" panose="02040503050406030204" pitchFamily="18" charset="0"/>
+                                    </a:rPr>
+                                    <m:t>𝑡</m:t>
+                                  </m:r>
+                                </m:e>
+                              </m:d>
+                            </m:sub>
+                          </m:sSub>
+                          <m:d>
+                            <m:dPr>
+                              <m:ctrlPr>
+                                <a:rPr lang="en-US" altLang="ja-JP" b="0" i="1" smtClean="0">
+                                  <a:solidFill>
+                                    <a:schemeClr val="tx1"/>
+                                  </a:solidFill>
+                                  <a:latin typeface="Cambria Math" panose="02040503050406030204" pitchFamily="18" charset="0"/>
+                                </a:rPr>
+                              </m:ctrlPr>
+                            </m:dPr>
+                            <m:e>
+                              <m:r>
+                                <a:rPr lang="en-US" altLang="ja-JP" b="0" i="1" smtClean="0">
+                                  <a:solidFill>
+                                    <a:schemeClr val="tx1"/>
+                                  </a:solidFill>
+                                  <a:latin typeface="Cambria Math" panose="02040503050406030204" pitchFamily="18" charset="0"/>
+                                </a:rPr>
+                                <m:t>𝑡</m:t>
+                              </m:r>
+                            </m:e>
+                          </m:d>
+                          <m:r>
+                            <a:rPr lang="en-US" altLang="ja-JP" b="0" i="1" smtClean="0">
+                              <a:solidFill>
+                                <a:schemeClr val="tx1"/>
+                              </a:solidFill>
+                              <a:latin typeface="Cambria Math" panose="02040503050406030204" pitchFamily="18" charset="0"/>
+                            </a:rPr>
+                            <m:t> </m:t>
+                          </m:r>
+                          <m:r>
+                            <a:rPr lang="en-US" altLang="ja-JP" b="0" i="1" smtClean="0">
+                              <a:solidFill>
+                                <a:schemeClr val="tx1"/>
+                              </a:solidFill>
+                              <a:latin typeface="Cambria Math" panose="02040503050406030204" pitchFamily="18" charset="0"/>
+                              <a:ea typeface="Cambria Math" panose="02040503050406030204" pitchFamily="18" charset="0"/>
+                            </a:rPr>
+                            <m:t>×</m:t>
+                          </m:r>
+                          <m:sSub>
+                            <m:sSubPr>
+                              <m:ctrlPr>
+                                <a:rPr lang="en-US" altLang="ja-JP" b="0" i="1" smtClean="0">
+                                  <a:solidFill>
+                                    <a:schemeClr val="tx1"/>
+                                  </a:solidFill>
+                                  <a:latin typeface="Cambria Math" panose="02040503050406030204" pitchFamily="18" charset="0"/>
+                                  <a:ea typeface="Cambria Math" panose="02040503050406030204" pitchFamily="18" charset="0"/>
+                                </a:rPr>
+                              </m:ctrlPr>
+                            </m:sSubPr>
+                            <m:e>
+                              <m:r>
+                                <a:rPr lang="en-US" altLang="ja-JP" b="0" i="1" smtClean="0">
+                                  <a:solidFill>
+                                    <a:schemeClr val="tx1"/>
+                                  </a:solidFill>
+                                  <a:latin typeface="Cambria Math" panose="02040503050406030204" pitchFamily="18" charset="0"/>
+                                  <a:ea typeface="Cambria Math" panose="02040503050406030204" pitchFamily="18" charset="0"/>
+                                </a:rPr>
+                                <m:t>𝐶</m:t>
+                              </m:r>
+                            </m:e>
+                            <m:sub>
+                              <m:r>
+                                <a:rPr lang="en-US" altLang="ja-JP" b="0" i="1" smtClean="0">
+                                  <a:solidFill>
+                                    <a:schemeClr val="tx1"/>
+                                  </a:solidFill>
+                                  <a:latin typeface="Cambria Math" panose="02040503050406030204" pitchFamily="18" charset="0"/>
+                                  <a:ea typeface="Cambria Math" panose="02040503050406030204" pitchFamily="18" charset="0"/>
+                                </a:rPr>
+                                <m:t>𝑛</m:t>
+                              </m:r>
+                            </m:sub>
+                          </m:sSub>
+                          <m:r>
+                            <a:rPr lang="en-US" altLang="ja-JP" b="0" i="1" smtClean="0">
+                              <a:solidFill>
+                                <a:schemeClr val="tx1"/>
+                              </a:solidFill>
+                              <a:latin typeface="Cambria Math" panose="02040503050406030204" pitchFamily="18" charset="0"/>
+                              <a:ea typeface="Cambria Math" panose="02040503050406030204" pitchFamily="18" charset="0"/>
+                            </a:rPr>
+                            <m:t>(</m:t>
+                          </m:r>
+                          <m:r>
+                            <a:rPr lang="en-US" altLang="ja-JP" b="0" i="1" smtClean="0">
+                              <a:solidFill>
+                                <a:schemeClr val="tx1"/>
+                              </a:solidFill>
+                              <a:latin typeface="Cambria Math" panose="02040503050406030204" pitchFamily="18" charset="0"/>
+                              <a:ea typeface="Cambria Math" panose="02040503050406030204" pitchFamily="18" charset="0"/>
+                            </a:rPr>
+                            <m:t>𝑡</m:t>
+                          </m:r>
+                          <m:r>
+                            <a:rPr lang="en-US" altLang="ja-JP" b="0" i="1" smtClean="0">
+                              <a:solidFill>
+                                <a:schemeClr val="tx1"/>
+                              </a:solidFill>
+                              <a:latin typeface="Cambria Math" panose="02040503050406030204" pitchFamily="18" charset="0"/>
+                              <a:ea typeface="Cambria Math" panose="02040503050406030204" pitchFamily="18" charset="0"/>
+                            </a:rPr>
+                            <m:t>)</m:t>
+                          </m:r>
+                        </m:e>
+                      </m:nary>
+                    </m:oMath>
+                  </m:oMathPara>
                 </a14:m>
                 <a:endParaRPr lang="ja-JP" altLang="en-US" dirty="0">
                   <a:solidFill>
@@ -15472,15 +15739,15 @@
             <p:spPr>
               <a:xfrm>
                 <a:off x="688948" y="2651736"/>
-                <a:ext cx="4526945" cy="416268"/>
+                <a:ext cx="4420249" cy="764825"/>
               </a:xfrm>
               <a:prstGeom prst="rect">
                 <a:avLst/>
               </a:prstGeom>
-              <a:blipFill>
+              <a:blipFill rotWithShape="0">
                 <a:blip r:embed="rId8"/>
                 <a:stretch>
-                  <a:fillRect l="-1077" t="-101471" r="-135" b="-160294"/>
+                  <a:fillRect/>
                 </a:stretch>
               </a:blipFill>
             </p:spPr>
@@ -15499,6 +15766,494 @@
           </p:sp>
         </mc:Fallback>
       </mc:AlternateContent>
+      <p:grpSp>
+        <p:nvGrpSpPr>
+          <p:cNvPr id="31" name="グループ化 30"/>
+          <p:cNvGrpSpPr/>
+          <p:nvPr/>
+        </p:nvGrpSpPr>
+        <p:grpSpPr>
+          <a:xfrm>
+            <a:off x="1350069" y="6581527"/>
+            <a:ext cx="7768566" cy="1780368"/>
+            <a:chOff x="1597967" y="3621798"/>
+            <a:chExt cx="7768566" cy="1780368"/>
+          </a:xfrm>
+        </p:grpSpPr>
+        <mc:AlternateContent xmlns:mc="http://schemas.openxmlformats.org/markup-compatibility/2006">
+          <mc:Choice xmlns:a14="http://schemas.microsoft.com/office/drawing/2010/main" Requires="a14">
+            <p:sp>
+              <p:nvSpPr>
+                <p:cNvPr id="32" name="テキスト ボックス 31"/>
+                <p:cNvSpPr txBox="1"/>
+                <p:nvPr/>
+              </p:nvSpPr>
+              <p:spPr>
+                <a:xfrm>
+                  <a:off x="1597967" y="4212701"/>
+                  <a:ext cx="2263504" cy="598562"/>
+                </a:xfrm>
+                <a:prstGeom prst="rect">
+                  <a:avLst/>
+                </a:prstGeom>
+                <a:noFill/>
+              </p:spPr>
+              <p:txBody>
+                <a:bodyPr wrap="none" lIns="0" tIns="0" rIns="0" bIns="0" rtlCol="0">
+                  <a:spAutoFit/>
+                </a:bodyPr>
+                <a:lstStyle/>
+                <a:p>
+                  <a:pPr/>
+                  <a14:m>
+                    <m:oMathPara xmlns:m="http://schemas.openxmlformats.org/officeDocument/2006/math">
+                      <m:oMathParaPr>
+                        <m:jc m:val="centerGroup"/>
+                      </m:oMathParaPr>
+                      <m:oMath xmlns:m="http://schemas.openxmlformats.org/officeDocument/2006/math">
+                        <m:sSub>
+                          <m:sSubPr>
+                            <m:ctrlPr>
+                              <a:rPr kumimoji="1" lang="en-US" altLang="ja-JP" sz="3600" i="1" smtClean="0">
+                                <a:latin typeface="Cambria Math" panose="02040503050406030204" pitchFamily="18" charset="0"/>
+                              </a:rPr>
+                            </m:ctrlPr>
+                          </m:sSubPr>
+                          <m:e>
+                            <m:r>
+                              <a:rPr kumimoji="1" lang="en-US" altLang="ja-JP" sz="3600" b="0" i="1" smtClean="0">
+                                <a:latin typeface="Cambria Math" panose="02040503050406030204" pitchFamily="18" charset="0"/>
+                              </a:rPr>
+                              <m:t>[</m:t>
+                            </m:r>
+                            <m:r>
+                              <a:rPr kumimoji="1" lang="en-US" altLang="ja-JP" sz="3600" b="0" i="1" smtClean="0">
+                                <a:latin typeface="Cambria Math" panose="02040503050406030204" pitchFamily="18" charset="0"/>
+                              </a:rPr>
+                              <m:t>𝐴𝑅𝑇𝑛</m:t>
+                            </m:r>
+                            <m:r>
+                              <a:rPr kumimoji="1" lang="en-US" altLang="ja-JP" sz="3600" b="0" i="1" smtClean="0">
+                                <a:latin typeface="Cambria Math" panose="02040503050406030204" pitchFamily="18" charset="0"/>
+                              </a:rPr>
+                              <m:t>]</m:t>
+                            </m:r>
+                          </m:e>
+                          <m:sub>
+                            <m:r>
+                              <a:rPr kumimoji="1" lang="en-US" altLang="ja-JP" sz="3600" b="0" i="1" smtClean="0">
+                                <a:latin typeface="Cambria Math" panose="02040503050406030204" pitchFamily="18" charset="0"/>
+                              </a:rPr>
+                              <m:t>𝑖𝑗</m:t>
+                            </m:r>
+                          </m:sub>
+                        </m:sSub>
+                        <m:r>
+                          <a:rPr kumimoji="1" lang="en-US" altLang="ja-JP" sz="3600" b="0" i="1" smtClean="0">
+                            <a:latin typeface="Cambria Math" panose="02040503050406030204" pitchFamily="18" charset="0"/>
+                          </a:rPr>
+                          <m:t>=</m:t>
+                        </m:r>
+                      </m:oMath>
+                    </m:oMathPara>
+                  </a14:m>
+                  <a:endParaRPr kumimoji="1" lang="ja-JP" altLang="en-US" sz="3600" i="1" dirty="0">
+                    <a:latin typeface="HGPｺﾞｼｯｸM" panose="020B0600000000000000" pitchFamily="50" charset="-128"/>
+                    <a:ea typeface="HGPｺﾞｼｯｸM" panose="020B0600000000000000" pitchFamily="50" charset="-128"/>
+                  </a:endParaRPr>
+                </a:p>
+              </p:txBody>
+            </p:sp>
+          </mc:Choice>
+          <mc:Fallback>
+            <p:sp>
+              <p:nvSpPr>
+                <p:cNvPr id="32" name="テキスト ボックス 31"/>
+                <p:cNvSpPr txBox="1">
+                  <a:spLocks noRot="1" noChangeAspect="1" noMove="1" noResize="1" noEditPoints="1" noAdjustHandles="1" noChangeArrowheads="1" noChangeShapeType="1" noTextEdit="1"/>
+                </p:cNvSpPr>
+                <p:nvPr/>
+              </p:nvSpPr>
+              <p:spPr>
+                <a:xfrm>
+                  <a:off x="1597967" y="4212701"/>
+                  <a:ext cx="2263504" cy="598562"/>
+                </a:xfrm>
+                <a:prstGeom prst="rect">
+                  <a:avLst/>
+                </a:prstGeom>
+                <a:blipFill rotWithShape="0">
+                  <a:blip r:embed="rId9"/>
+                  <a:stretch>
+                    <a:fillRect b="-1020"/>
+                  </a:stretch>
+                </a:blipFill>
+              </p:spPr>
+              <p:txBody>
+                <a:bodyPr/>
+                <a:lstStyle/>
+                <a:p>
+                  <a:r>
+                    <a:rPr lang="ja-JP" altLang="en-US">
+                      <a:noFill/>
+                    </a:rPr>
+                    <a:t> </a:t>
+                  </a:r>
+                </a:p>
+              </p:txBody>
+            </p:sp>
+          </mc:Fallback>
+        </mc:AlternateContent>
+        <p:sp>
+          <p:nvSpPr>
+            <p:cNvPr id="33" name="左中かっこ 32"/>
+            <p:cNvSpPr/>
+            <p:nvPr/>
+          </p:nvSpPr>
+          <p:spPr>
+            <a:xfrm>
+              <a:off x="4096871" y="3621798"/>
+              <a:ext cx="627529" cy="1780368"/>
+            </a:xfrm>
+            <a:prstGeom prst="leftBrace">
+              <a:avLst/>
+            </a:prstGeom>
+            <a:ln w="38100"/>
+          </p:spPr>
+          <p:style>
+            <a:lnRef idx="1">
+              <a:schemeClr val="dk1"/>
+            </a:lnRef>
+            <a:fillRef idx="0">
+              <a:schemeClr val="dk1"/>
+            </a:fillRef>
+            <a:effectRef idx="0">
+              <a:schemeClr val="dk1"/>
+            </a:effectRef>
+            <a:fontRef idx="minor">
+              <a:schemeClr val="tx1"/>
+            </a:fontRef>
+          </p:style>
+          <p:txBody>
+            <a:bodyPr rtlCol="0" anchor="ctr"/>
+            <a:lstStyle/>
+            <a:p>
+              <a:pPr algn="ctr"/>
+              <a:endParaRPr kumimoji="1" lang="ja-JP" altLang="en-US" i="1">
+                <a:latin typeface="HGPｺﾞｼｯｸM" panose="020B0600000000000000" pitchFamily="50" charset="-128"/>
+                <a:ea typeface="HGPｺﾞｼｯｸM" panose="020B0600000000000000" pitchFamily="50" charset="-128"/>
+              </a:endParaRPr>
+            </a:p>
+          </p:txBody>
+        </p:sp>
+        <mc:AlternateContent xmlns:mc="http://schemas.openxmlformats.org/markup-compatibility/2006">
+          <mc:Choice xmlns:a14="http://schemas.microsoft.com/office/drawing/2010/main" Requires="a14">
+            <p:sp>
+              <p:nvSpPr>
+                <p:cNvPr id="34" name="テキスト ボックス 33"/>
+                <p:cNvSpPr txBox="1"/>
+                <p:nvPr/>
+              </p:nvSpPr>
+              <p:spPr>
+                <a:xfrm>
+                  <a:off x="4596789" y="3794116"/>
+                  <a:ext cx="4657569" cy="954107"/>
+                </a:xfrm>
+                <a:prstGeom prst="rect">
+                  <a:avLst/>
+                </a:prstGeom>
+                <a:noFill/>
+              </p:spPr>
+              <p:txBody>
+                <a:bodyPr wrap="square" rtlCol="0">
+                  <a:spAutoFit/>
+                </a:bodyPr>
+                <a:lstStyle/>
+                <a:p>
+                  <a:r>
+                    <a:rPr kumimoji="1" lang="en-US" altLang="ja-JP" sz="2800" i="1" dirty="0" smtClean="0">
+                      <a:latin typeface="HGPｺﾞｼｯｸM" panose="020B0600000000000000" pitchFamily="50" charset="-128"/>
+                      <a:ea typeface="HGPｺﾞｼｯｸM" panose="020B0600000000000000" pitchFamily="50" charset="-128"/>
+                    </a:rPr>
+                    <a:t>1 </a:t>
+                  </a:r>
+                  <a:r>
+                    <a:rPr kumimoji="1" lang="en-US" altLang="ja-JP" sz="2800" i="1" dirty="0" smtClean="0">
+                      <a:latin typeface="HGPｺﾞｼｯｸM" panose="020B0600000000000000" pitchFamily="50" charset="-128"/>
+                      <a:ea typeface="HGPｺﾞｼｯｸM" panose="020B0600000000000000" pitchFamily="50" charset="-128"/>
+                    </a:rPr>
+                    <a:t>  </a:t>
+                  </a:r>
+                  <a:r>
+                    <a:rPr kumimoji="1" lang="en-US" altLang="ja-JP" sz="2800" i="1" dirty="0" smtClean="0">
+                      <a:latin typeface="HGPｺﾞｼｯｸM" panose="020B0600000000000000" pitchFamily="50" charset="-128"/>
+                      <a:ea typeface="HGPｺﾞｼｯｸM" panose="020B0600000000000000" pitchFamily="50" charset="-128"/>
+                    </a:rPr>
+                    <a:t>if </a:t>
+                  </a:r>
+                  <a:r>
+                    <a:rPr kumimoji="1" lang="en-US" altLang="ja-JP" sz="2800" i="1" dirty="0" smtClean="0">
+                      <a:latin typeface="HGPｺﾞｼｯｸM" panose="020B0600000000000000" pitchFamily="50" charset="-128"/>
+                      <a:ea typeface="HGPｺﾞｼｯｸM" panose="020B0600000000000000" pitchFamily="50" charset="-128"/>
+                    </a:rPr>
+                    <a:t> </a:t>
+                  </a:r>
+                  <a14:m>
+                    <m:oMath xmlns:m="http://schemas.openxmlformats.org/officeDocument/2006/math">
+                      <m:r>
+                        <a:rPr kumimoji="1" lang="en-US" altLang="ja-JP" sz="2800" b="0" i="1" smtClean="0">
+                          <a:latin typeface="Cambria Math" panose="02040503050406030204" pitchFamily="18" charset="0"/>
+                        </a:rPr>
+                        <m:t>𝑥</m:t>
+                      </m:r>
+                      <m:r>
+                        <a:rPr kumimoji="1" lang="en-US" altLang="ja-JP" sz="2800" b="0" i="1" smtClean="0">
+                          <a:latin typeface="Cambria Math" panose="02040503050406030204" pitchFamily="18" charset="0"/>
+                        </a:rPr>
+                        <m:t>−</m:t>
+                      </m:r>
+                      <m:r>
+                        <a:rPr kumimoji="1" lang="en-US" altLang="ja-JP" sz="2800" b="0" i="1" smtClean="0">
+                          <a:latin typeface="Cambria Math" panose="02040503050406030204" pitchFamily="18" charset="0"/>
+                        </a:rPr>
+                        <m:t>𝑟</m:t>
+                      </m:r>
+                      <m:r>
+                        <a:rPr kumimoji="1" lang="en-US" altLang="ja-JP" sz="2800" b="0" i="1" smtClean="0">
+                          <a:latin typeface="Cambria Math" panose="02040503050406030204" pitchFamily="18" charset="0"/>
+                          <a:ea typeface="Cambria Math" panose="02040503050406030204" pitchFamily="18" charset="0"/>
+                        </a:rPr>
+                        <m:t>≤</m:t>
+                      </m:r>
+                      <m:r>
+                        <a:rPr kumimoji="1" lang="en-US" altLang="ja-JP" sz="2800" b="0" i="1" smtClean="0">
+                          <a:latin typeface="Cambria Math" panose="02040503050406030204" pitchFamily="18" charset="0"/>
+                          <a:ea typeface="Cambria Math" panose="02040503050406030204" pitchFamily="18" charset="0"/>
+                        </a:rPr>
+                        <m:t>𝑖</m:t>
+                      </m:r>
+                      <m:r>
+                        <a:rPr kumimoji="1" lang="en-US" altLang="ja-JP" sz="2800" b="0" i="1" smtClean="0">
+                          <a:latin typeface="Cambria Math" panose="02040503050406030204" pitchFamily="18" charset="0"/>
+                          <a:ea typeface="Cambria Math" panose="02040503050406030204" pitchFamily="18" charset="0"/>
+                        </a:rPr>
+                        <m:t>≤</m:t>
+                      </m:r>
+                      <m:r>
+                        <a:rPr kumimoji="1" lang="en-US" altLang="ja-JP" sz="2800" b="0" i="1" smtClean="0">
+                          <a:latin typeface="Cambria Math" panose="02040503050406030204" pitchFamily="18" charset="0"/>
+                          <a:ea typeface="Cambria Math" panose="02040503050406030204" pitchFamily="18" charset="0"/>
+                        </a:rPr>
+                        <m:t>𝑥</m:t>
+                      </m:r>
+                      <m:r>
+                        <a:rPr kumimoji="1" lang="en-US" altLang="ja-JP" sz="2800" b="0" i="1" smtClean="0">
+                          <a:latin typeface="Cambria Math" panose="02040503050406030204" pitchFamily="18" charset="0"/>
+                          <a:ea typeface="Cambria Math" panose="02040503050406030204" pitchFamily="18" charset="0"/>
+                        </a:rPr>
+                        <m:t>+</m:t>
+                      </m:r>
+                      <m:r>
+                        <a:rPr kumimoji="1" lang="en-US" altLang="ja-JP" sz="2800" b="0" i="1" smtClean="0">
+                          <a:latin typeface="Cambria Math" panose="02040503050406030204" pitchFamily="18" charset="0"/>
+                          <a:ea typeface="Cambria Math" panose="02040503050406030204" pitchFamily="18" charset="0"/>
+                        </a:rPr>
+                        <m:t>𝑟</m:t>
+                      </m:r>
+                    </m:oMath>
+                  </a14:m>
+                  <a:r>
+                    <a:rPr kumimoji="1" lang="en-US" altLang="ja-JP" sz="2800" b="0" i="1" dirty="0" smtClean="0">
+                      <a:latin typeface="HGPｺﾞｼｯｸM" panose="020B0600000000000000" pitchFamily="50" charset="-128"/>
+                      <a:ea typeface="HGPｺﾞｼｯｸM" panose="020B0600000000000000" pitchFamily="50" charset="-128"/>
+                    </a:rPr>
+                    <a:t> and</a:t>
+                  </a:r>
+                  <a:br>
+                    <a:rPr kumimoji="1" lang="en-US" altLang="ja-JP" sz="2800" b="0" i="1" dirty="0" smtClean="0">
+                      <a:latin typeface="HGPｺﾞｼｯｸM" panose="020B0600000000000000" pitchFamily="50" charset="-128"/>
+                      <a:ea typeface="HGPｺﾞｼｯｸM" panose="020B0600000000000000" pitchFamily="50" charset="-128"/>
+                    </a:rPr>
+                  </a:br>
+                  <a:r>
+                    <a:rPr kumimoji="1" lang="en-US" altLang="ja-JP" sz="2800" b="0" i="1" dirty="0" smtClean="0">
+                      <a:latin typeface="HGPｺﾞｼｯｸM" panose="020B0600000000000000" pitchFamily="50" charset="-128"/>
+                      <a:ea typeface="HGPｺﾞｼｯｸM" panose="020B0600000000000000" pitchFamily="50" charset="-128"/>
+                    </a:rPr>
+                    <a:t>      </a:t>
+                  </a:r>
+                  <a:r>
+                    <a:rPr lang="ja-JP" altLang="en-US" sz="2800" i="1" dirty="0">
+                      <a:latin typeface="HGPｺﾞｼｯｸM" panose="020B0600000000000000" pitchFamily="50" charset="-128"/>
+                      <a:ea typeface="HGPｺﾞｼｯｸM" panose="020B0600000000000000" pitchFamily="50" charset="-128"/>
+                    </a:rPr>
+                    <a:t> </a:t>
+                  </a:r>
+                  <a:r>
+                    <a:rPr lang="ja-JP" altLang="en-US" sz="2800" i="1" dirty="0" smtClean="0">
+                      <a:latin typeface="HGPｺﾞｼｯｸM" panose="020B0600000000000000" pitchFamily="50" charset="-128"/>
+                      <a:ea typeface="HGPｺﾞｼｯｸM" panose="020B0600000000000000" pitchFamily="50" charset="-128"/>
+                    </a:rPr>
+                    <a:t> </a:t>
+                  </a:r>
+                  <a14:m>
+                    <m:oMath xmlns:m="http://schemas.openxmlformats.org/officeDocument/2006/math">
+                      <m:r>
+                        <a:rPr kumimoji="1" lang="en-US" altLang="ja-JP" sz="2800" b="0" i="1" smtClean="0">
+                          <a:latin typeface="Cambria Math" panose="02040503050406030204" pitchFamily="18" charset="0"/>
+                          <a:ea typeface="Cambria Math" panose="02040503050406030204" pitchFamily="18" charset="0"/>
+                        </a:rPr>
+                        <m:t>𝑦</m:t>
+                      </m:r>
+                      <m:r>
+                        <a:rPr kumimoji="1" lang="en-US" altLang="ja-JP" sz="2800" b="0" i="1" smtClean="0">
+                          <a:latin typeface="Cambria Math" panose="02040503050406030204" pitchFamily="18" charset="0"/>
+                          <a:ea typeface="Cambria Math" panose="02040503050406030204" pitchFamily="18" charset="0"/>
+                        </a:rPr>
+                        <m:t>−</m:t>
+                      </m:r>
+                      <m:r>
+                        <a:rPr kumimoji="1" lang="en-US" altLang="ja-JP" sz="2800" b="0" i="1" smtClean="0">
+                          <a:latin typeface="Cambria Math" panose="02040503050406030204" pitchFamily="18" charset="0"/>
+                          <a:ea typeface="Cambria Math" panose="02040503050406030204" pitchFamily="18" charset="0"/>
+                        </a:rPr>
+                        <m:t>𝑟</m:t>
+                      </m:r>
+                      <m:r>
+                        <a:rPr kumimoji="1" lang="en-US" altLang="ja-JP" sz="2800" b="0" i="1" smtClean="0">
+                          <a:latin typeface="Cambria Math" panose="02040503050406030204" pitchFamily="18" charset="0"/>
+                          <a:ea typeface="Cambria Math" panose="02040503050406030204" pitchFamily="18" charset="0"/>
+                        </a:rPr>
+                        <m:t>≤</m:t>
+                      </m:r>
+                      <m:r>
+                        <a:rPr kumimoji="1" lang="en-US" altLang="ja-JP" sz="2800" b="0" i="1" smtClean="0">
+                          <a:latin typeface="Cambria Math" panose="02040503050406030204" pitchFamily="18" charset="0"/>
+                          <a:ea typeface="Cambria Math" panose="02040503050406030204" pitchFamily="18" charset="0"/>
+                        </a:rPr>
+                        <m:t>𝑗</m:t>
+                      </m:r>
+                      <m:r>
+                        <a:rPr kumimoji="1" lang="en-US" altLang="ja-JP" sz="2800" b="0" i="1" smtClean="0">
+                          <a:latin typeface="Cambria Math" panose="02040503050406030204" pitchFamily="18" charset="0"/>
+                          <a:ea typeface="Cambria Math" panose="02040503050406030204" pitchFamily="18" charset="0"/>
+                        </a:rPr>
+                        <m:t>≤</m:t>
+                      </m:r>
+                      <m:r>
+                        <a:rPr kumimoji="1" lang="en-US" altLang="ja-JP" sz="2800" b="0" i="1" smtClean="0">
+                          <a:latin typeface="Cambria Math" panose="02040503050406030204" pitchFamily="18" charset="0"/>
+                          <a:ea typeface="Cambria Math" panose="02040503050406030204" pitchFamily="18" charset="0"/>
+                        </a:rPr>
+                        <m:t>𝑦</m:t>
+                      </m:r>
+                      <m:r>
+                        <a:rPr kumimoji="1" lang="en-US" altLang="ja-JP" sz="2800" b="0" i="1" smtClean="0">
+                          <a:latin typeface="Cambria Math" panose="02040503050406030204" pitchFamily="18" charset="0"/>
+                          <a:ea typeface="Cambria Math" panose="02040503050406030204" pitchFamily="18" charset="0"/>
+                        </a:rPr>
+                        <m:t>+</m:t>
+                      </m:r>
+                      <m:r>
+                        <a:rPr kumimoji="1" lang="en-US" altLang="ja-JP" sz="2800" b="0" i="1" smtClean="0">
+                          <a:latin typeface="Cambria Math" panose="02040503050406030204" pitchFamily="18" charset="0"/>
+                          <a:ea typeface="Cambria Math" panose="02040503050406030204" pitchFamily="18" charset="0"/>
+                        </a:rPr>
+                        <m:t>𝑟</m:t>
+                      </m:r>
+                    </m:oMath>
+                  </a14:m>
+                  <a:endParaRPr kumimoji="1" lang="en-US" altLang="ja-JP" sz="2800" b="0" i="1" dirty="0" smtClean="0">
+                    <a:latin typeface="HGPｺﾞｼｯｸM" panose="020B0600000000000000" pitchFamily="50" charset="-128"/>
+                    <a:ea typeface="HGPｺﾞｼｯｸM" panose="020B0600000000000000" pitchFamily="50" charset="-128"/>
+                  </a:endParaRPr>
+                </a:p>
+              </p:txBody>
+            </p:sp>
+          </mc:Choice>
+          <mc:Fallback>
+            <p:sp>
+              <p:nvSpPr>
+                <p:cNvPr id="34" name="テキスト ボックス 33"/>
+                <p:cNvSpPr txBox="1">
+                  <a:spLocks noRot="1" noChangeAspect="1" noMove="1" noResize="1" noEditPoints="1" noAdjustHandles="1" noChangeArrowheads="1" noChangeShapeType="1" noTextEdit="1"/>
+                </p:cNvSpPr>
+                <p:nvPr/>
+              </p:nvSpPr>
+              <p:spPr>
+                <a:xfrm>
+                  <a:off x="4596789" y="3794116"/>
+                  <a:ext cx="4657569" cy="954107"/>
+                </a:xfrm>
+                <a:prstGeom prst="rect">
+                  <a:avLst/>
+                </a:prstGeom>
+                <a:blipFill rotWithShape="0">
+                  <a:blip r:embed="rId10"/>
+                  <a:stretch>
+                    <a:fillRect l="-2618" t="-8333"/>
+                  </a:stretch>
+                </a:blipFill>
+              </p:spPr>
+              <p:txBody>
+                <a:bodyPr/>
+                <a:lstStyle/>
+                <a:p>
+                  <a:r>
+                    <a:rPr lang="ja-JP" altLang="en-US">
+                      <a:noFill/>
+                    </a:rPr>
+                    <a:t> </a:t>
+                  </a:r>
+                </a:p>
+              </p:txBody>
+            </p:sp>
+          </mc:Fallback>
+        </mc:AlternateContent>
+        <p:sp>
+          <p:nvSpPr>
+            <p:cNvPr id="35" name="テキスト ボックス 34"/>
+            <p:cNvSpPr txBox="1"/>
+            <p:nvPr/>
+          </p:nvSpPr>
+          <p:spPr>
+            <a:xfrm>
+              <a:off x="4596789" y="4781850"/>
+              <a:ext cx="4769744" cy="523220"/>
+            </a:xfrm>
+            <a:prstGeom prst="rect">
+              <a:avLst/>
+            </a:prstGeom>
+            <a:noFill/>
+          </p:spPr>
+          <p:txBody>
+            <a:bodyPr wrap="square" rtlCol="0">
+              <a:spAutoFit/>
+            </a:bodyPr>
+            <a:lstStyle/>
+            <a:p>
+              <a:r>
+                <a:rPr kumimoji="1" lang="en-US" altLang="ja-JP" sz="2800" i="1" dirty="0" smtClean="0">
+                  <a:latin typeface="HGPｺﾞｼｯｸM" panose="020B0600000000000000" pitchFamily="50" charset="-128"/>
+                  <a:ea typeface="HGPｺﾞｼｯｸM" panose="020B0600000000000000" pitchFamily="50" charset="-128"/>
+                </a:rPr>
+                <a:t>0  </a:t>
+              </a:r>
+              <a:r>
+                <a:rPr kumimoji="1" lang="en-US" altLang="ja-JP" sz="2800" i="1" dirty="0" smtClean="0">
+                  <a:latin typeface="HGPｺﾞｼｯｸM" panose="020B0600000000000000" pitchFamily="50" charset="-128"/>
+                  <a:ea typeface="HGPｺﾞｼｯｸM" panose="020B0600000000000000" pitchFamily="50" charset="-128"/>
+                </a:rPr>
+                <a:t> otherwise</a:t>
+              </a:r>
+              <a:endParaRPr kumimoji="1" lang="en-US" altLang="ja-JP" sz="2800" b="0" i="1" dirty="0" smtClean="0">
+                <a:latin typeface="HGPｺﾞｼｯｸM" panose="020B0600000000000000" pitchFamily="50" charset="-128"/>
+                <a:ea typeface="HGPｺﾞｼｯｸM" panose="020B0600000000000000" pitchFamily="50" charset="-128"/>
+              </a:endParaRPr>
+            </a:p>
+          </p:txBody>
+        </p:sp>
+      </p:grpSp>
     </p:spTree>
     <p:extLst>
       <p:ext uri="{BB962C8B-B14F-4D97-AF65-F5344CB8AC3E}">
@@ -24374,49 +25129,49 @@
                 <a:gridCol w="720000">
                   <a:extLst>
                     <a:ext uri="{9D8B030D-6E8A-4147-A177-3AD203B41FA5}">
-                      <a16:colId xmlns:a16="http://schemas.microsoft.com/office/drawing/2014/main" val="2385125368"/>
+                      <a16:colId xmlns:a16="http://schemas.microsoft.com/office/drawing/2014/main" xmlns="" val="2385125368"/>
                     </a:ext>
                   </a:extLst>
                 </a:gridCol>
                 <a:gridCol w="720000">
                   <a:extLst>
                     <a:ext uri="{9D8B030D-6E8A-4147-A177-3AD203B41FA5}">
-                      <a16:colId xmlns:a16="http://schemas.microsoft.com/office/drawing/2014/main" val="2599857777"/>
+                      <a16:colId xmlns:a16="http://schemas.microsoft.com/office/drawing/2014/main" xmlns="" val="2599857777"/>
                     </a:ext>
                   </a:extLst>
                 </a:gridCol>
                 <a:gridCol w="720000">
                   <a:extLst>
                     <a:ext uri="{9D8B030D-6E8A-4147-A177-3AD203B41FA5}">
-                      <a16:colId xmlns:a16="http://schemas.microsoft.com/office/drawing/2014/main" val="4293876959"/>
+                      <a16:colId xmlns:a16="http://schemas.microsoft.com/office/drawing/2014/main" xmlns="" val="4293876959"/>
                     </a:ext>
                   </a:extLst>
                 </a:gridCol>
                 <a:gridCol w="720000">
                   <a:extLst>
                     <a:ext uri="{9D8B030D-6E8A-4147-A177-3AD203B41FA5}">
-                      <a16:colId xmlns:a16="http://schemas.microsoft.com/office/drawing/2014/main" val="185903597"/>
+                      <a16:colId xmlns:a16="http://schemas.microsoft.com/office/drawing/2014/main" xmlns="" val="185903597"/>
                     </a:ext>
                   </a:extLst>
                 </a:gridCol>
                 <a:gridCol w="720000">
                   <a:extLst>
                     <a:ext uri="{9D8B030D-6E8A-4147-A177-3AD203B41FA5}">
-                      <a16:colId xmlns:a16="http://schemas.microsoft.com/office/drawing/2014/main" val="967980824"/>
+                      <a16:colId xmlns:a16="http://schemas.microsoft.com/office/drawing/2014/main" xmlns="" val="967980824"/>
                     </a:ext>
                   </a:extLst>
                 </a:gridCol>
                 <a:gridCol w="720000">
                   <a:extLst>
                     <a:ext uri="{9D8B030D-6E8A-4147-A177-3AD203B41FA5}">
-                      <a16:colId xmlns:a16="http://schemas.microsoft.com/office/drawing/2014/main" val="3107065488"/>
+                      <a16:colId xmlns:a16="http://schemas.microsoft.com/office/drawing/2014/main" xmlns="" val="3107065488"/>
                     </a:ext>
                   </a:extLst>
                 </a:gridCol>
                 <a:gridCol w="720000">
                   <a:extLst>
                     <a:ext uri="{9D8B030D-6E8A-4147-A177-3AD203B41FA5}">
-                      <a16:colId xmlns:a16="http://schemas.microsoft.com/office/drawing/2014/main" val="1277420439"/>
+                      <a16:colId xmlns:a16="http://schemas.microsoft.com/office/drawing/2014/main" xmlns="" val="1277420439"/>
                     </a:ext>
                   </a:extLst>
                 </a:gridCol>
@@ -24942,7 +25697,7 @@
                 </a:tc>
                 <a:extLst>
                   <a:ext uri="{0D108BD9-81ED-4DB2-BD59-A6C34878D82A}">
-                    <a16:rowId xmlns:a16="http://schemas.microsoft.com/office/drawing/2014/main" val="584487917"/>
+                    <a16:rowId xmlns:a16="http://schemas.microsoft.com/office/drawing/2014/main" xmlns="" val="584487917"/>
                   </a:ext>
                 </a:extLst>
               </a:tr>
@@ -25467,7 +26222,7 @@
                 </a:tc>
                 <a:extLst>
                   <a:ext uri="{0D108BD9-81ED-4DB2-BD59-A6C34878D82A}">
-                    <a16:rowId xmlns:a16="http://schemas.microsoft.com/office/drawing/2014/main" val="1863994553"/>
+                    <a16:rowId xmlns:a16="http://schemas.microsoft.com/office/drawing/2014/main" xmlns="" val="1863994553"/>
                   </a:ext>
                 </a:extLst>
               </a:tr>
@@ -25970,7 +26725,7 @@
                 </a:tc>
                 <a:extLst>
                   <a:ext uri="{0D108BD9-81ED-4DB2-BD59-A6C34878D82A}">
-                    <a16:rowId xmlns:a16="http://schemas.microsoft.com/office/drawing/2014/main" val="2813642046"/>
+                    <a16:rowId xmlns:a16="http://schemas.microsoft.com/office/drawing/2014/main" xmlns="" val="2813642046"/>
                   </a:ext>
                 </a:extLst>
               </a:tr>
@@ -26462,7 +27217,7 @@
                 </a:tc>
                 <a:extLst>
                   <a:ext uri="{0D108BD9-81ED-4DB2-BD59-A6C34878D82A}">
-                    <a16:rowId xmlns:a16="http://schemas.microsoft.com/office/drawing/2014/main" val="2056728271"/>
+                    <a16:rowId xmlns:a16="http://schemas.microsoft.com/office/drawing/2014/main" xmlns="" val="2056728271"/>
                   </a:ext>
                 </a:extLst>
               </a:tr>
@@ -26976,7 +27731,7 @@
                 </a:tc>
                 <a:extLst>
                   <a:ext uri="{0D108BD9-81ED-4DB2-BD59-A6C34878D82A}">
-                    <a16:rowId xmlns:a16="http://schemas.microsoft.com/office/drawing/2014/main" val="2613689561"/>
+                    <a16:rowId xmlns:a16="http://schemas.microsoft.com/office/drawing/2014/main" xmlns="" val="2613689561"/>
                   </a:ext>
                 </a:extLst>
               </a:tr>
@@ -27501,7 +28256,7 @@
                 </a:tc>
                 <a:extLst>
                   <a:ext uri="{0D108BD9-81ED-4DB2-BD59-A6C34878D82A}">
-                    <a16:rowId xmlns:a16="http://schemas.microsoft.com/office/drawing/2014/main" val="1320574715"/>
+                    <a16:rowId xmlns:a16="http://schemas.microsoft.com/office/drawing/2014/main" xmlns="" val="1320574715"/>
                   </a:ext>
                 </a:extLst>
               </a:tr>
@@ -27633,49 +28388,49 @@
                     <a:gridCol w="720000">
                       <a:extLst>
                         <a:ext uri="{9D8B030D-6E8A-4147-A177-3AD203B41FA5}">
-                          <a16:colId xmlns:a16="http://schemas.microsoft.com/office/drawing/2014/main" val="849826274"/>
+                          <a16:colId xmlns:a16="http://schemas.microsoft.com/office/drawing/2014/main" xmlns="" val="849826274"/>
                         </a:ext>
                       </a:extLst>
                     </a:gridCol>
                     <a:gridCol w="720000">
                       <a:extLst>
                         <a:ext uri="{9D8B030D-6E8A-4147-A177-3AD203B41FA5}">
-                          <a16:colId xmlns:a16="http://schemas.microsoft.com/office/drawing/2014/main" val="3122597115"/>
+                          <a16:colId xmlns:a16="http://schemas.microsoft.com/office/drawing/2014/main" xmlns="" val="3122597115"/>
                         </a:ext>
                       </a:extLst>
                     </a:gridCol>
                     <a:gridCol w="720000">
                       <a:extLst>
                         <a:ext uri="{9D8B030D-6E8A-4147-A177-3AD203B41FA5}">
-                          <a16:colId xmlns:a16="http://schemas.microsoft.com/office/drawing/2014/main" val="2119792792"/>
+                          <a16:colId xmlns:a16="http://schemas.microsoft.com/office/drawing/2014/main" xmlns="" val="2119792792"/>
                         </a:ext>
                       </a:extLst>
                     </a:gridCol>
                     <a:gridCol w="720000">
                       <a:extLst>
                         <a:ext uri="{9D8B030D-6E8A-4147-A177-3AD203B41FA5}">
-                          <a16:colId xmlns:a16="http://schemas.microsoft.com/office/drawing/2014/main" val="3054159046"/>
+                          <a16:colId xmlns:a16="http://schemas.microsoft.com/office/drawing/2014/main" xmlns="" val="3054159046"/>
                         </a:ext>
                       </a:extLst>
                     </a:gridCol>
                     <a:gridCol w="720000">
                       <a:extLst>
                         <a:ext uri="{9D8B030D-6E8A-4147-A177-3AD203B41FA5}">
-                          <a16:colId xmlns:a16="http://schemas.microsoft.com/office/drawing/2014/main" val="1335098707"/>
+                          <a16:colId xmlns:a16="http://schemas.microsoft.com/office/drawing/2014/main" xmlns="" val="1335098707"/>
                         </a:ext>
                       </a:extLst>
                     </a:gridCol>
                     <a:gridCol w="720000">
                       <a:extLst>
                         <a:ext uri="{9D8B030D-6E8A-4147-A177-3AD203B41FA5}">
-                          <a16:colId xmlns:a16="http://schemas.microsoft.com/office/drawing/2014/main" val="2189793948"/>
+                          <a16:colId xmlns:a16="http://schemas.microsoft.com/office/drawing/2014/main" xmlns="" val="2189793948"/>
                         </a:ext>
                       </a:extLst>
                     </a:gridCol>
                     <a:gridCol w="720000">
                       <a:extLst>
                         <a:ext uri="{9D8B030D-6E8A-4147-A177-3AD203B41FA5}">
-                          <a16:colId xmlns:a16="http://schemas.microsoft.com/office/drawing/2014/main" val="4073850615"/>
+                          <a16:colId xmlns:a16="http://schemas.microsoft.com/office/drawing/2014/main" xmlns="" val="4073850615"/>
                         </a:ext>
                       </a:extLst>
                     </a:gridCol>
@@ -28760,7 +29515,7 @@
                     </a:tc>
                     <a:extLst>
                       <a:ext uri="{0D108BD9-81ED-4DB2-BD59-A6C34878D82A}">
-                        <a16:rowId xmlns:a16="http://schemas.microsoft.com/office/drawing/2014/main" val="2282192497"/>
+                        <a16:rowId xmlns:a16="http://schemas.microsoft.com/office/drawing/2014/main" xmlns="" val="2282192497"/>
                       </a:ext>
                     </a:extLst>
                   </a:tr>
@@ -29943,7 +30698,7 @@
                     </a:tc>
                     <a:extLst>
                       <a:ext uri="{0D108BD9-81ED-4DB2-BD59-A6C34878D82A}">
-                        <a16:rowId xmlns:a16="http://schemas.microsoft.com/office/drawing/2014/main" val="285879134"/>
+                        <a16:rowId xmlns:a16="http://schemas.microsoft.com/office/drawing/2014/main" xmlns="" val="285879134"/>
                       </a:ext>
                     </a:extLst>
                   </a:tr>
@@ -30571,7 +31326,7 @@
                     </a:tc>
                     <a:extLst>
                       <a:ext uri="{0D108BD9-81ED-4DB2-BD59-A6C34878D82A}">
-                        <a16:rowId xmlns:a16="http://schemas.microsoft.com/office/drawing/2014/main" val="1414773290"/>
+                        <a16:rowId xmlns:a16="http://schemas.microsoft.com/office/drawing/2014/main" xmlns="" val="1414773290"/>
                       </a:ext>
                     </a:extLst>
                   </a:tr>
@@ -31199,7 +31954,7 @@
                     </a:tc>
                     <a:extLst>
                       <a:ext uri="{0D108BD9-81ED-4DB2-BD59-A6C34878D82A}">
-                        <a16:rowId xmlns:a16="http://schemas.microsoft.com/office/drawing/2014/main" val="3029169098"/>
+                        <a16:rowId xmlns:a16="http://schemas.microsoft.com/office/drawing/2014/main" xmlns="" val="3029169098"/>
                       </a:ext>
                     </a:extLst>
                   </a:tr>
@@ -31827,7 +32582,7 @@
                     </a:tc>
                     <a:extLst>
                       <a:ext uri="{0D108BD9-81ED-4DB2-BD59-A6C34878D82A}">
-                        <a16:rowId xmlns:a16="http://schemas.microsoft.com/office/drawing/2014/main" val="1551467127"/>
+                        <a16:rowId xmlns:a16="http://schemas.microsoft.com/office/drawing/2014/main" xmlns="" val="1551467127"/>
                       </a:ext>
                     </a:extLst>
                   </a:tr>
@@ -32455,7 +33210,7 @@
                     </a:tc>
                     <a:extLst>
                       <a:ext uri="{0D108BD9-81ED-4DB2-BD59-A6C34878D82A}">
-                        <a16:rowId xmlns:a16="http://schemas.microsoft.com/office/drawing/2014/main" val="1957575383"/>
+                        <a16:rowId xmlns:a16="http://schemas.microsoft.com/office/drawing/2014/main" xmlns="" val="1957575383"/>
                       </a:ext>
                     </a:extLst>
                   </a:tr>

--- a/LplcSimulator/LplcSimulator/原稿/数理モデルv4.pptx
+++ b/LplcSimulator/LplcSimulator/原稿/数理モデルv4.pptx
@@ -3691,8 +3691,8 @@
             <a:chExt cx="7768566" cy="1780368"/>
           </a:xfrm>
         </p:grpSpPr>
-        <mc:AlternateContent xmlns:mc="http://schemas.openxmlformats.org/markup-compatibility/2006">
-          <mc:Choice xmlns:a14="http://schemas.microsoft.com/office/drawing/2010/main" Requires="a14">
+        <mc:AlternateContent xmlns:mc="http://schemas.openxmlformats.org/markup-compatibility/2006" xmlns:a14="http://schemas.microsoft.com/office/drawing/2010/main">
+          <mc:Choice Requires="a14">
             <p:sp>
               <p:nvSpPr>
                 <p:cNvPr id="7" name="テキスト ボックス 6"/>
@@ -3769,14 +3769,14 @@
                     </m:oMathPara>
                   </a14:m>
                   <a:endParaRPr kumimoji="1" lang="ja-JP" altLang="en-US" sz="3600" i="1" dirty="0">
-                    <a:latin typeface="HGPｺﾞｼｯｸM" panose="020B0600000000000000" pitchFamily="50" charset="-128"/>
+                    <a:latin typeface="Times New Roman" panose="02020603050405020304" pitchFamily="18" charset="0"/>
                     <a:ea typeface="HGPｺﾞｼｯｸM" panose="020B0600000000000000" pitchFamily="50" charset="-128"/>
                   </a:endParaRPr>
                 </a:p>
               </p:txBody>
             </p:sp>
           </mc:Choice>
-          <mc:Fallback>
+          <mc:Fallback xmlns="">
             <p:sp>
               <p:nvSpPr>
                 <p:cNvPr id="7" name="テキスト ボックス 6"/>
@@ -3851,14 +3851,14 @@
             <a:p>
               <a:pPr algn="ctr"/>
               <a:endParaRPr kumimoji="1" lang="ja-JP" altLang="en-US" i="1">
-                <a:latin typeface="HGPｺﾞｼｯｸM" panose="020B0600000000000000" pitchFamily="50" charset="-128"/>
+                <a:latin typeface="Times New Roman" panose="02020603050405020304" pitchFamily="18" charset="0"/>
                 <a:ea typeface="HGPｺﾞｼｯｸM" panose="020B0600000000000000" pitchFamily="50" charset="-128"/>
               </a:endParaRPr>
             </a:p>
           </p:txBody>
         </p:sp>
-        <mc:AlternateContent xmlns:mc="http://schemas.openxmlformats.org/markup-compatibility/2006">
-          <mc:Choice xmlns:a14="http://schemas.microsoft.com/office/drawing/2010/main" Requires="a14">
+        <mc:AlternateContent xmlns:mc="http://schemas.openxmlformats.org/markup-compatibility/2006" xmlns:a14="http://schemas.microsoft.com/office/drawing/2010/main">
+          <mc:Choice Requires="a14">
             <p:sp>
               <p:nvSpPr>
                 <p:cNvPr id="10" name="テキスト ボックス 9"/>
@@ -3883,31 +3883,10 @@
                 <a:p>
                   <a:r>
                     <a:rPr kumimoji="1" lang="en-US" altLang="ja-JP" sz="2800" i="1" dirty="0" smtClean="0">
-                      <a:latin typeface="HGPｺﾞｼｯｸM" panose="020B0600000000000000" pitchFamily="50" charset="-128"/>
+                      <a:latin typeface="Times New Roman" panose="02020603050405020304" pitchFamily="18" charset="0"/>
                       <a:ea typeface="HGPｺﾞｼｯｸM" panose="020B0600000000000000" pitchFamily="50" charset="-128"/>
                     </a:rPr>
-                    <a:t>1 </a:t>
-                  </a:r>
-                  <a:r>
-                    <a:rPr kumimoji="1" lang="en-US" altLang="ja-JP" sz="2800" i="1" dirty="0" smtClean="0">
-                      <a:latin typeface="HGPｺﾞｼｯｸM" panose="020B0600000000000000" pitchFamily="50" charset="-128"/>
-                      <a:ea typeface="HGPｺﾞｼｯｸM" panose="020B0600000000000000" pitchFamily="50" charset="-128"/>
-                    </a:rPr>
-                    <a:t>  </a:t>
-                  </a:r>
-                  <a:r>
-                    <a:rPr kumimoji="1" lang="en-US" altLang="ja-JP" sz="2800" i="1" dirty="0" smtClean="0">
-                      <a:latin typeface="HGPｺﾞｼｯｸM" panose="020B0600000000000000" pitchFamily="50" charset="-128"/>
-                      <a:ea typeface="HGPｺﾞｼｯｸM" panose="020B0600000000000000" pitchFamily="50" charset="-128"/>
-                    </a:rPr>
-                    <a:t>if </a:t>
-                  </a:r>
-                  <a:r>
-                    <a:rPr kumimoji="1" lang="en-US" altLang="ja-JP" sz="2800" i="1" dirty="0" smtClean="0">
-                      <a:latin typeface="HGPｺﾞｼｯｸM" panose="020B0600000000000000" pitchFamily="50" charset="-128"/>
-                      <a:ea typeface="HGPｺﾞｼｯｸM" panose="020B0600000000000000" pitchFamily="50" charset="-128"/>
-                    </a:rPr>
-                    <a:t> </a:t>
+                    <a:t>1   if  </a:t>
                   </a:r>
                   <a14:m>
                     <m:oMath xmlns:m="http://schemas.openxmlformats.org/officeDocument/2006/math">
@@ -3975,34 +3954,34 @@
                   </a14:m>
                   <a:r>
                     <a:rPr kumimoji="1" lang="en-US" altLang="ja-JP" sz="2800" b="0" i="1" dirty="0" smtClean="0">
-                      <a:latin typeface="HGPｺﾞｼｯｸM" panose="020B0600000000000000" pitchFamily="50" charset="-128"/>
+                      <a:latin typeface="Times New Roman" panose="02020603050405020304" pitchFamily="18" charset="0"/>
                       <a:ea typeface="HGPｺﾞｼｯｸM" panose="020B0600000000000000" pitchFamily="50" charset="-128"/>
                     </a:rPr>
                     <a:t> and</a:t>
                   </a:r>
                   <a:br>
                     <a:rPr kumimoji="1" lang="en-US" altLang="ja-JP" sz="2800" b="0" i="1" dirty="0" smtClean="0">
-                      <a:latin typeface="HGPｺﾞｼｯｸM" panose="020B0600000000000000" pitchFamily="50" charset="-128"/>
+                      <a:latin typeface="Times New Roman" panose="02020603050405020304" pitchFamily="18" charset="0"/>
                       <a:ea typeface="HGPｺﾞｼｯｸM" panose="020B0600000000000000" pitchFamily="50" charset="-128"/>
                     </a:rPr>
                   </a:br>
                   <a:r>
                     <a:rPr kumimoji="1" lang="en-US" altLang="ja-JP" sz="2800" b="0" i="1" dirty="0" smtClean="0">
-                      <a:latin typeface="HGPｺﾞｼｯｸM" panose="020B0600000000000000" pitchFamily="50" charset="-128"/>
+                      <a:latin typeface="Times New Roman" panose="02020603050405020304" pitchFamily="18" charset="0"/>
                       <a:ea typeface="HGPｺﾞｼｯｸM" panose="020B0600000000000000" pitchFamily="50" charset="-128"/>
                     </a:rPr>
                     <a:t>      </a:t>
                   </a:r>
                   <a:r>
                     <a:rPr lang="ja-JP" altLang="en-US" sz="2800" i="1" dirty="0">
-                      <a:latin typeface="HGPｺﾞｼｯｸM" panose="020B0600000000000000" pitchFamily="50" charset="-128"/>
+                      <a:latin typeface="Times New Roman" panose="02020603050405020304" pitchFamily="18" charset="0"/>
                       <a:ea typeface="HGPｺﾞｼｯｸM" panose="020B0600000000000000" pitchFamily="50" charset="-128"/>
                     </a:rPr>
                     <a:t> </a:t>
                   </a:r>
                   <a:r>
                     <a:rPr lang="ja-JP" altLang="en-US" sz="2800" i="1" dirty="0" smtClean="0">
-                      <a:latin typeface="HGPｺﾞｼｯｸM" panose="020B0600000000000000" pitchFamily="50" charset="-128"/>
+                      <a:latin typeface="Times New Roman" panose="02020603050405020304" pitchFamily="18" charset="0"/>
                       <a:ea typeface="HGPｺﾞｼｯｸM" panose="020B0600000000000000" pitchFamily="50" charset="-128"/>
                     </a:rPr>
                     <a:t> </a:t>
@@ -4075,14 +4054,14 @@
                     </m:oMath>
                   </a14:m>
                   <a:endParaRPr kumimoji="1" lang="en-US" altLang="ja-JP" sz="2800" b="0" i="1" dirty="0" smtClean="0">
-                    <a:latin typeface="HGPｺﾞｼｯｸM" panose="020B0600000000000000" pitchFamily="50" charset="-128"/>
+                    <a:latin typeface="Times New Roman" panose="02020603050405020304" pitchFamily="18" charset="0"/>
                     <a:ea typeface="HGPｺﾞｼｯｸM" panose="020B0600000000000000" pitchFamily="50" charset="-128"/>
                   </a:endParaRPr>
                 </a:p>
               </p:txBody>
             </p:sp>
           </mc:Choice>
-          <mc:Fallback>
+          <mc:Fallback xmlns="">
             <p:sp>
               <p:nvSpPr>
                 <p:cNvPr id="10" name="テキスト ボックス 9"/>
@@ -4145,20 +4124,13 @@
             <a:p>
               <a:r>
                 <a:rPr kumimoji="1" lang="en-US" altLang="ja-JP" sz="2800" i="1" dirty="0" smtClean="0">
-                  <a:latin typeface="HGPｺﾞｼｯｸM" panose="020B0600000000000000" pitchFamily="50" charset="-128"/>
+                  <a:latin typeface="Times New Roman" panose="02020603050405020304" pitchFamily="18" charset="0"/>
                   <a:ea typeface="HGPｺﾞｼｯｸM" panose="020B0600000000000000" pitchFamily="50" charset="-128"/>
                 </a:rPr>
-                <a:t>0  </a:t>
-              </a:r>
-              <a:r>
-                <a:rPr kumimoji="1" lang="en-US" altLang="ja-JP" sz="2800" i="1" dirty="0" smtClean="0">
-                  <a:latin typeface="HGPｺﾞｼｯｸM" panose="020B0600000000000000" pitchFamily="50" charset="-128"/>
-                  <a:ea typeface="HGPｺﾞｼｯｸM" panose="020B0600000000000000" pitchFamily="50" charset="-128"/>
-                </a:rPr>
-                <a:t> otherwise</a:t>
+                <a:t>0   otherwise</a:t>
               </a:r>
               <a:endParaRPr kumimoji="1" lang="en-US" altLang="ja-JP" sz="2800" b="0" i="1" dirty="0" smtClean="0">
-                <a:latin typeface="HGPｺﾞｼｯｸM" panose="020B0600000000000000" pitchFamily="50" charset="-128"/>
+                <a:latin typeface="Times New Roman" panose="02020603050405020304" pitchFamily="18" charset="0"/>
                 <a:ea typeface="HGPｺﾞｼｯｸM" panose="020B0600000000000000" pitchFamily="50" charset="-128"/>
               </a:endParaRPr>
             </a:p>
@@ -4465,49 +4437,49 @@
                     <a:gridCol w="720000">
                       <a:extLst>
                         <a:ext uri="{9D8B030D-6E8A-4147-A177-3AD203B41FA5}">
-                          <a16:colId xmlns:a16="http://schemas.microsoft.com/office/drawing/2014/main" xmlns="" val="849826274"/>
+                          <a16:colId xmlns:a16="http://schemas.microsoft.com/office/drawing/2014/main" val="849826274"/>
                         </a:ext>
                       </a:extLst>
                     </a:gridCol>
                     <a:gridCol w="720000">
                       <a:extLst>
                         <a:ext uri="{9D8B030D-6E8A-4147-A177-3AD203B41FA5}">
-                          <a16:colId xmlns:a16="http://schemas.microsoft.com/office/drawing/2014/main" xmlns="" val="3122597115"/>
+                          <a16:colId xmlns:a16="http://schemas.microsoft.com/office/drawing/2014/main" val="3122597115"/>
                         </a:ext>
                       </a:extLst>
                     </a:gridCol>
                     <a:gridCol w="720000">
                       <a:extLst>
                         <a:ext uri="{9D8B030D-6E8A-4147-A177-3AD203B41FA5}">
-                          <a16:colId xmlns:a16="http://schemas.microsoft.com/office/drawing/2014/main" xmlns="" val="2119792792"/>
+                          <a16:colId xmlns:a16="http://schemas.microsoft.com/office/drawing/2014/main" val="2119792792"/>
                         </a:ext>
                       </a:extLst>
                     </a:gridCol>
                     <a:gridCol w="720000">
                       <a:extLst>
                         <a:ext uri="{9D8B030D-6E8A-4147-A177-3AD203B41FA5}">
-                          <a16:colId xmlns:a16="http://schemas.microsoft.com/office/drawing/2014/main" xmlns="" val="3054159046"/>
+                          <a16:colId xmlns:a16="http://schemas.microsoft.com/office/drawing/2014/main" val="3054159046"/>
                         </a:ext>
                       </a:extLst>
                     </a:gridCol>
                     <a:gridCol w="720000">
                       <a:extLst>
                         <a:ext uri="{9D8B030D-6E8A-4147-A177-3AD203B41FA5}">
-                          <a16:colId xmlns:a16="http://schemas.microsoft.com/office/drawing/2014/main" xmlns="" val="1335098707"/>
+                          <a16:colId xmlns:a16="http://schemas.microsoft.com/office/drawing/2014/main" val="1335098707"/>
                         </a:ext>
                       </a:extLst>
                     </a:gridCol>
                     <a:gridCol w="720000">
                       <a:extLst>
                         <a:ext uri="{9D8B030D-6E8A-4147-A177-3AD203B41FA5}">
-                          <a16:colId xmlns:a16="http://schemas.microsoft.com/office/drawing/2014/main" xmlns="" val="2189793948"/>
+                          <a16:colId xmlns:a16="http://schemas.microsoft.com/office/drawing/2014/main" val="2189793948"/>
                         </a:ext>
                       </a:extLst>
                     </a:gridCol>
                     <a:gridCol w="720000">
                       <a:extLst>
                         <a:ext uri="{9D8B030D-6E8A-4147-A177-3AD203B41FA5}">
-                          <a16:colId xmlns:a16="http://schemas.microsoft.com/office/drawing/2014/main" xmlns="" val="4073850615"/>
+                          <a16:colId xmlns:a16="http://schemas.microsoft.com/office/drawing/2014/main" val="4073850615"/>
                         </a:ext>
                       </a:extLst>
                     </a:gridCol>
@@ -5472,7 +5444,7 @@
                     </a:tc>
                     <a:extLst>
                       <a:ext uri="{0D108BD9-81ED-4DB2-BD59-A6C34878D82A}">
-                        <a16:rowId xmlns:a16="http://schemas.microsoft.com/office/drawing/2014/main" xmlns="" val="2282192497"/>
+                        <a16:rowId xmlns:a16="http://schemas.microsoft.com/office/drawing/2014/main" val="2282192497"/>
                       </a:ext>
                     </a:extLst>
                   </a:tr>
@@ -6515,7 +6487,7 @@
                     </a:tc>
                     <a:extLst>
                       <a:ext uri="{0D108BD9-81ED-4DB2-BD59-A6C34878D82A}">
-                        <a16:rowId xmlns:a16="http://schemas.microsoft.com/office/drawing/2014/main" xmlns="" val="285879134"/>
+                        <a16:rowId xmlns:a16="http://schemas.microsoft.com/office/drawing/2014/main" val="285879134"/>
                       </a:ext>
                     </a:extLst>
                   </a:tr>
@@ -7103,7 +7075,7 @@
                     </a:tc>
                     <a:extLst>
                       <a:ext uri="{0D108BD9-81ED-4DB2-BD59-A6C34878D82A}">
-                        <a16:rowId xmlns:a16="http://schemas.microsoft.com/office/drawing/2014/main" xmlns="" val="1414773290"/>
+                        <a16:rowId xmlns:a16="http://schemas.microsoft.com/office/drawing/2014/main" val="1414773290"/>
                       </a:ext>
                     </a:extLst>
                   </a:tr>
@@ -7691,7 +7663,7 @@
                     </a:tc>
                     <a:extLst>
                       <a:ext uri="{0D108BD9-81ED-4DB2-BD59-A6C34878D82A}">
-                        <a16:rowId xmlns:a16="http://schemas.microsoft.com/office/drawing/2014/main" xmlns="" val="3029169098"/>
+                        <a16:rowId xmlns:a16="http://schemas.microsoft.com/office/drawing/2014/main" val="3029169098"/>
                       </a:ext>
                     </a:extLst>
                   </a:tr>
@@ -8279,7 +8251,7 @@
                     </a:tc>
                     <a:extLst>
                       <a:ext uri="{0D108BD9-81ED-4DB2-BD59-A6C34878D82A}">
-                        <a16:rowId xmlns:a16="http://schemas.microsoft.com/office/drawing/2014/main" xmlns="" val="1551467127"/>
+                        <a16:rowId xmlns:a16="http://schemas.microsoft.com/office/drawing/2014/main" val="1551467127"/>
                       </a:ext>
                     </a:extLst>
                   </a:tr>
@@ -8867,7 +8839,7 @@
                     </a:tc>
                     <a:extLst>
                       <a:ext uri="{0D108BD9-81ED-4DB2-BD59-A6C34878D82A}">
-                        <a16:rowId xmlns:a16="http://schemas.microsoft.com/office/drawing/2014/main" xmlns="" val="1957575383"/>
+                        <a16:rowId xmlns:a16="http://schemas.microsoft.com/office/drawing/2014/main" val="1957575383"/>
                       </a:ext>
                     </a:extLst>
                   </a:tr>
@@ -10871,8 +10843,8 @@
             <a:chExt cx="9574712" cy="1499953"/>
           </a:xfrm>
         </p:grpSpPr>
-        <mc:AlternateContent xmlns:mc="http://schemas.openxmlformats.org/markup-compatibility/2006">
-          <mc:Choice xmlns:a14="http://schemas.microsoft.com/office/drawing/2010/main" Requires="a14">
+        <mc:AlternateContent xmlns:mc="http://schemas.openxmlformats.org/markup-compatibility/2006" xmlns:a14="http://schemas.microsoft.com/office/drawing/2010/main">
+          <mc:Choice Requires="a14">
             <p:sp>
               <p:nvSpPr>
                 <p:cNvPr id="6" name="テキスト ボックス 5"/>
@@ -10975,20 +10947,20 @@
                   </a14:m>
                   <a:r>
                     <a:rPr kumimoji="1" lang="en-US" altLang="ja-JP" sz="4400" i="1" dirty="0" smtClean="0">
-                      <a:latin typeface="HGPｺﾞｼｯｸM" panose="020B0600000000000000" pitchFamily="50" charset="-128"/>
+                      <a:latin typeface="Times New Roman" panose="02020603050405020304" pitchFamily="18" charset="0"/>
                       <a:ea typeface="HGPｺﾞｼｯｸM" panose="020B0600000000000000" pitchFamily="50" charset="-128"/>
                     </a:rPr>
                     <a:t>=</a:t>
                   </a:r>
                   <a:endParaRPr kumimoji="1" lang="ja-JP" altLang="en-US" sz="4400" i="1" dirty="0">
-                    <a:latin typeface="HGPｺﾞｼｯｸM" panose="020B0600000000000000" pitchFamily="50" charset="-128"/>
+                    <a:latin typeface="Times New Roman" panose="02020603050405020304" pitchFamily="18" charset="0"/>
                     <a:ea typeface="HGPｺﾞｼｯｸM" panose="020B0600000000000000" pitchFamily="50" charset="-128"/>
                   </a:endParaRPr>
                 </a:p>
               </p:txBody>
             </p:sp>
           </mc:Choice>
-          <mc:Fallback>
+          <mc:Fallback xmlns="">
             <p:sp>
               <p:nvSpPr>
                 <p:cNvPr id="6" name="テキスト ボックス 5"/>
@@ -11063,14 +11035,14 @@
             <a:p>
               <a:pPr algn="ctr"/>
               <a:endParaRPr kumimoji="1" lang="ja-JP" altLang="en-US" i="1">
-                <a:latin typeface="HGPｺﾞｼｯｸM" panose="020B0600000000000000" pitchFamily="50" charset="-128"/>
+                <a:latin typeface="Times New Roman" panose="02020603050405020304" pitchFamily="18" charset="0"/>
                 <a:ea typeface="HGPｺﾞｼｯｸM" panose="020B0600000000000000" pitchFamily="50" charset="-128"/>
               </a:endParaRPr>
             </a:p>
           </p:txBody>
         </p:sp>
-        <mc:AlternateContent xmlns:mc="http://schemas.openxmlformats.org/markup-compatibility/2006">
-          <mc:Choice xmlns:a14="http://schemas.microsoft.com/office/drawing/2010/main" Requires="a14">
+        <mc:AlternateContent xmlns:mc="http://schemas.openxmlformats.org/markup-compatibility/2006" xmlns:a14="http://schemas.microsoft.com/office/drawing/2010/main">
+          <mc:Choice Requires="a14">
             <p:sp>
               <p:nvSpPr>
                 <p:cNvPr id="11" name="テキスト ボックス 10"/>
@@ -11095,7 +11067,7 @@
                 <a:p>
                   <a:r>
                     <a:rPr lang="en-US" altLang="ja-JP" sz="2800" i="1" dirty="0">
-                      <a:latin typeface="HGPｺﾞｼｯｸM" panose="020B0600000000000000" pitchFamily="50" charset="-128"/>
+                      <a:latin typeface="Times New Roman" panose="02020603050405020304" pitchFamily="18" charset="0"/>
                       <a:ea typeface="HGPｺﾞｼｯｸM" panose="020B0600000000000000" pitchFamily="50" charset="-128"/>
                     </a:rPr>
                     <a:t>1</a:t>
@@ -11105,7 +11077,7 @@
                       <a:solidFill>
                         <a:schemeClr val="tx1"/>
                       </a:solidFill>
-                      <a:latin typeface="HGPｺﾞｼｯｸM" panose="020B0600000000000000" pitchFamily="50" charset="-128"/>
+                      <a:latin typeface="Times New Roman" panose="02020603050405020304" pitchFamily="18" charset="0"/>
                       <a:ea typeface="HGPｺﾞｼｯｸM" panose="020B0600000000000000" pitchFamily="50" charset="-128"/>
                     </a:rPr>
                     <a:t> </a:t>
@@ -11115,7 +11087,7 @@
                       <a:solidFill>
                         <a:schemeClr val="tx1"/>
                       </a:solidFill>
-                      <a:latin typeface="HGPｺﾞｼｯｸM" panose="020B0600000000000000" pitchFamily="50" charset="-128"/>
+                      <a:latin typeface="Times New Roman" panose="02020603050405020304" pitchFamily="18" charset="0"/>
                       <a:ea typeface="HGPｺﾞｼｯｸM" panose="020B0600000000000000" pitchFamily="50" charset="-128"/>
                     </a:rPr>
                     <a:t>  if </a:t>
@@ -11142,7 +11114,7 @@
                               <a:solidFill>
                                 <a:schemeClr val="tx1"/>
                               </a:solidFill>
-                              <a:latin typeface="HGPｺﾞｼｯｸM" panose="020B0600000000000000" pitchFamily="50" charset="-128"/>
+                              <a:latin typeface="Times New Roman" panose="02020603050405020304" pitchFamily="18" charset="0"/>
                               <a:ea typeface="HGPｺﾞｼｯｸM" panose="020B0600000000000000" pitchFamily="50" charset="-128"/>
                             </a:rPr>
                             <m:t>P</m:t>
@@ -11155,7 +11127,7 @@
                               <a:solidFill>
                                 <a:schemeClr val="tx1"/>
                               </a:solidFill>
-                              <a:latin typeface="HGPｺﾞｼｯｸM" panose="020B0600000000000000" pitchFamily="50" charset="-128"/>
+                              <a:latin typeface="Times New Roman" panose="02020603050405020304" pitchFamily="18" charset="0"/>
                               <a:ea typeface="HGPｺﾞｼｯｸM" panose="020B0600000000000000" pitchFamily="50" charset="-128"/>
                             </a:rPr>
                             <m:t>n</m:t>
@@ -11168,7 +11140,7 @@
                               <a:solidFill>
                                 <a:schemeClr val="tx1"/>
                               </a:solidFill>
-                              <a:latin typeface="HGPｺﾞｼｯｸM" panose="020B0600000000000000" pitchFamily="50" charset="-128"/>
+                              <a:latin typeface="Times New Roman" panose="02020603050405020304" pitchFamily="18" charset="0"/>
                               <a:ea typeface="HGPｺﾞｼｯｸM" panose="020B0600000000000000" pitchFamily="50" charset="-128"/>
                             </a:rPr>
                             <m:t>(</m:t>
@@ -11181,7 +11153,7 @@
                               <a:solidFill>
                                 <a:schemeClr val="tx1"/>
                               </a:solidFill>
-                              <a:latin typeface="HGPｺﾞｼｯｸM" panose="020B0600000000000000" pitchFamily="50" charset="-128"/>
+                              <a:latin typeface="Times New Roman" panose="02020603050405020304" pitchFamily="18" charset="0"/>
                               <a:ea typeface="HGPｺﾞｼｯｸM" panose="020B0600000000000000" pitchFamily="50" charset="-128"/>
                             </a:rPr>
                             <m:t>t</m:t>
@@ -11194,7 +11166,7 @@
                               <a:solidFill>
                                 <a:schemeClr val="tx1"/>
                               </a:solidFill>
-                              <a:latin typeface="HGPｺﾞｼｯｸM" panose="020B0600000000000000" pitchFamily="50" charset="-128"/>
+                              <a:latin typeface="Times New Roman" panose="02020603050405020304" pitchFamily="18" charset="0"/>
                               <a:ea typeface="HGPｺﾞｼｯｸM" panose="020B0600000000000000" pitchFamily="50" charset="-128"/>
                             </a:rPr>
                             <m:t>)</m:t>
@@ -11209,7 +11181,7 @@
                               <a:solidFill>
                                 <a:schemeClr val="tx1"/>
                               </a:solidFill>
-                              <a:latin typeface="HGPｺﾞｼｯｸM" panose="020B0600000000000000" pitchFamily="50" charset="-128"/>
+                              <a:latin typeface="Times New Roman" panose="02020603050405020304" pitchFamily="18" charset="0"/>
                               <a:ea typeface="HGPｺﾞｼｯｸM" panose="020B0600000000000000" pitchFamily="50" charset="-128"/>
                             </a:rPr>
                             <m:t>ij</m:t>
@@ -11223,7 +11195,7 @@
                       <a:solidFill>
                         <a:schemeClr val="tx1"/>
                       </a:solidFill>
-                      <a:latin typeface="HGPｺﾞｼｯｸM" panose="020B0600000000000000" pitchFamily="50" charset="-128"/>
+                      <a:latin typeface="Times New Roman" panose="02020603050405020304" pitchFamily="18" charset="0"/>
                       <a:ea typeface="HGPｺﾞｼｯｸM" panose="020B0600000000000000" pitchFamily="50" charset="-128"/>
                     </a:rPr>
                     <a:t>* </a:t>
@@ -11250,7 +11222,7 @@
                               <a:solidFill>
                                 <a:schemeClr val="tx1"/>
                               </a:solidFill>
-                              <a:latin typeface="HGPｺﾞｼｯｸM" panose="020B0600000000000000" pitchFamily="50" charset="-128"/>
+                              <a:latin typeface="Times New Roman" panose="02020603050405020304" pitchFamily="18" charset="0"/>
                               <a:ea typeface="HGPｺﾞｼｯｸM" panose="020B0600000000000000" pitchFamily="50" charset="-128"/>
                             </a:rPr>
                             <m:t>P</m:t>
@@ -11263,7 +11235,7 @@
                               <a:solidFill>
                                 <a:schemeClr val="tx1"/>
                               </a:solidFill>
-                              <a:latin typeface="HGPｺﾞｼｯｸM" panose="020B0600000000000000" pitchFamily="50" charset="-128"/>
+                              <a:latin typeface="Times New Roman" panose="02020603050405020304" pitchFamily="18" charset="0"/>
                               <a:ea typeface="HGPｺﾞｼｯｸM" panose="020B0600000000000000" pitchFamily="50" charset="-128"/>
                             </a:rPr>
                             <m:t>n</m:t>
@@ -11276,7 +11248,7 @@
                               <a:solidFill>
                                 <a:schemeClr val="tx1"/>
                               </a:solidFill>
-                              <a:latin typeface="HGPｺﾞｼｯｸM" panose="020B0600000000000000" pitchFamily="50" charset="-128"/>
+                              <a:latin typeface="Times New Roman" panose="02020603050405020304" pitchFamily="18" charset="0"/>
                               <a:ea typeface="HGPｺﾞｼｯｸM" panose="020B0600000000000000" pitchFamily="50" charset="-128"/>
                             </a:rPr>
                             <m:t>(</m:t>
@@ -11289,7 +11261,7 @@
                               <a:solidFill>
                                 <a:schemeClr val="tx1"/>
                               </a:solidFill>
-                              <a:latin typeface="HGPｺﾞｼｯｸM" panose="020B0600000000000000" pitchFamily="50" charset="-128"/>
+                              <a:latin typeface="Times New Roman" panose="02020603050405020304" pitchFamily="18" charset="0"/>
                               <a:ea typeface="HGPｺﾞｼｯｸM" panose="020B0600000000000000" pitchFamily="50" charset="-128"/>
                             </a:rPr>
                             <m:t>t</m:t>
@@ -11302,7 +11274,7 @@
                               <a:solidFill>
                                 <a:schemeClr val="tx1"/>
                               </a:solidFill>
-                              <a:latin typeface="HGPｺﾞｼｯｸM" panose="020B0600000000000000" pitchFamily="50" charset="-128"/>
+                              <a:latin typeface="Times New Roman" panose="02020603050405020304" pitchFamily="18" charset="0"/>
                               <a:ea typeface="HGPｺﾞｼｯｸM" panose="020B0600000000000000" pitchFamily="50" charset="-128"/>
                             </a:rPr>
                             <m:t>−1)</m:t>
@@ -11317,7 +11289,7 @@
                               <a:solidFill>
                                 <a:schemeClr val="tx1"/>
                               </a:solidFill>
-                              <a:latin typeface="HGPｺﾞｼｯｸM" panose="020B0600000000000000" pitchFamily="50" charset="-128"/>
+                              <a:latin typeface="Times New Roman" panose="02020603050405020304" pitchFamily="18" charset="0"/>
                               <a:ea typeface="HGPｺﾞｼｯｸM" panose="020B0600000000000000" pitchFamily="50" charset="-128"/>
                             </a:rPr>
                             <m:t>(</m:t>
@@ -11330,7 +11302,7 @@
                               <a:solidFill>
                                 <a:schemeClr val="tx1"/>
                               </a:solidFill>
-                              <a:latin typeface="HGPｺﾞｼｯｸM" panose="020B0600000000000000" pitchFamily="50" charset="-128"/>
+                              <a:latin typeface="Times New Roman" panose="02020603050405020304" pitchFamily="18" charset="0"/>
                               <a:ea typeface="HGPｺﾞｼｯｸM" panose="020B0600000000000000" pitchFamily="50" charset="-128"/>
                             </a:rPr>
                             <m:t>i</m:t>
@@ -11343,7 +11315,7 @@
                               <a:solidFill>
                                 <a:schemeClr val="tx1"/>
                               </a:solidFill>
-                              <a:latin typeface="HGPｺﾞｼｯｸM" panose="020B0600000000000000" pitchFamily="50" charset="-128"/>
+                              <a:latin typeface="Times New Roman" panose="02020603050405020304" pitchFamily="18" charset="0"/>
                               <a:ea typeface="HGPｺﾞｼｯｸM" panose="020B0600000000000000" pitchFamily="50" charset="-128"/>
                             </a:rPr>
                             <m:t>+</m:t>
@@ -11356,7 +11328,7 @@
                               <a:solidFill>
                                 <a:schemeClr val="tx1"/>
                               </a:solidFill>
-                              <a:latin typeface="HGPｺﾞｼｯｸM" panose="020B0600000000000000" pitchFamily="50" charset="-128"/>
+                              <a:latin typeface="Times New Roman" panose="02020603050405020304" pitchFamily="18" charset="0"/>
                               <a:ea typeface="HGPｺﾞｼｯｸM" panose="020B0600000000000000" pitchFamily="50" charset="-128"/>
                             </a:rPr>
                             <m:t>1)</m:t>
@@ -11369,7 +11341,7 @@
                               <a:solidFill>
                                 <a:schemeClr val="tx1"/>
                               </a:solidFill>
-                              <a:latin typeface="HGPｺﾞｼｯｸM" panose="020B0600000000000000" pitchFamily="50" charset="-128"/>
+                              <a:latin typeface="Times New Roman" panose="02020603050405020304" pitchFamily="18" charset="0"/>
                               <a:ea typeface="HGPｺﾞｼｯｸM" panose="020B0600000000000000" pitchFamily="50" charset="-128"/>
                             </a:rPr>
                             <m:t>j</m:t>
@@ -11383,7 +11355,7 @@
                       <a:solidFill>
                         <a:schemeClr val="tx1"/>
                       </a:solidFill>
-                      <a:latin typeface="HGPｺﾞｼｯｸM" panose="020B0600000000000000" pitchFamily="50" charset="-128"/>
+                      <a:latin typeface="Times New Roman" panose="02020603050405020304" pitchFamily="18" charset="0"/>
                       <a:ea typeface="HGPｺﾞｼｯｸM" panose="020B0600000000000000" pitchFamily="50" charset="-128"/>
                     </a:rPr>
                     <a:t> </a:t>
@@ -11393,7 +11365,7 @@
                       <a:solidFill>
                         <a:schemeClr val="tx1"/>
                       </a:solidFill>
-                      <a:latin typeface="HGPｺﾞｼｯｸM" panose="020B0600000000000000" pitchFamily="50" charset="-128"/>
+                      <a:latin typeface="Times New Roman" panose="02020603050405020304" pitchFamily="18" charset="0"/>
                       <a:ea typeface="HGPｺﾞｼｯｸM" panose="020B0600000000000000" pitchFamily="50" charset="-128"/>
                     </a:rPr>
                     <a:t>≠</a:t>
@@ -11403,33 +11375,23 @@
                       <a:solidFill>
                         <a:schemeClr val="tx1"/>
                       </a:solidFill>
-                      <a:latin typeface="HGPｺﾞｼｯｸM" panose="020B0600000000000000" pitchFamily="50" charset="-128"/>
+                      <a:latin typeface="Times New Roman" panose="02020603050405020304" pitchFamily="18" charset="0"/>
                       <a:ea typeface="HGPｺﾞｼｯｸM" panose="020B0600000000000000" pitchFamily="50" charset="-128"/>
                     </a:rPr>
-                    <a:t> </a:t>
-                  </a:r>
-                  <a:r>
-                    <a:rPr kumimoji="1" lang="en-US" altLang="ja-JP" sz="2800" i="1" dirty="0" smtClean="0">
-                      <a:solidFill>
-                        <a:schemeClr val="tx1"/>
-                      </a:solidFill>
-                      <a:latin typeface="HGPｺﾞｼｯｸM" panose="020B0600000000000000" pitchFamily="50" charset="-128"/>
-                      <a:ea typeface="HGPｺﾞｼｯｸM" panose="020B0600000000000000" pitchFamily="50" charset="-128"/>
-                    </a:rPr>
-                    <a:t>0</a:t>
+                    <a:t> 0</a:t>
                   </a:r>
                   <a:endParaRPr kumimoji="1" lang="en-US" altLang="ja-JP" sz="2800" b="0" i="1" dirty="0" smtClean="0">
                     <a:solidFill>
                       <a:schemeClr val="tx1"/>
                     </a:solidFill>
-                    <a:latin typeface="HGPｺﾞｼｯｸM" panose="020B0600000000000000" pitchFamily="50" charset="-128"/>
+                    <a:latin typeface="Times New Roman" panose="02020603050405020304" pitchFamily="18" charset="0"/>
                     <a:ea typeface="HGPｺﾞｼｯｸM" panose="020B0600000000000000" pitchFamily="50" charset="-128"/>
                   </a:endParaRPr>
                 </a:p>
               </p:txBody>
             </p:sp>
           </mc:Choice>
-          <mc:Fallback>
+          <mc:Fallback xmlns="">
             <p:sp>
               <p:nvSpPr>
                 <p:cNvPr id="11" name="テキスト ボックス 10"/>
@@ -11492,27 +11454,27 @@
             <a:p>
               <a:r>
                 <a:rPr lang="en-US" altLang="ja-JP" sz="2800" i="1" dirty="0">
-                  <a:latin typeface="HGPｺﾞｼｯｸM" panose="020B0600000000000000" pitchFamily="50" charset="-128"/>
+                  <a:latin typeface="Times New Roman" panose="02020603050405020304" pitchFamily="18" charset="0"/>
                   <a:ea typeface="HGPｺﾞｼｯｸM" panose="020B0600000000000000" pitchFamily="50" charset="-128"/>
                 </a:rPr>
                 <a:t>0</a:t>
               </a:r>
               <a:r>
                 <a:rPr lang="en-US" altLang="ja-JP" sz="2800" i="1" dirty="0" smtClean="0">
-                  <a:latin typeface="HGPｺﾞｼｯｸM" panose="020B0600000000000000" pitchFamily="50" charset="-128"/>
+                  <a:latin typeface="Times New Roman" panose="02020603050405020304" pitchFamily="18" charset="0"/>
                   <a:ea typeface="HGPｺﾞｼｯｸM" panose="020B0600000000000000" pitchFamily="50" charset="-128"/>
                 </a:rPr>
                 <a:t> </a:t>
               </a:r>
               <a:r>
                 <a:rPr kumimoji="1" lang="en-US" altLang="ja-JP" sz="2800" i="1" dirty="0" smtClean="0">
-                  <a:latin typeface="HGPｺﾞｼｯｸM" panose="020B0600000000000000" pitchFamily="50" charset="-128"/>
+                  <a:latin typeface="Times New Roman" panose="02020603050405020304" pitchFamily="18" charset="0"/>
                   <a:ea typeface="HGPｺﾞｼｯｸM" panose="020B0600000000000000" pitchFamily="50" charset="-128"/>
                 </a:rPr>
                 <a:t>  otherwise</a:t>
               </a:r>
               <a:endParaRPr kumimoji="1" lang="en-US" altLang="ja-JP" sz="2800" b="0" i="1" dirty="0" smtClean="0">
-                <a:latin typeface="HGPｺﾞｼｯｸM" panose="020B0600000000000000" pitchFamily="50" charset="-128"/>
+                <a:latin typeface="Times New Roman" panose="02020603050405020304" pitchFamily="18" charset="0"/>
                 <a:ea typeface="HGPｺﾞｼｯｸM" panose="020B0600000000000000" pitchFamily="50" charset="-128"/>
               </a:endParaRPr>
             </a:p>
@@ -14469,8 +14431,8 @@
             <a:chExt cx="7211814" cy="1421086"/>
           </a:xfrm>
         </p:grpSpPr>
-        <mc:AlternateContent xmlns:mc="http://schemas.openxmlformats.org/markup-compatibility/2006">
-          <mc:Choice xmlns:a14="http://schemas.microsoft.com/office/drawing/2010/main" Requires="a14">
+        <mc:AlternateContent xmlns:mc="http://schemas.openxmlformats.org/markup-compatibility/2006" xmlns:a14="http://schemas.microsoft.com/office/drawing/2010/main">
+          <mc:Choice Requires="a14">
             <p:sp>
               <p:nvSpPr>
                 <p:cNvPr id="23" name="正方形/長方形 22"/>
@@ -14561,14 +14523,14 @@
                     </m:oMathPara>
                   </a14:m>
                   <a:endParaRPr lang="ja-JP" altLang="en-US" sz="3600" i="1" dirty="0">
-                    <a:latin typeface="HGPｺﾞｼｯｸM" panose="020B0600000000000000" pitchFamily="50" charset="-128"/>
+                    <a:latin typeface="Times New Roman" panose="02020603050405020304" pitchFamily="18" charset="0"/>
                     <a:ea typeface="HGPｺﾞｼｯｸM" panose="020B0600000000000000" pitchFamily="50" charset="-128"/>
                   </a:endParaRPr>
                 </a:p>
               </p:txBody>
             </p:sp>
           </mc:Choice>
-          <mc:Fallback>
+          <mc:Fallback xmlns="">
             <p:sp>
               <p:nvSpPr>
                 <p:cNvPr id="23" name="正方形/長方形 22"/>
@@ -14643,14 +14605,14 @@
             <a:p>
               <a:pPr algn="ctr"/>
               <a:endParaRPr kumimoji="1" lang="ja-JP" altLang="en-US" sz="2000" i="1">
-                <a:latin typeface="HGPｺﾞｼｯｸM" panose="020B0600000000000000" pitchFamily="50" charset="-128"/>
+                <a:latin typeface="Times New Roman" panose="02020603050405020304" pitchFamily="18" charset="0"/>
                 <a:ea typeface="HGPｺﾞｼｯｸM" panose="020B0600000000000000" pitchFamily="50" charset="-128"/>
               </a:endParaRPr>
             </a:p>
           </p:txBody>
         </p:sp>
-        <mc:AlternateContent xmlns:mc="http://schemas.openxmlformats.org/markup-compatibility/2006">
-          <mc:Choice xmlns:a14="http://schemas.microsoft.com/office/drawing/2010/main" Requires="a14">
+        <mc:AlternateContent xmlns:mc="http://schemas.openxmlformats.org/markup-compatibility/2006" xmlns:a14="http://schemas.microsoft.com/office/drawing/2010/main">
+          <mc:Choice Requires="a14">
             <p:sp>
               <p:nvSpPr>
                 <p:cNvPr id="28" name="テキスト ボックス 27"/>
@@ -14675,7 +14637,7 @@
                 <a:p>
                   <a:r>
                     <a:rPr kumimoji="1" lang="en-US" altLang="ja-JP" sz="2800" i="1" dirty="0" smtClean="0">
-                      <a:latin typeface="HGPｺﾞｼｯｸM" panose="020B0600000000000000" pitchFamily="50" charset="-128"/>
+                      <a:latin typeface="Times New Roman" panose="02020603050405020304" pitchFamily="18" charset="0"/>
                       <a:ea typeface="HGPｺﾞｼｯｸM" panose="020B0600000000000000" pitchFamily="50" charset="-128"/>
                     </a:rPr>
                     <a:t>1  If </a:t>
@@ -14765,14 +14727,14 @@
                     </m:oMath>
                   </a14:m>
                   <a:endParaRPr kumimoji="1" lang="en-US" altLang="ja-JP" sz="2800" b="0" i="1" dirty="0" smtClean="0">
-                    <a:latin typeface="HGPｺﾞｼｯｸM" panose="020B0600000000000000" pitchFamily="50" charset="-128"/>
+                    <a:latin typeface="Times New Roman" panose="02020603050405020304" pitchFamily="18" charset="0"/>
                     <a:ea typeface="HGPｺﾞｼｯｸM" panose="020B0600000000000000" pitchFamily="50" charset="-128"/>
                   </a:endParaRPr>
                 </a:p>
               </p:txBody>
             </p:sp>
           </mc:Choice>
-          <mc:Fallback>
+          <mc:Fallback xmlns="">
             <p:sp>
               <p:nvSpPr>
                 <p:cNvPr id="28" name="テキスト ボックス 27"/>
@@ -14835,21 +14797,21 @@
             <a:p>
               <a:r>
                 <a:rPr kumimoji="1" lang="en-US" altLang="ja-JP" sz="2800" i="1" dirty="0" smtClean="0">
-                  <a:latin typeface="HGPｺﾞｼｯｸM" panose="020B0600000000000000" pitchFamily="50" charset="-128"/>
+                  <a:latin typeface="Times New Roman" panose="02020603050405020304" pitchFamily="18" charset="0"/>
                   <a:ea typeface="HGPｺﾞｼｯｸM" panose="020B0600000000000000" pitchFamily="50" charset="-128"/>
                 </a:rPr>
                 <a:t>0  otherwise</a:t>
               </a:r>
               <a:endParaRPr kumimoji="1" lang="en-US" altLang="ja-JP" sz="2800" b="0" i="1" dirty="0" smtClean="0">
-                <a:latin typeface="HGPｺﾞｼｯｸM" panose="020B0600000000000000" pitchFamily="50" charset="-128"/>
+                <a:latin typeface="Times New Roman" panose="02020603050405020304" pitchFamily="18" charset="0"/>
                 <a:ea typeface="HGPｺﾞｼｯｸM" panose="020B0600000000000000" pitchFamily="50" charset="-128"/>
               </a:endParaRPr>
             </a:p>
           </p:txBody>
         </p:sp>
       </p:grpSp>
-      <mc:AlternateContent xmlns:mc="http://schemas.openxmlformats.org/markup-compatibility/2006">
-        <mc:Choice xmlns:a14="http://schemas.microsoft.com/office/drawing/2010/main" Requires="a14">
+      <mc:AlternateContent xmlns:mc="http://schemas.openxmlformats.org/markup-compatibility/2006" xmlns:a14="http://schemas.microsoft.com/office/drawing/2010/main">
+        <mc:Choice Requires="a14">
           <p:sp>
             <p:nvSpPr>
               <p:cNvPr id="22" name="テキスト ボックス 21"/>
@@ -15322,7 +15284,7 @@
             </p:txBody>
           </p:sp>
         </mc:Choice>
-        <mc:Fallback>
+        <mc:Fallback xmlns="">
           <p:sp>
             <p:nvSpPr>
               <p:cNvPr id="22" name="テキスト ボックス 21"/>
@@ -15361,8 +15323,8 @@
           </p:sp>
         </mc:Fallback>
       </mc:AlternateContent>
-      <mc:AlternateContent xmlns:mc="http://schemas.openxmlformats.org/markup-compatibility/2006">
-        <mc:Choice xmlns:a14="http://schemas.microsoft.com/office/drawing/2010/main" Requires="a14">
+      <mc:AlternateContent xmlns:mc="http://schemas.openxmlformats.org/markup-compatibility/2006" xmlns:a14="http://schemas.microsoft.com/office/drawing/2010/main">
+        <mc:Choice Requires="a14">
           <p:sp>
             <p:nvSpPr>
               <p:cNvPr id="30" name="正方形/長方形 29"/>
@@ -15384,6 +15346,7 @@
               </a:bodyPr>
               <a:lstStyle/>
               <a:p>
+                <a:pPr/>
                 <a14:m>
                   <m:oMathPara xmlns:m="http://schemas.openxmlformats.org/officeDocument/2006/math">
                     <m:oMathParaPr>
@@ -15507,17 +15470,7 @@
                               <a:latin typeface="Cambria Math" panose="02040503050406030204" pitchFamily="18" charset="0"/>
                               <a:ea typeface="Cambria Math" panose="02040503050406030204" pitchFamily="18" charset="0"/>
                             </a:rPr>
-                            <m:t>𝑅𝑇𝐶</m:t>
-                          </m:r>
-                          <m:r>
-                            <a:rPr lang="en-US" altLang="ja-JP" b="0" i="1" smtClean="0">
-                              <a:solidFill>
-                                <a:schemeClr val="tx1"/>
-                              </a:solidFill>
-                              <a:latin typeface="Cambria Math" panose="02040503050406030204" pitchFamily="18" charset="0"/>
-                              <a:ea typeface="Cambria Math" panose="02040503050406030204" pitchFamily="18" charset="0"/>
-                            </a:rPr>
-                            <m:t>𝑛</m:t>
+                            <m:t>𝑅𝑇𝐶𝑛</m:t>
                           </m:r>
                         </m:sub>
                         <m:sup/>
@@ -15727,7 +15680,7 @@
             </p:txBody>
           </p:sp>
         </mc:Choice>
-        <mc:Fallback>
+        <mc:Fallback xmlns="">
           <p:sp>
             <p:nvSpPr>
               <p:cNvPr id="30" name="正方形/長方形 29"/>
@@ -15780,8 +15733,8 @@
             <a:chExt cx="7768566" cy="1780368"/>
           </a:xfrm>
         </p:grpSpPr>
-        <mc:AlternateContent xmlns:mc="http://schemas.openxmlformats.org/markup-compatibility/2006">
-          <mc:Choice xmlns:a14="http://schemas.microsoft.com/office/drawing/2010/main" Requires="a14">
+        <mc:AlternateContent xmlns:mc="http://schemas.openxmlformats.org/markup-compatibility/2006" xmlns:a14="http://schemas.microsoft.com/office/drawing/2010/main">
+          <mc:Choice Requires="a14">
             <p:sp>
               <p:nvSpPr>
                 <p:cNvPr id="32" name="テキスト ボックス 31"/>
@@ -15865,7 +15818,7 @@
               </p:txBody>
             </p:sp>
           </mc:Choice>
-          <mc:Fallback>
+          <mc:Fallback xmlns="">
             <p:sp>
               <p:nvSpPr>
                 <p:cNvPr id="32" name="テキスト ボックス 31"/>
@@ -15946,8 +15899,8 @@
             </a:p>
           </p:txBody>
         </p:sp>
-        <mc:AlternateContent xmlns:mc="http://schemas.openxmlformats.org/markup-compatibility/2006">
-          <mc:Choice xmlns:a14="http://schemas.microsoft.com/office/drawing/2010/main" Requires="a14">
+        <mc:AlternateContent xmlns:mc="http://schemas.openxmlformats.org/markup-compatibility/2006" xmlns:a14="http://schemas.microsoft.com/office/drawing/2010/main">
+          <mc:Choice Requires="a14">
             <p:sp>
               <p:nvSpPr>
                 <p:cNvPr id="34" name="テキスト ボックス 33"/>
@@ -15975,28 +15928,7 @@
                       <a:latin typeface="HGPｺﾞｼｯｸM" panose="020B0600000000000000" pitchFamily="50" charset="-128"/>
                       <a:ea typeface="HGPｺﾞｼｯｸM" panose="020B0600000000000000" pitchFamily="50" charset="-128"/>
                     </a:rPr>
-                    <a:t>1 </a:t>
-                  </a:r>
-                  <a:r>
-                    <a:rPr kumimoji="1" lang="en-US" altLang="ja-JP" sz="2800" i="1" dirty="0" smtClean="0">
-                      <a:latin typeface="HGPｺﾞｼｯｸM" panose="020B0600000000000000" pitchFamily="50" charset="-128"/>
-                      <a:ea typeface="HGPｺﾞｼｯｸM" panose="020B0600000000000000" pitchFamily="50" charset="-128"/>
-                    </a:rPr>
-                    <a:t>  </a:t>
-                  </a:r>
-                  <a:r>
-                    <a:rPr kumimoji="1" lang="en-US" altLang="ja-JP" sz="2800" i="1" dirty="0" smtClean="0">
-                      <a:latin typeface="HGPｺﾞｼｯｸM" panose="020B0600000000000000" pitchFamily="50" charset="-128"/>
-                      <a:ea typeface="HGPｺﾞｼｯｸM" panose="020B0600000000000000" pitchFamily="50" charset="-128"/>
-                    </a:rPr>
-                    <a:t>if </a:t>
-                  </a:r>
-                  <a:r>
-                    <a:rPr kumimoji="1" lang="en-US" altLang="ja-JP" sz="2800" i="1" dirty="0" smtClean="0">
-                      <a:latin typeface="HGPｺﾞｼｯｸM" panose="020B0600000000000000" pitchFamily="50" charset="-128"/>
-                      <a:ea typeface="HGPｺﾞｼｯｸM" panose="020B0600000000000000" pitchFamily="50" charset="-128"/>
-                    </a:rPr>
-                    <a:t> </a:t>
+                    <a:t>1   if  </a:t>
                   </a:r>
                   <a14:m>
                     <m:oMath xmlns:m="http://schemas.openxmlformats.org/officeDocument/2006/math">
@@ -16171,7 +16103,7 @@
               </p:txBody>
             </p:sp>
           </mc:Choice>
-          <mc:Fallback>
+          <mc:Fallback xmlns="">
             <p:sp>
               <p:nvSpPr>
                 <p:cNvPr id="34" name="テキスト ボックス 33"/>
@@ -16237,14 +16169,7 @@
                   <a:latin typeface="HGPｺﾞｼｯｸM" panose="020B0600000000000000" pitchFamily="50" charset="-128"/>
                   <a:ea typeface="HGPｺﾞｼｯｸM" panose="020B0600000000000000" pitchFamily="50" charset="-128"/>
                 </a:rPr>
-                <a:t>0  </a:t>
-              </a:r>
-              <a:r>
-                <a:rPr kumimoji="1" lang="en-US" altLang="ja-JP" sz="2800" i="1" dirty="0" smtClean="0">
-                  <a:latin typeface="HGPｺﾞｼｯｸM" panose="020B0600000000000000" pitchFamily="50" charset="-128"/>
-                  <a:ea typeface="HGPｺﾞｼｯｸM" panose="020B0600000000000000" pitchFamily="50" charset="-128"/>
-                </a:rPr>
-                <a:t> otherwise</a:t>
+                <a:t>0   otherwise</a:t>
               </a:r>
               <a:endParaRPr kumimoji="1" lang="en-US" altLang="ja-JP" sz="2800" b="0" i="1" dirty="0" smtClean="0">
                 <a:latin typeface="HGPｺﾞｼｯｸM" panose="020B0600000000000000" pitchFamily="50" charset="-128"/>
@@ -25129,49 +25054,49 @@
                 <a:gridCol w="720000">
                   <a:extLst>
                     <a:ext uri="{9D8B030D-6E8A-4147-A177-3AD203B41FA5}">
-                      <a16:colId xmlns:a16="http://schemas.microsoft.com/office/drawing/2014/main" xmlns="" val="2385125368"/>
+                      <a16:colId xmlns:a16="http://schemas.microsoft.com/office/drawing/2014/main" val="2385125368"/>
                     </a:ext>
                   </a:extLst>
                 </a:gridCol>
                 <a:gridCol w="720000">
                   <a:extLst>
                     <a:ext uri="{9D8B030D-6E8A-4147-A177-3AD203B41FA5}">
-                      <a16:colId xmlns:a16="http://schemas.microsoft.com/office/drawing/2014/main" xmlns="" val="2599857777"/>
+                      <a16:colId xmlns:a16="http://schemas.microsoft.com/office/drawing/2014/main" val="2599857777"/>
                     </a:ext>
                   </a:extLst>
                 </a:gridCol>
                 <a:gridCol w="720000">
                   <a:extLst>
                     <a:ext uri="{9D8B030D-6E8A-4147-A177-3AD203B41FA5}">
-                      <a16:colId xmlns:a16="http://schemas.microsoft.com/office/drawing/2014/main" xmlns="" val="4293876959"/>
+                      <a16:colId xmlns:a16="http://schemas.microsoft.com/office/drawing/2014/main" val="4293876959"/>
                     </a:ext>
                   </a:extLst>
                 </a:gridCol>
                 <a:gridCol w="720000">
                   <a:extLst>
                     <a:ext uri="{9D8B030D-6E8A-4147-A177-3AD203B41FA5}">
-                      <a16:colId xmlns:a16="http://schemas.microsoft.com/office/drawing/2014/main" xmlns="" val="185903597"/>
+                      <a16:colId xmlns:a16="http://schemas.microsoft.com/office/drawing/2014/main" val="185903597"/>
                     </a:ext>
                   </a:extLst>
                 </a:gridCol>
                 <a:gridCol w="720000">
                   <a:extLst>
                     <a:ext uri="{9D8B030D-6E8A-4147-A177-3AD203B41FA5}">
-                      <a16:colId xmlns:a16="http://schemas.microsoft.com/office/drawing/2014/main" xmlns="" val="967980824"/>
+                      <a16:colId xmlns:a16="http://schemas.microsoft.com/office/drawing/2014/main" val="967980824"/>
                     </a:ext>
                   </a:extLst>
                 </a:gridCol>
                 <a:gridCol w="720000">
                   <a:extLst>
                     <a:ext uri="{9D8B030D-6E8A-4147-A177-3AD203B41FA5}">
-                      <a16:colId xmlns:a16="http://schemas.microsoft.com/office/drawing/2014/main" xmlns="" val="3107065488"/>
+                      <a16:colId xmlns:a16="http://schemas.microsoft.com/office/drawing/2014/main" val="3107065488"/>
                     </a:ext>
                   </a:extLst>
                 </a:gridCol>
                 <a:gridCol w="720000">
                   <a:extLst>
                     <a:ext uri="{9D8B030D-6E8A-4147-A177-3AD203B41FA5}">
-                      <a16:colId xmlns:a16="http://schemas.microsoft.com/office/drawing/2014/main" xmlns="" val="1277420439"/>
+                      <a16:colId xmlns:a16="http://schemas.microsoft.com/office/drawing/2014/main" val="1277420439"/>
                     </a:ext>
                   </a:extLst>
                 </a:gridCol>
@@ -25697,7 +25622,7 @@
                 </a:tc>
                 <a:extLst>
                   <a:ext uri="{0D108BD9-81ED-4DB2-BD59-A6C34878D82A}">
-                    <a16:rowId xmlns:a16="http://schemas.microsoft.com/office/drawing/2014/main" xmlns="" val="584487917"/>
+                    <a16:rowId xmlns:a16="http://schemas.microsoft.com/office/drawing/2014/main" val="584487917"/>
                   </a:ext>
                 </a:extLst>
               </a:tr>
@@ -26222,7 +26147,7 @@
                 </a:tc>
                 <a:extLst>
                   <a:ext uri="{0D108BD9-81ED-4DB2-BD59-A6C34878D82A}">
-                    <a16:rowId xmlns:a16="http://schemas.microsoft.com/office/drawing/2014/main" xmlns="" val="1863994553"/>
+                    <a16:rowId xmlns:a16="http://schemas.microsoft.com/office/drawing/2014/main" val="1863994553"/>
                   </a:ext>
                 </a:extLst>
               </a:tr>
@@ -26725,7 +26650,7 @@
                 </a:tc>
                 <a:extLst>
                   <a:ext uri="{0D108BD9-81ED-4DB2-BD59-A6C34878D82A}">
-                    <a16:rowId xmlns:a16="http://schemas.microsoft.com/office/drawing/2014/main" xmlns="" val="2813642046"/>
+                    <a16:rowId xmlns:a16="http://schemas.microsoft.com/office/drawing/2014/main" val="2813642046"/>
                   </a:ext>
                 </a:extLst>
               </a:tr>
@@ -27217,7 +27142,7 @@
                 </a:tc>
                 <a:extLst>
                   <a:ext uri="{0D108BD9-81ED-4DB2-BD59-A6C34878D82A}">
-                    <a16:rowId xmlns:a16="http://schemas.microsoft.com/office/drawing/2014/main" xmlns="" val="2056728271"/>
+                    <a16:rowId xmlns:a16="http://schemas.microsoft.com/office/drawing/2014/main" val="2056728271"/>
                   </a:ext>
                 </a:extLst>
               </a:tr>
@@ -27731,7 +27656,7 @@
                 </a:tc>
                 <a:extLst>
                   <a:ext uri="{0D108BD9-81ED-4DB2-BD59-A6C34878D82A}">
-                    <a16:rowId xmlns:a16="http://schemas.microsoft.com/office/drawing/2014/main" xmlns="" val="2613689561"/>
+                    <a16:rowId xmlns:a16="http://schemas.microsoft.com/office/drawing/2014/main" val="2613689561"/>
                   </a:ext>
                 </a:extLst>
               </a:tr>
@@ -28256,7 +28181,7 @@
                 </a:tc>
                 <a:extLst>
                   <a:ext uri="{0D108BD9-81ED-4DB2-BD59-A6C34878D82A}">
-                    <a16:rowId xmlns:a16="http://schemas.microsoft.com/office/drawing/2014/main" xmlns="" val="1320574715"/>
+                    <a16:rowId xmlns:a16="http://schemas.microsoft.com/office/drawing/2014/main" val="1320574715"/>
                   </a:ext>
                 </a:extLst>
               </a:tr>
@@ -28388,49 +28313,49 @@
                     <a:gridCol w="720000">
                       <a:extLst>
                         <a:ext uri="{9D8B030D-6E8A-4147-A177-3AD203B41FA5}">
-                          <a16:colId xmlns:a16="http://schemas.microsoft.com/office/drawing/2014/main" xmlns="" val="849826274"/>
+                          <a16:colId xmlns:a16="http://schemas.microsoft.com/office/drawing/2014/main" val="849826274"/>
                         </a:ext>
                       </a:extLst>
                     </a:gridCol>
                     <a:gridCol w="720000">
                       <a:extLst>
                         <a:ext uri="{9D8B030D-6E8A-4147-A177-3AD203B41FA5}">
-                          <a16:colId xmlns:a16="http://schemas.microsoft.com/office/drawing/2014/main" xmlns="" val="3122597115"/>
+                          <a16:colId xmlns:a16="http://schemas.microsoft.com/office/drawing/2014/main" val="3122597115"/>
                         </a:ext>
                       </a:extLst>
                     </a:gridCol>
                     <a:gridCol w="720000">
                       <a:extLst>
                         <a:ext uri="{9D8B030D-6E8A-4147-A177-3AD203B41FA5}">
-                          <a16:colId xmlns:a16="http://schemas.microsoft.com/office/drawing/2014/main" xmlns="" val="2119792792"/>
+                          <a16:colId xmlns:a16="http://schemas.microsoft.com/office/drawing/2014/main" val="2119792792"/>
                         </a:ext>
                       </a:extLst>
                     </a:gridCol>
                     <a:gridCol w="720000">
                       <a:extLst>
                         <a:ext uri="{9D8B030D-6E8A-4147-A177-3AD203B41FA5}">
-                          <a16:colId xmlns:a16="http://schemas.microsoft.com/office/drawing/2014/main" xmlns="" val="3054159046"/>
+                          <a16:colId xmlns:a16="http://schemas.microsoft.com/office/drawing/2014/main" val="3054159046"/>
                         </a:ext>
                       </a:extLst>
                     </a:gridCol>
                     <a:gridCol w="720000">
                       <a:extLst>
                         <a:ext uri="{9D8B030D-6E8A-4147-A177-3AD203B41FA5}">
-                          <a16:colId xmlns:a16="http://schemas.microsoft.com/office/drawing/2014/main" xmlns="" val="1335098707"/>
+                          <a16:colId xmlns:a16="http://schemas.microsoft.com/office/drawing/2014/main" val="1335098707"/>
                         </a:ext>
                       </a:extLst>
                     </a:gridCol>
                     <a:gridCol w="720000">
                       <a:extLst>
                         <a:ext uri="{9D8B030D-6E8A-4147-A177-3AD203B41FA5}">
-                          <a16:colId xmlns:a16="http://schemas.microsoft.com/office/drawing/2014/main" xmlns="" val="2189793948"/>
+                          <a16:colId xmlns:a16="http://schemas.microsoft.com/office/drawing/2014/main" val="2189793948"/>
                         </a:ext>
                       </a:extLst>
                     </a:gridCol>
                     <a:gridCol w="720000">
                       <a:extLst>
                         <a:ext uri="{9D8B030D-6E8A-4147-A177-3AD203B41FA5}">
-                          <a16:colId xmlns:a16="http://schemas.microsoft.com/office/drawing/2014/main" xmlns="" val="4073850615"/>
+                          <a16:colId xmlns:a16="http://schemas.microsoft.com/office/drawing/2014/main" val="4073850615"/>
                         </a:ext>
                       </a:extLst>
                     </a:gridCol>
@@ -29515,7 +29440,7 @@
                     </a:tc>
                     <a:extLst>
                       <a:ext uri="{0D108BD9-81ED-4DB2-BD59-A6C34878D82A}">
-                        <a16:rowId xmlns:a16="http://schemas.microsoft.com/office/drawing/2014/main" xmlns="" val="2282192497"/>
+                        <a16:rowId xmlns:a16="http://schemas.microsoft.com/office/drawing/2014/main" val="2282192497"/>
                       </a:ext>
                     </a:extLst>
                   </a:tr>
@@ -30698,7 +30623,7 @@
                     </a:tc>
                     <a:extLst>
                       <a:ext uri="{0D108BD9-81ED-4DB2-BD59-A6C34878D82A}">
-                        <a16:rowId xmlns:a16="http://schemas.microsoft.com/office/drawing/2014/main" xmlns="" val="285879134"/>
+                        <a16:rowId xmlns:a16="http://schemas.microsoft.com/office/drawing/2014/main" val="285879134"/>
                       </a:ext>
                     </a:extLst>
                   </a:tr>
@@ -31326,7 +31251,7 @@
                     </a:tc>
                     <a:extLst>
                       <a:ext uri="{0D108BD9-81ED-4DB2-BD59-A6C34878D82A}">
-                        <a16:rowId xmlns:a16="http://schemas.microsoft.com/office/drawing/2014/main" xmlns="" val="1414773290"/>
+                        <a16:rowId xmlns:a16="http://schemas.microsoft.com/office/drawing/2014/main" val="1414773290"/>
                       </a:ext>
                     </a:extLst>
                   </a:tr>
@@ -31954,7 +31879,7 @@
                     </a:tc>
                     <a:extLst>
                       <a:ext uri="{0D108BD9-81ED-4DB2-BD59-A6C34878D82A}">
-                        <a16:rowId xmlns:a16="http://schemas.microsoft.com/office/drawing/2014/main" xmlns="" val="3029169098"/>
+                        <a16:rowId xmlns:a16="http://schemas.microsoft.com/office/drawing/2014/main" val="3029169098"/>
                       </a:ext>
                     </a:extLst>
                   </a:tr>
@@ -32582,7 +32507,7 @@
                     </a:tc>
                     <a:extLst>
                       <a:ext uri="{0D108BD9-81ED-4DB2-BD59-A6C34878D82A}">
-                        <a16:rowId xmlns:a16="http://schemas.microsoft.com/office/drawing/2014/main" xmlns="" val="1551467127"/>
+                        <a16:rowId xmlns:a16="http://schemas.microsoft.com/office/drawing/2014/main" val="1551467127"/>
                       </a:ext>
                     </a:extLst>
                   </a:tr>
@@ -33210,7 +33135,7 @@
                     </a:tc>
                     <a:extLst>
                       <a:ext uri="{0D108BD9-81ED-4DB2-BD59-A6C34878D82A}">
-                        <a16:rowId xmlns:a16="http://schemas.microsoft.com/office/drawing/2014/main" xmlns="" val="1957575383"/>
+                        <a16:rowId xmlns:a16="http://schemas.microsoft.com/office/drawing/2014/main" val="1957575383"/>
                       </a:ext>
                     </a:extLst>
                   </a:tr>
